--- a/28_AI_Project_Canvas_including_FAIR_v1.pptx
+++ b/28_AI_Project_Canvas_including_FAIR_v1.pptx
@@ -1,22 +1,449 @@
 
 <file path=ppt/presentation.xml><?xml version="1.0" encoding="utf-8"?>
-<p:presentation xmlns:a="http://schemas.openxmlformats.org/drawingml/2006/main" xmlns:p="http://schemas.openxmlformats.org/presentationml/2006/main" xmlns:r="http://schemas.openxmlformats.org/officeDocument/2006/relationships" xmlns:p14="http://schemas.microsoft.com/office/powerpoint/2010/main" xmlns:p15="http://schemas.microsoft.com/office/powerpoint/2012/main" xmlns:mc="http://schemas.openxmlformats.org/markup-compatibility/2006">
+<p:presentation xmlns:a="http://schemas.openxmlformats.org/drawingml/2006/main" xmlns:r="http://schemas.openxmlformats.org/officeDocument/2006/relationships" xmlns:p="http://schemas.openxmlformats.org/presentationml/2006/main">
   <p:sldMasterIdLst>
-    <p:sldMasterId id="2147483648" r:id="rId2"/>
+    <p:sldMasterId id="2147483648" r:id="rId1"/>
   </p:sldMasterIdLst>
   <p:notesMasterIdLst>
     <p:notesMasterId r:id="rId3"/>
   </p:notesMasterIdLst>
   <p:sldIdLst>
-    <p:sldId id="256" r:id="rId4"/>
+    <p:sldId id="256" r:id="rId2"/>
   </p:sldIdLst>
-  <p:sldSz cx="9144000" cy="5143500"/>
+  <p:sldSz cx="9144000" cy="5143500" type="screen16x9"/>
   <p:notesSz cx="6858000" cy="9144000"/>
+  <p:defaultTextStyle>
+    <a:defPPr>
+      <a:defRPr lang="en-US"/>
+    </a:defPPr>
+    <a:lvl1pPr marL="0" algn="l" defTabSz="914400" rtl="0" eaLnBrk="1" latinLnBrk="0" hangingPunct="1">
+      <a:defRPr sz="1800" kern="1200">
+        <a:solidFill>
+          <a:schemeClr val="tx1"/>
+        </a:solidFill>
+        <a:latin typeface="+mn-lt"/>
+        <a:ea typeface="+mn-ea"/>
+        <a:cs typeface="+mn-cs"/>
+      </a:defRPr>
+    </a:lvl1pPr>
+    <a:lvl2pPr marL="457200" algn="l" defTabSz="914400" rtl="0" eaLnBrk="1" latinLnBrk="0" hangingPunct="1">
+      <a:defRPr sz="1800" kern="1200">
+        <a:solidFill>
+          <a:schemeClr val="tx1"/>
+        </a:solidFill>
+        <a:latin typeface="+mn-lt"/>
+        <a:ea typeface="+mn-ea"/>
+        <a:cs typeface="+mn-cs"/>
+      </a:defRPr>
+    </a:lvl2pPr>
+    <a:lvl3pPr marL="914400" algn="l" defTabSz="914400" rtl="0" eaLnBrk="1" latinLnBrk="0" hangingPunct="1">
+      <a:defRPr sz="1800" kern="1200">
+        <a:solidFill>
+          <a:schemeClr val="tx1"/>
+        </a:solidFill>
+        <a:latin typeface="+mn-lt"/>
+        <a:ea typeface="+mn-ea"/>
+        <a:cs typeface="+mn-cs"/>
+      </a:defRPr>
+    </a:lvl3pPr>
+    <a:lvl4pPr marL="1371600" algn="l" defTabSz="914400" rtl="0" eaLnBrk="1" latinLnBrk="0" hangingPunct="1">
+      <a:defRPr sz="1800" kern="1200">
+        <a:solidFill>
+          <a:schemeClr val="tx1"/>
+        </a:solidFill>
+        <a:latin typeface="+mn-lt"/>
+        <a:ea typeface="+mn-ea"/>
+        <a:cs typeface="+mn-cs"/>
+      </a:defRPr>
+    </a:lvl4pPr>
+    <a:lvl5pPr marL="1828800" algn="l" defTabSz="914400" rtl="0" eaLnBrk="1" latinLnBrk="0" hangingPunct="1">
+      <a:defRPr sz="1800" kern="1200">
+        <a:solidFill>
+          <a:schemeClr val="tx1"/>
+        </a:solidFill>
+        <a:latin typeface="+mn-lt"/>
+        <a:ea typeface="+mn-ea"/>
+        <a:cs typeface="+mn-cs"/>
+      </a:defRPr>
+    </a:lvl5pPr>
+    <a:lvl6pPr marL="2286000" algn="l" defTabSz="914400" rtl="0" eaLnBrk="1" latinLnBrk="0" hangingPunct="1">
+      <a:defRPr sz="1800" kern="1200">
+        <a:solidFill>
+          <a:schemeClr val="tx1"/>
+        </a:solidFill>
+        <a:latin typeface="+mn-lt"/>
+        <a:ea typeface="+mn-ea"/>
+        <a:cs typeface="+mn-cs"/>
+      </a:defRPr>
+    </a:lvl6pPr>
+    <a:lvl7pPr marL="2743200" algn="l" defTabSz="914400" rtl="0" eaLnBrk="1" latinLnBrk="0" hangingPunct="1">
+      <a:defRPr sz="1800" kern="1200">
+        <a:solidFill>
+          <a:schemeClr val="tx1"/>
+        </a:solidFill>
+        <a:latin typeface="+mn-lt"/>
+        <a:ea typeface="+mn-ea"/>
+        <a:cs typeface="+mn-cs"/>
+      </a:defRPr>
+    </a:lvl7pPr>
+    <a:lvl8pPr marL="3200400" algn="l" defTabSz="914400" rtl="0" eaLnBrk="1" latinLnBrk="0" hangingPunct="1">
+      <a:defRPr sz="1800" kern="1200">
+        <a:solidFill>
+          <a:schemeClr val="tx1"/>
+        </a:solidFill>
+        <a:latin typeface="+mn-lt"/>
+        <a:ea typeface="+mn-ea"/>
+        <a:cs typeface="+mn-cs"/>
+      </a:defRPr>
+    </a:lvl8pPr>
+    <a:lvl9pPr marL="3657600" algn="l" defTabSz="914400" rtl="0" eaLnBrk="1" latinLnBrk="0" hangingPunct="1">
+      <a:defRPr sz="1800" kern="1200">
+        <a:solidFill>
+          <a:schemeClr val="tx1"/>
+        </a:solidFill>
+        <a:latin typeface="+mn-lt"/>
+        <a:ea typeface="+mn-ea"/>
+        <a:cs typeface="+mn-cs"/>
+      </a:defRPr>
+    </a:lvl9pPr>
+  </p:defaultTextStyle>
 </p:presentation>
 </file>
 
 <file path=ppt/notesMasters/notesMaster1.xml><?xml version="1.0" encoding="utf-8"?>
-<p:notesMaster xmlns:a="http://schemas.openxmlformats.org/drawingml/2006/main" xmlns:p="http://schemas.openxmlformats.org/presentationml/2006/main" xmlns:r="http://schemas.openxmlformats.org/officeDocument/2006/relationships" xmlns:p14="http://schemas.microsoft.com/office/powerpoint/2010/main" xmlns:p15="http://schemas.microsoft.com/office/powerpoint/2012/main" xmlns:mc="http://schemas.openxmlformats.org/markup-compatibility/2006">
+<p:notesMaster xmlns:a="http://schemas.openxmlformats.org/drawingml/2006/main" xmlns:r="http://schemas.openxmlformats.org/officeDocument/2006/relationships" xmlns:p="http://schemas.openxmlformats.org/presentationml/2006/main">
+  <p:cSld>
+    <p:bg>
+      <p:bgRef idx="1001">
+        <a:schemeClr val="bg1"/>
+      </p:bgRef>
+    </p:bg>
+    <p:spTree>
+      <p:nvGrpSpPr>
+        <p:cNvPr id="1" name=""/>
+        <p:cNvGrpSpPr/>
+        <p:nvPr/>
+      </p:nvGrpSpPr>
+      <p:grpSpPr>
+        <a:xfrm>
+          <a:off x="0" y="0"/>
+          <a:ext cx="0" cy="0"/>
+          <a:chOff x="0" y="0"/>
+          <a:chExt cx="0" cy="0"/>
+        </a:xfrm>
+      </p:grpSpPr>
+      <p:sp>
+        <p:nvSpPr>
+          <p:cNvPr id="38" name="PlaceHolder 1"/>
+          <p:cNvSpPr>
+            <a:spLocks noGrp="1" noRot="1" noChangeAspect="1"/>
+          </p:cNvSpPr>
+          <p:nvPr>
+            <p:ph type="sldImg"/>
+          </p:nvPr>
+        </p:nvSpPr>
+        <p:spPr>
+          <a:xfrm>
+            <a:off x="216000" y="812520"/>
+            <a:ext cx="7127280" cy="4008960"/>
+          </a:xfrm>
+          <a:prstGeom prst="rect">
+            <a:avLst/>
+          </a:prstGeom>
+        </p:spPr>
+        <p:txBody>
+          <a:bodyPr lIns="0" tIns="0" rIns="0" bIns="0" anchor="ctr">
+            <a:noAutofit/>
+          </a:bodyPr>
+          <a:lstStyle/>
+          <a:p>
+            <a:r>
+              <a:rPr lang="nl-NL" sz="1800" b="0" strike="noStrike" spc="-1">
+                <a:solidFill>
+                  <a:srgbClr val="000000"/>
+                </a:solidFill>
+                <a:latin typeface="Verdana"/>
+              </a:rPr>
+              <a:t>Click to move the slide</a:t>
+            </a:r>
+          </a:p>
+        </p:txBody>
+      </p:sp>
+      <p:sp>
+        <p:nvSpPr>
+          <p:cNvPr id="39" name="PlaceHolder 2"/>
+          <p:cNvSpPr>
+            <a:spLocks noGrp="1"/>
+          </p:cNvSpPr>
+          <p:nvPr>
+            <p:ph type="body"/>
+          </p:nvPr>
+        </p:nvSpPr>
+        <p:spPr>
+          <a:xfrm>
+            <a:off x="756000" y="5078520"/>
+            <a:ext cx="6047640" cy="4811040"/>
+          </a:xfrm>
+          <a:prstGeom prst="rect">
+            <a:avLst/>
+          </a:prstGeom>
+        </p:spPr>
+        <p:txBody>
+          <a:bodyPr lIns="0" tIns="0" rIns="0" bIns="0">
+            <a:noAutofit/>
+          </a:bodyPr>
+          <a:lstStyle/>
+          <a:p>
+            <a:r>
+              <a:rPr lang="en-US" sz="2000" b="0" strike="noStrike" spc="-1">
+                <a:latin typeface="Arial"/>
+              </a:rPr>
+              <a:t>Click to edit the notes format</a:t>
+            </a:r>
+          </a:p>
+        </p:txBody>
+      </p:sp>
+      <p:sp>
+        <p:nvSpPr>
+          <p:cNvPr id="40" name="PlaceHolder 3"/>
+          <p:cNvSpPr>
+            <a:spLocks noGrp="1"/>
+          </p:cNvSpPr>
+          <p:nvPr>
+            <p:ph type="hdr"/>
+          </p:nvPr>
+        </p:nvSpPr>
+        <p:spPr>
+          <a:xfrm>
+            <a:off x="0" y="0"/>
+            <a:ext cx="3280680" cy="534240"/>
+          </a:xfrm>
+          <a:prstGeom prst="rect">
+            <a:avLst/>
+          </a:prstGeom>
+        </p:spPr>
+        <p:txBody>
+          <a:bodyPr lIns="0" tIns="0" rIns="0" bIns="0">
+            <a:noAutofit/>
+          </a:bodyPr>
+          <a:lstStyle/>
+          <a:p>
+            <a:r>
+              <a:rPr lang="en-US" sz="1400" b="0" strike="noStrike" spc="-1">
+                <a:latin typeface="Times New Roman"/>
+              </a:rPr>
+              <a:t>&lt;header&gt;</a:t>
+            </a:r>
+          </a:p>
+        </p:txBody>
+      </p:sp>
+      <p:sp>
+        <p:nvSpPr>
+          <p:cNvPr id="41" name="PlaceHolder 4"/>
+          <p:cNvSpPr>
+            <a:spLocks noGrp="1"/>
+          </p:cNvSpPr>
+          <p:nvPr>
+            <p:ph type="dt"/>
+          </p:nvPr>
+        </p:nvSpPr>
+        <p:spPr>
+          <a:xfrm>
+            <a:off x="4278960" y="0"/>
+            <a:ext cx="3280680" cy="534240"/>
+          </a:xfrm>
+          <a:prstGeom prst="rect">
+            <a:avLst/>
+          </a:prstGeom>
+        </p:spPr>
+        <p:txBody>
+          <a:bodyPr lIns="0" tIns="0" rIns="0" bIns="0">
+            <a:noAutofit/>
+          </a:bodyPr>
+          <a:lstStyle/>
+          <a:p>
+            <a:pPr algn="r"/>
+            <a:r>
+              <a:rPr lang="en-US" sz="1400" b="0" strike="noStrike" spc="-1">
+                <a:latin typeface="Times New Roman"/>
+              </a:rPr>
+              <a:t>&lt;date/time&gt;</a:t>
+            </a:r>
+          </a:p>
+        </p:txBody>
+      </p:sp>
+      <p:sp>
+        <p:nvSpPr>
+          <p:cNvPr id="42" name="PlaceHolder 5"/>
+          <p:cNvSpPr>
+            <a:spLocks noGrp="1"/>
+          </p:cNvSpPr>
+          <p:nvPr>
+            <p:ph type="ftr"/>
+          </p:nvPr>
+        </p:nvSpPr>
+        <p:spPr>
+          <a:xfrm>
+            <a:off x="0" y="10157400"/>
+            <a:ext cx="3280680" cy="534240"/>
+          </a:xfrm>
+          <a:prstGeom prst="rect">
+            <a:avLst/>
+          </a:prstGeom>
+        </p:spPr>
+        <p:txBody>
+          <a:bodyPr lIns="0" tIns="0" rIns="0" bIns="0" anchor="b">
+            <a:noAutofit/>
+          </a:bodyPr>
+          <a:lstStyle/>
+          <a:p>
+            <a:r>
+              <a:rPr lang="en-US" sz="1400" b="0" strike="noStrike" spc="-1">
+                <a:latin typeface="Times New Roman"/>
+              </a:rPr>
+              <a:t>&lt;footer&gt;</a:t>
+            </a:r>
+          </a:p>
+        </p:txBody>
+      </p:sp>
+      <p:sp>
+        <p:nvSpPr>
+          <p:cNvPr id="43" name="PlaceHolder 6"/>
+          <p:cNvSpPr>
+            <a:spLocks noGrp="1"/>
+          </p:cNvSpPr>
+          <p:nvPr>
+            <p:ph type="sldNum"/>
+          </p:nvPr>
+        </p:nvSpPr>
+        <p:spPr>
+          <a:xfrm>
+            <a:off x="4278960" y="10157400"/>
+            <a:ext cx="3280680" cy="534240"/>
+          </a:xfrm>
+          <a:prstGeom prst="rect">
+            <a:avLst/>
+          </a:prstGeom>
+        </p:spPr>
+        <p:txBody>
+          <a:bodyPr lIns="0" tIns="0" rIns="0" bIns="0" anchor="b">
+            <a:noAutofit/>
+          </a:bodyPr>
+          <a:lstStyle/>
+          <a:p>
+            <a:pPr algn="r"/>
+            <a:fld id="{6F608872-A423-4A25-AA64-661BF838AC5D}" type="slidenum">
+              <a:rPr lang="en-US" sz="1400" b="0" strike="noStrike" spc="-1">
+                <a:latin typeface="Times New Roman"/>
+              </a:rPr>
+              <a:t>‹#›</a:t>
+            </a:fld>
+            <a:endParaRPr lang="en-US" sz="1400" b="0" strike="noStrike" spc="-1">
+              <a:latin typeface="Times New Roman"/>
+            </a:endParaRPr>
+          </a:p>
+        </p:txBody>
+      </p:sp>
+    </p:spTree>
+  </p:cSld>
+  <p:clrMap bg1="lt1" tx1="dk1" bg2="lt2" tx2="dk2" accent1="accent1" accent2="accent2" accent3="accent3" accent4="accent4" accent5="accent5" accent6="accent6" hlink="hlink" folHlink="folHlink"/>
+  <p:notesStyle>
+    <a:lvl1pPr marL="0" algn="l" defTabSz="914400" rtl="0" eaLnBrk="1" latinLnBrk="0" hangingPunct="1">
+      <a:defRPr sz="1200" kern="1200">
+        <a:solidFill>
+          <a:schemeClr val="tx1"/>
+        </a:solidFill>
+        <a:latin typeface="+mn-lt"/>
+        <a:ea typeface="+mn-ea"/>
+        <a:cs typeface="+mn-cs"/>
+      </a:defRPr>
+    </a:lvl1pPr>
+    <a:lvl2pPr marL="457200" algn="l" defTabSz="914400" rtl="0" eaLnBrk="1" latinLnBrk="0" hangingPunct="1">
+      <a:defRPr sz="1200" kern="1200">
+        <a:solidFill>
+          <a:schemeClr val="tx1"/>
+        </a:solidFill>
+        <a:latin typeface="+mn-lt"/>
+        <a:ea typeface="+mn-ea"/>
+        <a:cs typeface="+mn-cs"/>
+      </a:defRPr>
+    </a:lvl2pPr>
+    <a:lvl3pPr marL="914400" algn="l" defTabSz="914400" rtl="0" eaLnBrk="1" latinLnBrk="0" hangingPunct="1">
+      <a:defRPr sz="1200" kern="1200">
+        <a:solidFill>
+          <a:schemeClr val="tx1"/>
+        </a:solidFill>
+        <a:latin typeface="+mn-lt"/>
+        <a:ea typeface="+mn-ea"/>
+        <a:cs typeface="+mn-cs"/>
+      </a:defRPr>
+    </a:lvl3pPr>
+    <a:lvl4pPr marL="1371600" algn="l" defTabSz="914400" rtl="0" eaLnBrk="1" latinLnBrk="0" hangingPunct="1">
+      <a:defRPr sz="1200" kern="1200">
+        <a:solidFill>
+          <a:schemeClr val="tx1"/>
+        </a:solidFill>
+        <a:latin typeface="+mn-lt"/>
+        <a:ea typeface="+mn-ea"/>
+        <a:cs typeface="+mn-cs"/>
+      </a:defRPr>
+    </a:lvl4pPr>
+    <a:lvl5pPr marL="1828800" algn="l" defTabSz="914400" rtl="0" eaLnBrk="1" latinLnBrk="0" hangingPunct="1">
+      <a:defRPr sz="1200" kern="1200">
+        <a:solidFill>
+          <a:schemeClr val="tx1"/>
+        </a:solidFill>
+        <a:latin typeface="+mn-lt"/>
+        <a:ea typeface="+mn-ea"/>
+        <a:cs typeface="+mn-cs"/>
+      </a:defRPr>
+    </a:lvl5pPr>
+    <a:lvl6pPr marL="2286000" algn="l" defTabSz="914400" rtl="0" eaLnBrk="1" latinLnBrk="0" hangingPunct="1">
+      <a:defRPr sz="1200" kern="1200">
+        <a:solidFill>
+          <a:schemeClr val="tx1"/>
+        </a:solidFill>
+        <a:latin typeface="+mn-lt"/>
+        <a:ea typeface="+mn-ea"/>
+        <a:cs typeface="+mn-cs"/>
+      </a:defRPr>
+    </a:lvl6pPr>
+    <a:lvl7pPr marL="2743200" algn="l" defTabSz="914400" rtl="0" eaLnBrk="1" latinLnBrk="0" hangingPunct="1">
+      <a:defRPr sz="1200" kern="1200">
+        <a:solidFill>
+          <a:schemeClr val="tx1"/>
+        </a:solidFill>
+        <a:latin typeface="+mn-lt"/>
+        <a:ea typeface="+mn-ea"/>
+        <a:cs typeface="+mn-cs"/>
+      </a:defRPr>
+    </a:lvl7pPr>
+    <a:lvl8pPr marL="3200400" algn="l" defTabSz="914400" rtl="0" eaLnBrk="1" latinLnBrk="0" hangingPunct="1">
+      <a:defRPr sz="1200" kern="1200">
+        <a:solidFill>
+          <a:schemeClr val="tx1"/>
+        </a:solidFill>
+        <a:latin typeface="+mn-lt"/>
+        <a:ea typeface="+mn-ea"/>
+        <a:cs typeface="+mn-cs"/>
+      </a:defRPr>
+    </a:lvl8pPr>
+    <a:lvl9pPr marL="3657600" algn="l" defTabSz="914400" rtl="0" eaLnBrk="1" latinLnBrk="0" hangingPunct="1">
+      <a:defRPr sz="1200" kern="1200">
+        <a:solidFill>
+          <a:schemeClr val="tx1"/>
+        </a:solidFill>
+        <a:latin typeface="+mn-lt"/>
+        <a:ea typeface="+mn-ea"/>
+        <a:cs typeface="+mn-cs"/>
+      </a:defRPr>
+    </a:lvl9pPr>
+  </p:notesStyle>
+</p:notesMaster>
+</file>
+
+<file path=ppt/notesSlides/notesSlide1.xml><?xml version="1.0" encoding="utf-8"?>
+<p:notes xmlns:a="http://schemas.openxmlformats.org/drawingml/2006/main" xmlns:r="http://schemas.openxmlformats.org/officeDocument/2006/relationships" xmlns:p="http://schemas.openxmlformats.org/presentationml/2006/main">
   <p:cSld>
     <p:spTree>
       <p:nvGrpSpPr>
@@ -34,9 +461,9 @@
       </p:grpSpPr>
       <p:sp>
         <p:nvSpPr>
-          <p:cNvPr id="38" name="PlaceHolder 1"/>
+          <p:cNvPr id="59" name="PlaceHolder 1"/>
           <p:cNvSpPr>
-            <a:spLocks noGrp="1"/>
+            <a:spLocks noGrp="1" noRot="1" noChangeAspect="1"/>
           </p:cNvSpPr>
           <p:nvPr>
             <p:ph type="sldImg"/>
@@ -44,255 +471,8 @@
         </p:nvSpPr>
         <p:spPr>
           <a:xfrm>
-            <a:off x="216000" y="812520"/>
-            <a:ext cx="7127280" cy="4008960"/>
-          </a:xfrm>
-          <a:prstGeom prst="rect">
-            <a:avLst/>
-          </a:prstGeom>
-        </p:spPr>
-        <p:txBody>
-          <a:bodyPr lIns="0" rIns="0" tIns="0" bIns="0" anchor="ctr">
-            <a:noAutofit/>
-          </a:bodyPr>
-          <a:p>
-            <a:r>
-              <a:rPr b="0" lang="nl-NL" sz="1800" spc="-1" strike="noStrike">
-                <a:solidFill>
-                  <a:srgbClr val="000000"/>
-                </a:solidFill>
-                <a:latin typeface="Verdana"/>
-              </a:rPr>
-              <a:t>Click to move the slide</a:t>
-            </a:r>
-            <a:endParaRPr b="0" lang="nl-NL" sz="1800" spc="-1" strike="noStrike">
-              <a:solidFill>
-                <a:srgbClr val="000000"/>
-              </a:solidFill>
-              <a:latin typeface="Verdana"/>
-            </a:endParaRPr>
-          </a:p>
-        </p:txBody>
-      </p:sp>
-      <p:sp>
-        <p:nvSpPr>
-          <p:cNvPr id="39" name="PlaceHolder 2"/>
-          <p:cNvSpPr>
-            <a:spLocks noGrp="1"/>
-          </p:cNvSpPr>
-          <p:nvPr>
-            <p:ph type="body"/>
-          </p:nvPr>
-        </p:nvSpPr>
-        <p:spPr>
-          <a:xfrm>
-            <a:off x="756000" y="5078520"/>
-            <a:ext cx="6047640" cy="4811040"/>
-          </a:xfrm>
-          <a:prstGeom prst="rect">
-            <a:avLst/>
-          </a:prstGeom>
-        </p:spPr>
-        <p:txBody>
-          <a:bodyPr lIns="0" rIns="0" tIns="0" bIns="0">
-            <a:noAutofit/>
-          </a:bodyPr>
-          <a:p>
-            <a:r>
-              <a:rPr b="0" lang="en-US" sz="2000" spc="-1" strike="noStrike">
-                <a:latin typeface="Arial"/>
-              </a:rPr>
-              <a:t>Click to edit the notes format</a:t>
-            </a:r>
-            <a:endParaRPr b="0" lang="en-US" sz="2000" spc="-1" strike="noStrike">
-              <a:latin typeface="Arial"/>
-            </a:endParaRPr>
-          </a:p>
-        </p:txBody>
-      </p:sp>
-      <p:sp>
-        <p:nvSpPr>
-          <p:cNvPr id="40" name="PlaceHolder 3"/>
-          <p:cNvSpPr>
-            <a:spLocks noGrp="1"/>
-          </p:cNvSpPr>
-          <p:nvPr>
-            <p:ph type="hdr"/>
-          </p:nvPr>
-        </p:nvSpPr>
-        <p:spPr>
-          <a:xfrm>
-            <a:off x="0" y="0"/>
-            <a:ext cx="3280680" cy="534240"/>
-          </a:xfrm>
-          <a:prstGeom prst="rect">
-            <a:avLst/>
-          </a:prstGeom>
-        </p:spPr>
-        <p:txBody>
-          <a:bodyPr lIns="0" rIns="0" tIns="0" bIns="0">
-            <a:noAutofit/>
-          </a:bodyPr>
-          <a:p>
-            <a:r>
-              <a:rPr b="0" lang="en-US" sz="1400" spc="-1" strike="noStrike">
-                <a:latin typeface="Times New Roman"/>
-              </a:rPr>
-              <a:t>&lt;header&gt;</a:t>
-            </a:r>
-            <a:endParaRPr b="0" lang="en-US" sz="1400" spc="-1" strike="noStrike">
-              <a:latin typeface="Times New Roman"/>
-            </a:endParaRPr>
-          </a:p>
-        </p:txBody>
-      </p:sp>
-      <p:sp>
-        <p:nvSpPr>
-          <p:cNvPr id="41" name="PlaceHolder 4"/>
-          <p:cNvSpPr>
-            <a:spLocks noGrp="1"/>
-          </p:cNvSpPr>
-          <p:nvPr>
-            <p:ph type="dt"/>
-          </p:nvPr>
-        </p:nvSpPr>
-        <p:spPr>
-          <a:xfrm>
-            <a:off x="4278960" y="0"/>
-            <a:ext cx="3280680" cy="534240"/>
-          </a:xfrm>
-          <a:prstGeom prst="rect">
-            <a:avLst/>
-          </a:prstGeom>
-        </p:spPr>
-        <p:txBody>
-          <a:bodyPr lIns="0" rIns="0" tIns="0" bIns="0">
-            <a:noAutofit/>
-          </a:bodyPr>
-          <a:p>
-            <a:pPr algn="r"/>
-            <a:r>
-              <a:rPr b="0" lang="en-US" sz="1400" spc="-1" strike="noStrike">
-                <a:latin typeface="Times New Roman"/>
-              </a:rPr>
-              <a:t>&lt;date/time&gt;</a:t>
-            </a:r>
-            <a:endParaRPr b="0" lang="en-US" sz="1400" spc="-1" strike="noStrike">
-              <a:latin typeface="Times New Roman"/>
-            </a:endParaRPr>
-          </a:p>
-        </p:txBody>
-      </p:sp>
-      <p:sp>
-        <p:nvSpPr>
-          <p:cNvPr id="42" name="PlaceHolder 5"/>
-          <p:cNvSpPr>
-            <a:spLocks noGrp="1"/>
-          </p:cNvSpPr>
-          <p:nvPr>
-            <p:ph type="ftr"/>
-          </p:nvPr>
-        </p:nvSpPr>
-        <p:spPr>
-          <a:xfrm>
-            <a:off x="0" y="10157400"/>
-            <a:ext cx="3280680" cy="534240"/>
-          </a:xfrm>
-          <a:prstGeom prst="rect">
-            <a:avLst/>
-          </a:prstGeom>
-        </p:spPr>
-        <p:txBody>
-          <a:bodyPr lIns="0" rIns="0" tIns="0" bIns="0" anchor="b">
-            <a:noAutofit/>
-          </a:bodyPr>
-          <a:p>
-            <a:r>
-              <a:rPr b="0" lang="en-US" sz="1400" spc="-1" strike="noStrike">
-                <a:latin typeface="Times New Roman"/>
-              </a:rPr>
-              <a:t>&lt;footer&gt;</a:t>
-            </a:r>
-            <a:endParaRPr b="0" lang="en-US" sz="1400" spc="-1" strike="noStrike">
-              <a:latin typeface="Times New Roman"/>
-            </a:endParaRPr>
-          </a:p>
-        </p:txBody>
-      </p:sp>
-      <p:sp>
-        <p:nvSpPr>
-          <p:cNvPr id="43" name="PlaceHolder 6"/>
-          <p:cNvSpPr>
-            <a:spLocks noGrp="1"/>
-          </p:cNvSpPr>
-          <p:nvPr>
-            <p:ph type="sldNum"/>
-          </p:nvPr>
-        </p:nvSpPr>
-        <p:spPr>
-          <a:xfrm>
-            <a:off x="4278960" y="10157400"/>
-            <a:ext cx="3280680" cy="534240"/>
-          </a:xfrm>
-          <a:prstGeom prst="rect">
-            <a:avLst/>
-          </a:prstGeom>
-        </p:spPr>
-        <p:txBody>
-          <a:bodyPr lIns="0" rIns="0" tIns="0" bIns="0" anchor="b">
-            <a:noAutofit/>
-          </a:bodyPr>
-          <a:p>
-            <a:pPr algn="r"/>
-            <a:fld id="{6F608872-A423-4A25-AA64-661BF838AC5D}" type="slidenum">
-              <a:rPr b="0" lang="en-US" sz="1400" spc="-1" strike="noStrike">
-                <a:latin typeface="Times New Roman"/>
-              </a:rPr>
-              <a:t>&lt;number&gt;</a:t>
-            </a:fld>
-            <a:endParaRPr b="0" lang="en-US" sz="1400" spc="-1" strike="noStrike">
-              <a:latin typeface="Times New Roman"/>
-            </a:endParaRPr>
-          </a:p>
-        </p:txBody>
-      </p:sp>
-    </p:spTree>
-  </p:cSld>
-  <p:clrMap bg1="lt1" bg2="lt2" tx1="dk1" tx2="dk2" accent1="accent1" accent2="accent2" accent3="accent3" accent4="accent4" accent5="accent5" accent6="accent6" hlink="hlink" folHlink="folHlink"/>
-</p:notesMaster>
-</file>
-
-<file path=ppt/notesSlides/notesSlide1.xml><?xml version="1.0" encoding="utf-8"?>
-<p:notes xmlns:a="http://schemas.openxmlformats.org/drawingml/2006/main" xmlns:p="http://schemas.openxmlformats.org/presentationml/2006/main" xmlns:r="http://schemas.openxmlformats.org/officeDocument/2006/relationships" xmlns:p14="http://schemas.microsoft.com/office/powerpoint/2010/main" xmlns:p15="http://schemas.microsoft.com/office/powerpoint/2012/main" xmlns:mc="http://schemas.openxmlformats.org/markup-compatibility/2006">
-  <p:cSld>
-    <p:spTree>
-      <p:nvGrpSpPr>
-        <p:cNvPr id="1" name=""/>
-        <p:cNvGrpSpPr/>
-        <p:nvPr/>
-      </p:nvGrpSpPr>
-      <p:grpSpPr>
-        <a:xfrm>
-          <a:off x="0" y="0"/>
-          <a:ext cx="0" cy="0"/>
-          <a:chOff x="0" y="0"/>
-          <a:chExt cx="0" cy="0"/>
-        </a:xfrm>
-      </p:grpSpPr>
-      <p:sp>
-        <p:nvSpPr>
-          <p:cNvPr id="59" name="PlaceHolder 1"/>
-          <p:cNvSpPr>
-            <a:spLocks noGrp="1"/>
-          </p:cNvSpPr>
-          <p:nvPr>
-            <p:ph type="sldImg"/>
-          </p:nvPr>
-        </p:nvSpPr>
-        <p:spPr>
-          <a:xfrm>
-            <a:off x="380880" y="685800"/>
-            <a:ext cx="6095520" cy="3428640"/>
+            <a:off x="381000" y="685800"/>
+            <a:ext cx="6096000" cy="3429000"/>
           </a:xfrm>
           <a:prstGeom prst="rect">
             <a:avLst/>
@@ -322,8 +502,9 @@
           <a:bodyPr>
             <a:noAutofit/>
           </a:bodyPr>
-          <a:p>
-            <a:endParaRPr b="0" lang="en-US" sz="2000" spc="-1" strike="noStrike">
+          <a:lstStyle/>
+          <a:p>
+            <a:endParaRPr lang="en-US" sz="2000" b="0" strike="noStrike" spc="-1">
               <a:latin typeface="Arial"/>
             </a:endParaRPr>
           </a:p>
@@ -352,6 +533,7 @@
           <a:bodyPr anchor="b">
             <a:noAutofit/>
           </a:bodyPr>
+          <a:lstStyle/>
           <a:p>
             <a:pPr algn="r">
               <a:lnSpc>
@@ -359,12 +541,12 @@
               </a:lnSpc>
             </a:pPr>
             <a:fld id="{AE7C63D1-DF19-4062-8CD9-4742E28DDADE}" type="slidenum">
-              <a:rPr b="0" lang="nl-NL" sz="1200" spc="-1" strike="noStrike">
+              <a:rPr lang="nl-NL" sz="1200" b="0" strike="noStrike" spc="-1">
                 <a:latin typeface="Times New Roman"/>
               </a:rPr>
-              <a:t>&lt;number&gt;</a:t>
+              <a:t>1</a:t>
             </a:fld>
-            <a:endParaRPr b="0" lang="en-US" sz="1200" spc="-1" strike="noStrike">
+            <a:endParaRPr lang="en-US" sz="1200" b="0" strike="noStrike" spc="-1">
               <a:latin typeface="Times New Roman"/>
             </a:endParaRPr>
           </a:p>
@@ -372,11 +554,14 @@
       </p:sp>
     </p:spTree>
   </p:cSld>
+  <p:clrMapOvr>
+    <a:masterClrMapping/>
+  </p:clrMapOvr>
 </p:notes>
 </file>
 
 <file path=ppt/slideLayouts/slideLayout1.xml><?xml version="1.0" encoding="utf-8"?>
-<p:sldLayout xmlns:a="http://schemas.openxmlformats.org/drawingml/2006/main" xmlns:p="http://schemas.openxmlformats.org/presentationml/2006/main" xmlns:r="http://schemas.openxmlformats.org/officeDocument/2006/relationships" xmlns:p14="http://schemas.microsoft.com/office/powerpoint/2010/main" xmlns:p15="http://schemas.microsoft.com/office/powerpoint/2012/main" xmlns:mc="http://schemas.openxmlformats.org/markup-compatibility/2006" type="blank" preserve="1">
+<p:sldLayout xmlns:a="http://schemas.openxmlformats.org/drawingml/2006/main" xmlns:r="http://schemas.openxmlformats.org/officeDocument/2006/relationships" xmlns:p="http://schemas.openxmlformats.org/presentationml/2006/main" type="blank" preserve="1">
   <p:cSld name="Blank Slide">
     <p:spTree>
       <p:nvGrpSpPr>
@@ -394,11 +579,14 @@
       </p:grpSpPr>
     </p:spTree>
   </p:cSld>
+  <p:clrMapOvr>
+    <a:masterClrMapping/>
+  </p:clrMapOvr>
 </p:sldLayout>
 </file>
 
 <file path=ppt/slideLayouts/slideLayout10.xml><?xml version="1.0" encoding="utf-8"?>
-<p:sldLayout xmlns:a="http://schemas.openxmlformats.org/drawingml/2006/main" xmlns:p="http://schemas.openxmlformats.org/presentationml/2006/main" xmlns:r="http://schemas.openxmlformats.org/officeDocument/2006/relationships" xmlns:p14="http://schemas.microsoft.com/office/powerpoint/2010/main" xmlns:p15="http://schemas.microsoft.com/office/powerpoint/2012/main" xmlns:mc="http://schemas.openxmlformats.org/markup-compatibility/2006" type="objOverTx" preserve="1">
+<p:sldLayout xmlns:a="http://schemas.openxmlformats.org/drawingml/2006/main" xmlns:r="http://schemas.openxmlformats.org/officeDocument/2006/relationships" xmlns:p="http://schemas.openxmlformats.org/presentationml/2006/main" type="objOverTx" preserve="1">
   <p:cSld name="Title, Content over Content">
     <p:spTree>
       <p:nvGrpSpPr>
@@ -434,11 +622,12 @@
           </a:prstGeom>
         </p:spPr>
         <p:txBody>
-          <a:bodyPr lIns="0" rIns="0" tIns="0" bIns="0" anchor="ctr">
+          <a:bodyPr lIns="0" tIns="0" rIns="0" bIns="0" anchor="ctr">
             <a:noAutofit/>
           </a:bodyPr>
-          <a:p>
-            <a:endParaRPr b="0" lang="nl-NL" sz="1800" spc="-1" strike="noStrike">
+          <a:lstStyle/>
+          <a:p>
+            <a:endParaRPr lang="nl-NL" sz="1800" b="0" strike="noStrike" spc="-1">
               <a:solidFill>
                 <a:srgbClr val="000000"/>
               </a:solidFill>
@@ -467,11 +656,12 @@
           </a:prstGeom>
         </p:spPr>
         <p:txBody>
-          <a:bodyPr lIns="0" rIns="0" tIns="0" bIns="0">
+          <a:bodyPr lIns="0" tIns="0" rIns="0" bIns="0">
             <a:normAutofit/>
           </a:bodyPr>
-          <a:p>
-            <a:endParaRPr b="0" lang="nl-NL" sz="3200" spc="-1" strike="noStrike">
+          <a:lstStyle/>
+          <a:p>
+            <a:endParaRPr lang="nl-NL" sz="3200" b="0" strike="noStrike" spc="-1">
               <a:solidFill>
                 <a:srgbClr val="000000"/>
               </a:solidFill>
@@ -500,11 +690,12 @@
           </a:prstGeom>
         </p:spPr>
         <p:txBody>
-          <a:bodyPr lIns="0" rIns="0" tIns="0" bIns="0">
+          <a:bodyPr lIns="0" tIns="0" rIns="0" bIns="0">
             <a:normAutofit/>
           </a:bodyPr>
-          <a:p>
-            <a:endParaRPr b="0" lang="nl-NL" sz="3200" spc="-1" strike="noStrike">
+          <a:lstStyle/>
+          <a:p>
+            <a:endParaRPr lang="nl-NL" sz="3200" b="0" strike="noStrike" spc="-1">
               <a:solidFill>
                 <a:srgbClr val="000000"/>
               </a:solidFill>
@@ -515,11 +706,14 @@
       </p:sp>
     </p:spTree>
   </p:cSld>
+  <p:clrMapOvr>
+    <a:masterClrMapping/>
+  </p:clrMapOvr>
 </p:sldLayout>
 </file>
 
 <file path=ppt/slideLayouts/slideLayout11.xml><?xml version="1.0" encoding="utf-8"?>
-<p:sldLayout xmlns:a="http://schemas.openxmlformats.org/drawingml/2006/main" xmlns:p="http://schemas.openxmlformats.org/presentationml/2006/main" xmlns:r="http://schemas.openxmlformats.org/officeDocument/2006/relationships" xmlns:p14="http://schemas.microsoft.com/office/powerpoint/2010/main" xmlns:p15="http://schemas.microsoft.com/office/powerpoint/2012/main" xmlns:mc="http://schemas.openxmlformats.org/markup-compatibility/2006" type="fourObj" preserve="1">
+<p:sldLayout xmlns:a="http://schemas.openxmlformats.org/drawingml/2006/main" xmlns:r="http://schemas.openxmlformats.org/officeDocument/2006/relationships" xmlns:p="http://schemas.openxmlformats.org/presentationml/2006/main" type="fourObj" preserve="1">
   <p:cSld name="Title, 4 Content">
     <p:spTree>
       <p:nvGrpSpPr>
@@ -555,11 +749,12 @@
           </a:prstGeom>
         </p:spPr>
         <p:txBody>
-          <a:bodyPr lIns="0" rIns="0" tIns="0" bIns="0" anchor="ctr">
+          <a:bodyPr lIns="0" tIns="0" rIns="0" bIns="0" anchor="ctr">
             <a:noAutofit/>
           </a:bodyPr>
-          <a:p>
-            <a:endParaRPr b="0" lang="nl-NL" sz="1800" spc="-1" strike="noStrike">
+          <a:lstStyle/>
+          <a:p>
+            <a:endParaRPr lang="nl-NL" sz="1800" b="0" strike="noStrike" spc="-1">
               <a:solidFill>
                 <a:srgbClr val="000000"/>
               </a:solidFill>
@@ -588,11 +783,12 @@
           </a:prstGeom>
         </p:spPr>
         <p:txBody>
-          <a:bodyPr lIns="0" rIns="0" tIns="0" bIns="0">
+          <a:bodyPr lIns="0" tIns="0" rIns="0" bIns="0">
             <a:normAutofit/>
           </a:bodyPr>
-          <a:p>
-            <a:endParaRPr b="0" lang="nl-NL" sz="3200" spc="-1" strike="noStrike">
+          <a:lstStyle/>
+          <a:p>
+            <a:endParaRPr lang="nl-NL" sz="3200" b="0" strike="noStrike" spc="-1">
               <a:solidFill>
                 <a:srgbClr val="000000"/>
               </a:solidFill>
@@ -621,11 +817,12 @@
           </a:prstGeom>
         </p:spPr>
         <p:txBody>
-          <a:bodyPr lIns="0" rIns="0" tIns="0" bIns="0">
+          <a:bodyPr lIns="0" tIns="0" rIns="0" bIns="0">
             <a:normAutofit/>
           </a:bodyPr>
-          <a:p>
-            <a:endParaRPr b="0" lang="nl-NL" sz="3200" spc="-1" strike="noStrike">
+          <a:lstStyle/>
+          <a:p>
+            <a:endParaRPr lang="nl-NL" sz="3200" b="0" strike="noStrike" spc="-1">
               <a:solidFill>
                 <a:srgbClr val="000000"/>
               </a:solidFill>
@@ -654,11 +851,12 @@
           </a:prstGeom>
         </p:spPr>
         <p:txBody>
-          <a:bodyPr lIns="0" rIns="0" tIns="0" bIns="0">
+          <a:bodyPr lIns="0" tIns="0" rIns="0" bIns="0">
             <a:normAutofit/>
           </a:bodyPr>
-          <a:p>
-            <a:endParaRPr b="0" lang="nl-NL" sz="3200" spc="-1" strike="noStrike">
+          <a:lstStyle/>
+          <a:p>
+            <a:endParaRPr lang="nl-NL" sz="3200" b="0" strike="noStrike" spc="-1">
               <a:solidFill>
                 <a:srgbClr val="000000"/>
               </a:solidFill>
@@ -687,11 +885,12 @@
           </a:prstGeom>
         </p:spPr>
         <p:txBody>
-          <a:bodyPr lIns="0" rIns="0" tIns="0" bIns="0">
+          <a:bodyPr lIns="0" tIns="0" rIns="0" bIns="0">
             <a:normAutofit/>
           </a:bodyPr>
-          <a:p>
-            <a:endParaRPr b="0" lang="nl-NL" sz="3200" spc="-1" strike="noStrike">
+          <a:lstStyle/>
+          <a:p>
+            <a:endParaRPr lang="nl-NL" sz="3200" b="0" strike="noStrike" spc="-1">
               <a:solidFill>
                 <a:srgbClr val="000000"/>
               </a:solidFill>
@@ -702,11 +901,14 @@
       </p:sp>
     </p:spTree>
   </p:cSld>
+  <p:clrMapOvr>
+    <a:masterClrMapping/>
+  </p:clrMapOvr>
 </p:sldLayout>
 </file>
 
 <file path=ppt/slideLayouts/slideLayout12.xml><?xml version="1.0" encoding="utf-8"?>
-<p:sldLayout xmlns:a="http://schemas.openxmlformats.org/drawingml/2006/main" xmlns:p="http://schemas.openxmlformats.org/presentationml/2006/main" xmlns:r="http://schemas.openxmlformats.org/officeDocument/2006/relationships" xmlns:p14="http://schemas.microsoft.com/office/powerpoint/2010/main" xmlns:p15="http://schemas.microsoft.com/office/powerpoint/2012/main" xmlns:mc="http://schemas.openxmlformats.org/markup-compatibility/2006" type="blank" preserve="1">
+<p:sldLayout xmlns:a="http://schemas.openxmlformats.org/drawingml/2006/main" xmlns:r="http://schemas.openxmlformats.org/officeDocument/2006/relationships" xmlns:p="http://schemas.openxmlformats.org/presentationml/2006/main" type="blank" preserve="1">
   <p:cSld name="Title, 6 Content">
     <p:spTree>
       <p:nvGrpSpPr>
@@ -742,11 +944,12 @@
           </a:prstGeom>
         </p:spPr>
         <p:txBody>
-          <a:bodyPr lIns="0" rIns="0" tIns="0" bIns="0" anchor="ctr">
+          <a:bodyPr lIns="0" tIns="0" rIns="0" bIns="0" anchor="ctr">
             <a:noAutofit/>
           </a:bodyPr>
-          <a:p>
-            <a:endParaRPr b="0" lang="nl-NL" sz="1800" spc="-1" strike="noStrike">
+          <a:lstStyle/>
+          <a:p>
+            <a:endParaRPr lang="nl-NL" sz="1800" b="0" strike="noStrike" spc="-1">
               <a:solidFill>
                 <a:srgbClr val="000000"/>
               </a:solidFill>
@@ -775,11 +978,12 @@
           </a:prstGeom>
         </p:spPr>
         <p:txBody>
-          <a:bodyPr lIns="0" rIns="0" tIns="0" bIns="0">
+          <a:bodyPr lIns="0" tIns="0" rIns="0" bIns="0">
             <a:normAutofit/>
           </a:bodyPr>
-          <a:p>
-            <a:endParaRPr b="0" lang="nl-NL" sz="3200" spc="-1" strike="noStrike">
+          <a:lstStyle/>
+          <a:p>
+            <a:endParaRPr lang="nl-NL" sz="3200" b="0" strike="noStrike" spc="-1">
               <a:solidFill>
                 <a:srgbClr val="000000"/>
               </a:solidFill>
@@ -808,11 +1012,12 @@
           </a:prstGeom>
         </p:spPr>
         <p:txBody>
-          <a:bodyPr lIns="0" rIns="0" tIns="0" bIns="0">
+          <a:bodyPr lIns="0" tIns="0" rIns="0" bIns="0">
             <a:normAutofit/>
           </a:bodyPr>
-          <a:p>
-            <a:endParaRPr b="0" lang="nl-NL" sz="3200" spc="-1" strike="noStrike">
+          <a:lstStyle/>
+          <a:p>
+            <a:endParaRPr lang="nl-NL" sz="3200" b="0" strike="noStrike" spc="-1">
               <a:solidFill>
                 <a:srgbClr val="000000"/>
               </a:solidFill>
@@ -841,11 +1046,12 @@
           </a:prstGeom>
         </p:spPr>
         <p:txBody>
-          <a:bodyPr lIns="0" rIns="0" tIns="0" bIns="0">
+          <a:bodyPr lIns="0" tIns="0" rIns="0" bIns="0">
             <a:normAutofit/>
           </a:bodyPr>
-          <a:p>
-            <a:endParaRPr b="0" lang="nl-NL" sz="3200" spc="-1" strike="noStrike">
+          <a:lstStyle/>
+          <a:p>
+            <a:endParaRPr lang="nl-NL" sz="3200" b="0" strike="noStrike" spc="-1">
               <a:solidFill>
                 <a:srgbClr val="000000"/>
               </a:solidFill>
@@ -874,11 +1080,12 @@
           </a:prstGeom>
         </p:spPr>
         <p:txBody>
-          <a:bodyPr lIns="0" rIns="0" tIns="0" bIns="0">
+          <a:bodyPr lIns="0" tIns="0" rIns="0" bIns="0">
             <a:normAutofit/>
           </a:bodyPr>
-          <a:p>
-            <a:endParaRPr b="0" lang="nl-NL" sz="3200" spc="-1" strike="noStrike">
+          <a:lstStyle/>
+          <a:p>
+            <a:endParaRPr lang="nl-NL" sz="3200" b="0" strike="noStrike" spc="-1">
               <a:solidFill>
                 <a:srgbClr val="000000"/>
               </a:solidFill>
@@ -907,11 +1114,12 @@
           </a:prstGeom>
         </p:spPr>
         <p:txBody>
-          <a:bodyPr lIns="0" rIns="0" tIns="0" bIns="0">
+          <a:bodyPr lIns="0" tIns="0" rIns="0" bIns="0">
             <a:normAutofit/>
           </a:bodyPr>
-          <a:p>
-            <a:endParaRPr b="0" lang="nl-NL" sz="3200" spc="-1" strike="noStrike">
+          <a:lstStyle/>
+          <a:p>
+            <a:endParaRPr lang="nl-NL" sz="3200" b="0" strike="noStrike" spc="-1">
               <a:solidFill>
                 <a:srgbClr val="000000"/>
               </a:solidFill>
@@ -940,11 +1148,12 @@
           </a:prstGeom>
         </p:spPr>
         <p:txBody>
-          <a:bodyPr lIns="0" rIns="0" tIns="0" bIns="0">
+          <a:bodyPr lIns="0" tIns="0" rIns="0" bIns="0">
             <a:normAutofit/>
           </a:bodyPr>
-          <a:p>
-            <a:endParaRPr b="0" lang="nl-NL" sz="3200" spc="-1" strike="noStrike">
+          <a:lstStyle/>
+          <a:p>
+            <a:endParaRPr lang="nl-NL" sz="3200" b="0" strike="noStrike" spc="-1">
               <a:solidFill>
                 <a:srgbClr val="000000"/>
               </a:solidFill>
@@ -955,11 +1164,14 @@
       </p:sp>
     </p:spTree>
   </p:cSld>
+  <p:clrMapOvr>
+    <a:masterClrMapping/>
+  </p:clrMapOvr>
 </p:sldLayout>
 </file>
 
 <file path=ppt/slideLayouts/slideLayout2.xml><?xml version="1.0" encoding="utf-8"?>
-<p:sldLayout xmlns:a="http://schemas.openxmlformats.org/drawingml/2006/main" xmlns:p="http://schemas.openxmlformats.org/presentationml/2006/main" xmlns:r="http://schemas.openxmlformats.org/officeDocument/2006/relationships" xmlns:p14="http://schemas.microsoft.com/office/powerpoint/2010/main" xmlns:p15="http://schemas.microsoft.com/office/powerpoint/2012/main" xmlns:mc="http://schemas.openxmlformats.org/markup-compatibility/2006" type="tx" preserve="1">
+<p:sldLayout xmlns:a="http://schemas.openxmlformats.org/drawingml/2006/main" xmlns:r="http://schemas.openxmlformats.org/officeDocument/2006/relationships" xmlns:p="http://schemas.openxmlformats.org/presentationml/2006/main" type="tx" preserve="1">
   <p:cSld name="Title Slide">
     <p:spTree>
       <p:nvGrpSpPr>
@@ -995,11 +1207,12 @@
           </a:prstGeom>
         </p:spPr>
         <p:txBody>
-          <a:bodyPr lIns="0" rIns="0" tIns="0" bIns="0" anchor="ctr">
+          <a:bodyPr lIns="0" tIns="0" rIns="0" bIns="0" anchor="ctr">
             <a:noAutofit/>
           </a:bodyPr>
-          <a:p>
-            <a:endParaRPr b="0" lang="nl-NL" sz="1800" spc="-1" strike="noStrike">
+          <a:lstStyle/>
+          <a:p>
+            <a:endParaRPr lang="nl-NL" sz="1800" b="0" strike="noStrike" spc="-1">
               <a:solidFill>
                 <a:srgbClr val="000000"/>
               </a:solidFill>
@@ -1028,12 +1241,13 @@
           </a:prstGeom>
         </p:spPr>
         <p:txBody>
-          <a:bodyPr lIns="0" rIns="0" tIns="0" bIns="0" anchor="ctr">
+          <a:bodyPr lIns="0" tIns="0" rIns="0" bIns="0" anchor="ctr">
             <a:noAutofit/>
           </a:bodyPr>
+          <a:lstStyle/>
           <a:p>
             <a:pPr algn="ctr"/>
-            <a:endParaRPr b="0" lang="en-US" sz="3200" spc="-1" strike="noStrike">
+            <a:endParaRPr lang="en-US" sz="3200" b="0" strike="noStrike" spc="-1">
               <a:latin typeface="Arial"/>
             </a:endParaRPr>
           </a:p>
@@ -1041,11 +1255,14 @@
       </p:sp>
     </p:spTree>
   </p:cSld>
+  <p:clrMapOvr>
+    <a:masterClrMapping/>
+  </p:clrMapOvr>
 </p:sldLayout>
 </file>
 
 <file path=ppt/slideLayouts/slideLayout3.xml><?xml version="1.0" encoding="utf-8"?>
-<p:sldLayout xmlns:a="http://schemas.openxmlformats.org/drawingml/2006/main" xmlns:p="http://schemas.openxmlformats.org/presentationml/2006/main" xmlns:r="http://schemas.openxmlformats.org/officeDocument/2006/relationships" xmlns:p14="http://schemas.microsoft.com/office/powerpoint/2010/main" xmlns:p15="http://schemas.microsoft.com/office/powerpoint/2012/main" xmlns:mc="http://schemas.openxmlformats.org/markup-compatibility/2006" type="obj" preserve="1">
+<p:sldLayout xmlns:a="http://schemas.openxmlformats.org/drawingml/2006/main" xmlns:r="http://schemas.openxmlformats.org/officeDocument/2006/relationships" xmlns:p="http://schemas.openxmlformats.org/presentationml/2006/main" type="obj" preserve="1">
   <p:cSld name="Title, Content">
     <p:spTree>
       <p:nvGrpSpPr>
@@ -1081,11 +1298,12 @@
           </a:prstGeom>
         </p:spPr>
         <p:txBody>
-          <a:bodyPr lIns="0" rIns="0" tIns="0" bIns="0" anchor="ctr">
+          <a:bodyPr lIns="0" tIns="0" rIns="0" bIns="0" anchor="ctr">
             <a:noAutofit/>
           </a:bodyPr>
-          <a:p>
-            <a:endParaRPr b="0" lang="nl-NL" sz="1800" spc="-1" strike="noStrike">
+          <a:lstStyle/>
+          <a:p>
+            <a:endParaRPr lang="nl-NL" sz="1800" b="0" strike="noStrike" spc="-1">
               <a:solidFill>
                 <a:srgbClr val="000000"/>
               </a:solidFill>
@@ -1114,11 +1332,12 @@
           </a:prstGeom>
         </p:spPr>
         <p:txBody>
-          <a:bodyPr lIns="0" rIns="0" tIns="0" bIns="0">
+          <a:bodyPr lIns="0" tIns="0" rIns="0" bIns="0">
             <a:normAutofit/>
           </a:bodyPr>
-          <a:p>
-            <a:endParaRPr b="0" lang="nl-NL" sz="3200" spc="-1" strike="noStrike">
+          <a:lstStyle/>
+          <a:p>
+            <a:endParaRPr lang="nl-NL" sz="3200" b="0" strike="noStrike" spc="-1">
               <a:solidFill>
                 <a:srgbClr val="000000"/>
               </a:solidFill>
@@ -1129,11 +1348,14 @@
       </p:sp>
     </p:spTree>
   </p:cSld>
+  <p:clrMapOvr>
+    <a:masterClrMapping/>
+  </p:clrMapOvr>
 </p:sldLayout>
 </file>
 
 <file path=ppt/slideLayouts/slideLayout4.xml><?xml version="1.0" encoding="utf-8"?>
-<p:sldLayout xmlns:a="http://schemas.openxmlformats.org/drawingml/2006/main" xmlns:p="http://schemas.openxmlformats.org/presentationml/2006/main" xmlns:r="http://schemas.openxmlformats.org/officeDocument/2006/relationships" xmlns:p14="http://schemas.microsoft.com/office/powerpoint/2010/main" xmlns:p15="http://schemas.microsoft.com/office/powerpoint/2012/main" xmlns:mc="http://schemas.openxmlformats.org/markup-compatibility/2006" type="twoObj" preserve="1">
+<p:sldLayout xmlns:a="http://schemas.openxmlformats.org/drawingml/2006/main" xmlns:r="http://schemas.openxmlformats.org/officeDocument/2006/relationships" xmlns:p="http://schemas.openxmlformats.org/presentationml/2006/main" type="twoObj" preserve="1">
   <p:cSld name="Title, 2 Content">
     <p:spTree>
       <p:nvGrpSpPr>
@@ -1169,11 +1391,12 @@
           </a:prstGeom>
         </p:spPr>
         <p:txBody>
-          <a:bodyPr lIns="0" rIns="0" tIns="0" bIns="0" anchor="ctr">
+          <a:bodyPr lIns="0" tIns="0" rIns="0" bIns="0" anchor="ctr">
             <a:noAutofit/>
           </a:bodyPr>
-          <a:p>
-            <a:endParaRPr b="0" lang="nl-NL" sz="1800" spc="-1" strike="noStrike">
+          <a:lstStyle/>
+          <a:p>
+            <a:endParaRPr lang="nl-NL" sz="1800" b="0" strike="noStrike" spc="-1">
               <a:solidFill>
                 <a:srgbClr val="000000"/>
               </a:solidFill>
@@ -1202,11 +1425,12 @@
           </a:prstGeom>
         </p:spPr>
         <p:txBody>
-          <a:bodyPr lIns="0" rIns="0" tIns="0" bIns="0">
+          <a:bodyPr lIns="0" tIns="0" rIns="0" bIns="0">
             <a:normAutofit/>
           </a:bodyPr>
-          <a:p>
-            <a:endParaRPr b="0" lang="nl-NL" sz="3200" spc="-1" strike="noStrike">
+          <a:lstStyle/>
+          <a:p>
+            <a:endParaRPr lang="nl-NL" sz="3200" b="0" strike="noStrike" spc="-1">
               <a:solidFill>
                 <a:srgbClr val="000000"/>
               </a:solidFill>
@@ -1235,11 +1459,12 @@
           </a:prstGeom>
         </p:spPr>
         <p:txBody>
-          <a:bodyPr lIns="0" rIns="0" tIns="0" bIns="0">
+          <a:bodyPr lIns="0" tIns="0" rIns="0" bIns="0">
             <a:normAutofit/>
           </a:bodyPr>
-          <a:p>
-            <a:endParaRPr b="0" lang="nl-NL" sz="3200" spc="-1" strike="noStrike">
+          <a:lstStyle/>
+          <a:p>
+            <a:endParaRPr lang="nl-NL" sz="3200" b="0" strike="noStrike" spc="-1">
               <a:solidFill>
                 <a:srgbClr val="000000"/>
               </a:solidFill>
@@ -1250,11 +1475,14 @@
       </p:sp>
     </p:spTree>
   </p:cSld>
+  <p:clrMapOvr>
+    <a:masterClrMapping/>
+  </p:clrMapOvr>
 </p:sldLayout>
 </file>
 
 <file path=ppt/slideLayouts/slideLayout5.xml><?xml version="1.0" encoding="utf-8"?>
-<p:sldLayout xmlns:a="http://schemas.openxmlformats.org/drawingml/2006/main" xmlns:p="http://schemas.openxmlformats.org/presentationml/2006/main" xmlns:r="http://schemas.openxmlformats.org/officeDocument/2006/relationships" xmlns:p14="http://schemas.microsoft.com/office/powerpoint/2010/main" xmlns:p15="http://schemas.microsoft.com/office/powerpoint/2012/main" xmlns:mc="http://schemas.openxmlformats.org/markup-compatibility/2006" type="titleOnly" preserve="1">
+<p:sldLayout xmlns:a="http://schemas.openxmlformats.org/drawingml/2006/main" xmlns:r="http://schemas.openxmlformats.org/officeDocument/2006/relationships" xmlns:p="http://schemas.openxmlformats.org/presentationml/2006/main" type="titleOnly" preserve="1">
   <p:cSld name="Title Only">
     <p:spTree>
       <p:nvGrpSpPr>
@@ -1290,11 +1518,12 @@
           </a:prstGeom>
         </p:spPr>
         <p:txBody>
-          <a:bodyPr lIns="0" rIns="0" tIns="0" bIns="0" anchor="ctr">
+          <a:bodyPr lIns="0" tIns="0" rIns="0" bIns="0" anchor="ctr">
             <a:noAutofit/>
           </a:bodyPr>
-          <a:p>
-            <a:endParaRPr b="0" lang="nl-NL" sz="1800" spc="-1" strike="noStrike">
+          <a:lstStyle/>
+          <a:p>
+            <a:endParaRPr lang="nl-NL" sz="1800" b="0" strike="noStrike" spc="-1">
               <a:solidFill>
                 <a:srgbClr val="000000"/>
               </a:solidFill>
@@ -1305,11 +1534,14 @@
       </p:sp>
     </p:spTree>
   </p:cSld>
+  <p:clrMapOvr>
+    <a:masterClrMapping/>
+  </p:clrMapOvr>
 </p:sldLayout>
 </file>
 
 <file path=ppt/slideLayouts/slideLayout6.xml><?xml version="1.0" encoding="utf-8"?>
-<p:sldLayout xmlns:a="http://schemas.openxmlformats.org/drawingml/2006/main" xmlns:p="http://schemas.openxmlformats.org/presentationml/2006/main" xmlns:r="http://schemas.openxmlformats.org/officeDocument/2006/relationships" xmlns:p14="http://schemas.microsoft.com/office/powerpoint/2010/main" xmlns:p15="http://schemas.microsoft.com/office/powerpoint/2012/main" xmlns:mc="http://schemas.openxmlformats.org/markup-compatibility/2006" type="objOnly" preserve="1">
+<p:sldLayout xmlns:a="http://schemas.openxmlformats.org/drawingml/2006/main" xmlns:r="http://schemas.openxmlformats.org/officeDocument/2006/relationships" xmlns:p="http://schemas.openxmlformats.org/presentationml/2006/main" type="objOnly" preserve="1">
   <p:cSld name="Centered Text">
     <p:spTree>
       <p:nvGrpSpPr>
@@ -1345,12 +1577,13 @@
           </a:prstGeom>
         </p:spPr>
         <p:txBody>
-          <a:bodyPr lIns="0" rIns="0" tIns="0" bIns="0" anchor="ctr">
+          <a:bodyPr lIns="0" tIns="0" rIns="0" bIns="0" anchor="ctr">
             <a:noAutofit/>
           </a:bodyPr>
+          <a:lstStyle/>
           <a:p>
             <a:pPr algn="ctr"/>
-            <a:endParaRPr b="0" lang="en-US" sz="3200" spc="-1" strike="noStrike">
+            <a:endParaRPr lang="en-US" sz="3200" b="0" strike="noStrike" spc="-1">
               <a:latin typeface="Arial"/>
             </a:endParaRPr>
           </a:p>
@@ -1358,11 +1591,14 @@
       </p:sp>
     </p:spTree>
   </p:cSld>
+  <p:clrMapOvr>
+    <a:masterClrMapping/>
+  </p:clrMapOvr>
 </p:sldLayout>
 </file>
 
 <file path=ppt/slideLayouts/slideLayout7.xml><?xml version="1.0" encoding="utf-8"?>
-<p:sldLayout xmlns:a="http://schemas.openxmlformats.org/drawingml/2006/main" xmlns:p="http://schemas.openxmlformats.org/presentationml/2006/main" xmlns:r="http://schemas.openxmlformats.org/officeDocument/2006/relationships" xmlns:p14="http://schemas.microsoft.com/office/powerpoint/2010/main" xmlns:p15="http://schemas.microsoft.com/office/powerpoint/2012/main" xmlns:mc="http://schemas.openxmlformats.org/markup-compatibility/2006" type="twoObjAndObj" preserve="1">
+<p:sldLayout xmlns:a="http://schemas.openxmlformats.org/drawingml/2006/main" xmlns:r="http://schemas.openxmlformats.org/officeDocument/2006/relationships" xmlns:p="http://schemas.openxmlformats.org/presentationml/2006/main" type="twoObjAndObj" preserve="1">
   <p:cSld name="Title, 2 Content and Content">
     <p:spTree>
       <p:nvGrpSpPr>
@@ -1398,11 +1634,12 @@
           </a:prstGeom>
         </p:spPr>
         <p:txBody>
-          <a:bodyPr lIns="0" rIns="0" tIns="0" bIns="0" anchor="ctr">
+          <a:bodyPr lIns="0" tIns="0" rIns="0" bIns="0" anchor="ctr">
             <a:noAutofit/>
           </a:bodyPr>
-          <a:p>
-            <a:endParaRPr b="0" lang="nl-NL" sz="1800" spc="-1" strike="noStrike">
+          <a:lstStyle/>
+          <a:p>
+            <a:endParaRPr lang="nl-NL" sz="1800" b="0" strike="noStrike" spc="-1">
               <a:solidFill>
                 <a:srgbClr val="000000"/>
               </a:solidFill>
@@ -1431,11 +1668,12 @@
           </a:prstGeom>
         </p:spPr>
         <p:txBody>
-          <a:bodyPr lIns="0" rIns="0" tIns="0" bIns="0">
+          <a:bodyPr lIns="0" tIns="0" rIns="0" bIns="0">
             <a:normAutofit/>
           </a:bodyPr>
-          <a:p>
-            <a:endParaRPr b="0" lang="nl-NL" sz="3200" spc="-1" strike="noStrike">
+          <a:lstStyle/>
+          <a:p>
+            <a:endParaRPr lang="nl-NL" sz="3200" b="0" strike="noStrike" spc="-1">
               <a:solidFill>
                 <a:srgbClr val="000000"/>
               </a:solidFill>
@@ -1464,11 +1702,12 @@
           </a:prstGeom>
         </p:spPr>
         <p:txBody>
-          <a:bodyPr lIns="0" rIns="0" tIns="0" bIns="0">
+          <a:bodyPr lIns="0" tIns="0" rIns="0" bIns="0">
             <a:normAutofit/>
           </a:bodyPr>
-          <a:p>
-            <a:endParaRPr b="0" lang="nl-NL" sz="3200" spc="-1" strike="noStrike">
+          <a:lstStyle/>
+          <a:p>
+            <a:endParaRPr lang="nl-NL" sz="3200" b="0" strike="noStrike" spc="-1">
               <a:solidFill>
                 <a:srgbClr val="000000"/>
               </a:solidFill>
@@ -1497,11 +1736,12 @@
           </a:prstGeom>
         </p:spPr>
         <p:txBody>
-          <a:bodyPr lIns="0" rIns="0" tIns="0" bIns="0">
+          <a:bodyPr lIns="0" tIns="0" rIns="0" bIns="0">
             <a:normAutofit/>
           </a:bodyPr>
-          <a:p>
-            <a:endParaRPr b="0" lang="nl-NL" sz="3200" spc="-1" strike="noStrike">
+          <a:lstStyle/>
+          <a:p>
+            <a:endParaRPr lang="nl-NL" sz="3200" b="0" strike="noStrike" spc="-1">
               <a:solidFill>
                 <a:srgbClr val="000000"/>
               </a:solidFill>
@@ -1512,11 +1752,14 @@
       </p:sp>
     </p:spTree>
   </p:cSld>
+  <p:clrMapOvr>
+    <a:masterClrMapping/>
+  </p:clrMapOvr>
 </p:sldLayout>
 </file>
 
 <file path=ppt/slideLayouts/slideLayout8.xml><?xml version="1.0" encoding="utf-8"?>
-<p:sldLayout xmlns:a="http://schemas.openxmlformats.org/drawingml/2006/main" xmlns:p="http://schemas.openxmlformats.org/presentationml/2006/main" xmlns:r="http://schemas.openxmlformats.org/officeDocument/2006/relationships" xmlns:p14="http://schemas.microsoft.com/office/powerpoint/2010/main" xmlns:p15="http://schemas.microsoft.com/office/powerpoint/2012/main" xmlns:mc="http://schemas.openxmlformats.org/markup-compatibility/2006" type="objAndTwoObj" preserve="1">
+<p:sldLayout xmlns:a="http://schemas.openxmlformats.org/drawingml/2006/main" xmlns:r="http://schemas.openxmlformats.org/officeDocument/2006/relationships" xmlns:p="http://schemas.openxmlformats.org/presentationml/2006/main" type="objAndTwoObj" preserve="1">
   <p:cSld name="Title Content and 2 Content">
     <p:spTree>
       <p:nvGrpSpPr>
@@ -1552,11 +1795,12 @@
           </a:prstGeom>
         </p:spPr>
         <p:txBody>
-          <a:bodyPr lIns="0" rIns="0" tIns="0" bIns="0" anchor="ctr">
+          <a:bodyPr lIns="0" tIns="0" rIns="0" bIns="0" anchor="ctr">
             <a:noAutofit/>
           </a:bodyPr>
-          <a:p>
-            <a:endParaRPr b="0" lang="nl-NL" sz="1800" spc="-1" strike="noStrike">
+          <a:lstStyle/>
+          <a:p>
+            <a:endParaRPr lang="nl-NL" sz="1800" b="0" strike="noStrike" spc="-1">
               <a:solidFill>
                 <a:srgbClr val="000000"/>
               </a:solidFill>
@@ -1585,11 +1829,12 @@
           </a:prstGeom>
         </p:spPr>
         <p:txBody>
-          <a:bodyPr lIns="0" rIns="0" tIns="0" bIns="0">
+          <a:bodyPr lIns="0" tIns="0" rIns="0" bIns="0">
             <a:normAutofit/>
           </a:bodyPr>
-          <a:p>
-            <a:endParaRPr b="0" lang="nl-NL" sz="3200" spc="-1" strike="noStrike">
+          <a:lstStyle/>
+          <a:p>
+            <a:endParaRPr lang="nl-NL" sz="3200" b="0" strike="noStrike" spc="-1">
               <a:solidFill>
                 <a:srgbClr val="000000"/>
               </a:solidFill>
@@ -1618,11 +1863,12 @@
           </a:prstGeom>
         </p:spPr>
         <p:txBody>
-          <a:bodyPr lIns="0" rIns="0" tIns="0" bIns="0">
+          <a:bodyPr lIns="0" tIns="0" rIns="0" bIns="0">
             <a:normAutofit/>
           </a:bodyPr>
-          <a:p>
-            <a:endParaRPr b="0" lang="nl-NL" sz="3200" spc="-1" strike="noStrike">
+          <a:lstStyle/>
+          <a:p>
+            <a:endParaRPr lang="nl-NL" sz="3200" b="0" strike="noStrike" spc="-1">
               <a:solidFill>
                 <a:srgbClr val="000000"/>
               </a:solidFill>
@@ -1651,11 +1897,12 @@
           </a:prstGeom>
         </p:spPr>
         <p:txBody>
-          <a:bodyPr lIns="0" rIns="0" tIns="0" bIns="0">
+          <a:bodyPr lIns="0" tIns="0" rIns="0" bIns="0">
             <a:normAutofit/>
           </a:bodyPr>
-          <a:p>
-            <a:endParaRPr b="0" lang="nl-NL" sz="3200" spc="-1" strike="noStrike">
+          <a:lstStyle/>
+          <a:p>
+            <a:endParaRPr lang="nl-NL" sz="3200" b="0" strike="noStrike" spc="-1">
               <a:solidFill>
                 <a:srgbClr val="000000"/>
               </a:solidFill>
@@ -1666,11 +1913,14 @@
       </p:sp>
     </p:spTree>
   </p:cSld>
+  <p:clrMapOvr>
+    <a:masterClrMapping/>
+  </p:clrMapOvr>
 </p:sldLayout>
 </file>
 
 <file path=ppt/slideLayouts/slideLayout9.xml><?xml version="1.0" encoding="utf-8"?>
-<p:sldLayout xmlns:a="http://schemas.openxmlformats.org/drawingml/2006/main" xmlns:p="http://schemas.openxmlformats.org/presentationml/2006/main" xmlns:r="http://schemas.openxmlformats.org/officeDocument/2006/relationships" xmlns:p14="http://schemas.microsoft.com/office/powerpoint/2010/main" xmlns:p15="http://schemas.microsoft.com/office/powerpoint/2012/main" xmlns:mc="http://schemas.openxmlformats.org/markup-compatibility/2006" type="twoObjOverTx" preserve="1">
+<p:sldLayout xmlns:a="http://schemas.openxmlformats.org/drawingml/2006/main" xmlns:r="http://schemas.openxmlformats.org/officeDocument/2006/relationships" xmlns:p="http://schemas.openxmlformats.org/presentationml/2006/main" type="twoObjOverTx" preserve="1">
   <p:cSld name="Title, 2 Content over Content">
     <p:spTree>
       <p:nvGrpSpPr>
@@ -1706,11 +1956,12 @@
           </a:prstGeom>
         </p:spPr>
         <p:txBody>
-          <a:bodyPr lIns="0" rIns="0" tIns="0" bIns="0" anchor="ctr">
+          <a:bodyPr lIns="0" tIns="0" rIns="0" bIns="0" anchor="ctr">
             <a:noAutofit/>
           </a:bodyPr>
-          <a:p>
-            <a:endParaRPr b="0" lang="nl-NL" sz="1800" spc="-1" strike="noStrike">
+          <a:lstStyle/>
+          <a:p>
+            <a:endParaRPr lang="nl-NL" sz="1800" b="0" strike="noStrike" spc="-1">
               <a:solidFill>
                 <a:srgbClr val="000000"/>
               </a:solidFill>
@@ -1739,11 +1990,12 @@
           </a:prstGeom>
         </p:spPr>
         <p:txBody>
-          <a:bodyPr lIns="0" rIns="0" tIns="0" bIns="0">
+          <a:bodyPr lIns="0" tIns="0" rIns="0" bIns="0">
             <a:normAutofit/>
           </a:bodyPr>
-          <a:p>
-            <a:endParaRPr b="0" lang="nl-NL" sz="3200" spc="-1" strike="noStrike">
+          <a:lstStyle/>
+          <a:p>
+            <a:endParaRPr lang="nl-NL" sz="3200" b="0" strike="noStrike" spc="-1">
               <a:solidFill>
                 <a:srgbClr val="000000"/>
               </a:solidFill>
@@ -1772,11 +2024,12 @@
           </a:prstGeom>
         </p:spPr>
         <p:txBody>
-          <a:bodyPr lIns="0" rIns="0" tIns="0" bIns="0">
+          <a:bodyPr lIns="0" tIns="0" rIns="0" bIns="0">
             <a:normAutofit/>
           </a:bodyPr>
-          <a:p>
-            <a:endParaRPr b="0" lang="nl-NL" sz="3200" spc="-1" strike="noStrike">
+          <a:lstStyle/>
+          <a:p>
+            <a:endParaRPr lang="nl-NL" sz="3200" b="0" strike="noStrike" spc="-1">
               <a:solidFill>
                 <a:srgbClr val="000000"/>
               </a:solidFill>
@@ -1805,11 +2058,12 @@
           </a:prstGeom>
         </p:spPr>
         <p:txBody>
-          <a:bodyPr lIns="0" rIns="0" tIns="0" bIns="0">
+          <a:bodyPr lIns="0" tIns="0" rIns="0" bIns="0">
             <a:normAutofit/>
           </a:bodyPr>
-          <a:p>
-            <a:endParaRPr b="0" lang="nl-NL" sz="3200" spc="-1" strike="noStrike">
+          <a:lstStyle/>
+          <a:p>
+            <a:endParaRPr lang="nl-NL" sz="3200" b="0" strike="noStrike" spc="-1">
               <a:solidFill>
                 <a:srgbClr val="000000"/>
               </a:solidFill>
@@ -1820,17 +2074,21 @@
       </p:sp>
     </p:spTree>
   </p:cSld>
+  <p:clrMapOvr>
+    <a:masterClrMapping/>
+  </p:clrMapOvr>
 </p:sldLayout>
 </file>
 
 <file path=ppt/slideMasters/slideMaster1.xml><?xml version="1.0" encoding="utf-8"?>
-<p:sldMaster xmlns:a="http://schemas.openxmlformats.org/drawingml/2006/main" xmlns:p="http://schemas.openxmlformats.org/presentationml/2006/main" xmlns:r="http://schemas.openxmlformats.org/officeDocument/2006/relationships" xmlns:p14="http://schemas.microsoft.com/office/powerpoint/2010/main" xmlns:p15="http://schemas.microsoft.com/office/powerpoint/2012/main" xmlns:mc="http://schemas.openxmlformats.org/markup-compatibility/2006">
+<p:sldMaster xmlns:a="http://schemas.openxmlformats.org/drawingml/2006/main" xmlns:r="http://schemas.openxmlformats.org/officeDocument/2006/relationships" xmlns:p="http://schemas.openxmlformats.org/presentationml/2006/main">
   <p:cSld>
     <p:bg>
       <p:bgPr>
         <a:solidFill>
-          <a:srgbClr val="ffffff"/>
+          <a:srgbClr val="FFFFFF"/>
         </a:solidFill>
+        <a:effectLst/>
       </p:bgPr>
     </p:bg>
     <p:spTree>
@@ -1849,7 +2107,7 @@
       </p:grpSpPr>
       <p:sp>
         <p:nvSpPr>
-          <p:cNvPr id="0" name="PlaceHolder 1"/>
+          <p:cNvPr id="2" name="PlaceHolder 1"/>
           <p:cNvSpPr>
             <a:spLocks noGrp="1"/>
           </p:cNvSpPr>
@@ -1870,6 +2128,7 @@
           <a:bodyPr anchor="ctr">
             <a:noAutofit/>
           </a:bodyPr>
+          <a:lstStyle/>
           <a:p>
             <a:pPr algn="ctr">
               <a:lnSpc>
@@ -1877,7 +2136,7 @@
               </a:lnSpc>
             </a:pPr>
             <a:r>
-              <a:rPr b="0" lang="nl-NL" sz="4400" spc="-1" strike="noStrike">
+              <a:rPr lang="nl-NL" sz="4400" b="0" strike="noStrike" spc="-1">
                 <a:solidFill>
                   <a:srgbClr val="000000"/>
                 </a:solidFill>
@@ -1885,18 +2144,12 @@
               </a:rPr>
               <a:t>Klik om de stijl te bewerken</a:t>
             </a:r>
-            <a:endParaRPr b="0" lang="nl-NL" sz="4400" spc="-1" strike="noStrike">
-              <a:solidFill>
-                <a:srgbClr val="000000"/>
-              </a:solidFill>
-              <a:latin typeface="Verdana"/>
-            </a:endParaRPr>
-          </a:p>
-        </p:txBody>
-      </p:sp>
-      <p:sp>
-        <p:nvSpPr>
-          <p:cNvPr id="1" name="PlaceHolder 2"/>
+          </a:p>
+        </p:txBody>
+      </p:sp>
+      <p:sp>
+        <p:nvSpPr>
+          <p:cNvPr id="3" name="PlaceHolder 2"/>
           <p:cNvSpPr>
             <a:spLocks noGrp="1"/>
           </p:cNvSpPr>
@@ -1917,6 +2170,7 @@
           <a:bodyPr anchor="ctr">
             <a:noAutofit/>
           </a:bodyPr>
+          <a:lstStyle/>
           <a:p>
             <a:pPr algn="r">
               <a:lnSpc>
@@ -1924,15 +2178,15 @@
               </a:lnSpc>
             </a:pPr>
             <a:fld id="{61E25DB9-5BFB-4631-BDE1-DE4B9F1E77BE}" type="slidenum">
-              <a:rPr b="0" lang="nl-NL" sz="1200" spc="-1" strike="noStrike">
-                <a:solidFill>
-                  <a:srgbClr val="8b8b8b"/>
-                </a:solidFill>
-                <a:latin typeface="Verdana"/>
-              </a:rPr>
-              <a:t>&lt;number&gt;</a:t>
+              <a:rPr lang="nl-NL" sz="1200" b="0" strike="noStrike" spc="-1">
+                <a:solidFill>
+                  <a:srgbClr val="8B8B8B"/>
+                </a:solidFill>
+                <a:latin typeface="Verdana"/>
+              </a:rPr>
+              <a:t>‹#›</a:t>
             </a:fld>
-            <a:endParaRPr b="0" lang="en-US" sz="1200" spc="-1" strike="noStrike">
+            <a:endParaRPr lang="en-US" sz="1200" b="0" strike="noStrike" spc="-1">
               <a:latin typeface="Times New Roman"/>
             </a:endParaRPr>
           </a:p>
@@ -1940,26 +2194,306 @@
       </p:sp>
     </p:spTree>
   </p:cSld>
-  <p:clrMap bg1="lt1" bg2="lt2" tx1="dk1" tx2="dk2" accent1="accent1" accent2="accent2" accent3="accent3" accent4="accent4" accent5="accent5" accent6="accent6" hlink="hlink" folHlink="folHlink"/>
+  <p:clrMap bg1="lt1" tx1="dk1" bg2="lt2" tx2="dk2" accent1="accent1" accent2="accent2" accent3="accent3" accent4="accent4" accent5="accent5" accent6="accent6" hlink="hlink" folHlink="folHlink"/>
   <p:sldLayoutIdLst>
-    <p:sldLayoutId id="2147483649" r:id="rId2"/>
-    <p:sldLayoutId id="2147483650" r:id="rId3"/>
-    <p:sldLayoutId id="2147483651" r:id="rId4"/>
-    <p:sldLayoutId id="2147483652" r:id="rId5"/>
-    <p:sldLayoutId id="2147483653" r:id="rId6"/>
-    <p:sldLayoutId id="2147483654" r:id="rId7"/>
-    <p:sldLayoutId id="2147483655" r:id="rId8"/>
-    <p:sldLayoutId id="2147483656" r:id="rId9"/>
-    <p:sldLayoutId id="2147483657" r:id="rId10"/>
-    <p:sldLayoutId id="2147483658" r:id="rId11"/>
-    <p:sldLayoutId id="2147483659" r:id="rId12"/>
-    <p:sldLayoutId id="2147483660" r:id="rId13"/>
+    <p:sldLayoutId id="2147483649" r:id="rId1"/>
+    <p:sldLayoutId id="2147483650" r:id="rId2"/>
+    <p:sldLayoutId id="2147483651" r:id="rId3"/>
+    <p:sldLayoutId id="2147483652" r:id="rId4"/>
+    <p:sldLayoutId id="2147483653" r:id="rId5"/>
+    <p:sldLayoutId id="2147483654" r:id="rId6"/>
+    <p:sldLayoutId id="2147483655" r:id="rId7"/>
+    <p:sldLayoutId id="2147483656" r:id="rId8"/>
+    <p:sldLayoutId id="2147483657" r:id="rId9"/>
+    <p:sldLayoutId id="2147483658" r:id="rId10"/>
+    <p:sldLayoutId id="2147483659" r:id="rId11"/>
+    <p:sldLayoutId id="2147483660" r:id="rId12"/>
   </p:sldLayoutIdLst>
+  <p:txStyles>
+    <p:titleStyle>
+      <a:lvl1pPr algn="l" defTabSz="914400" rtl="0" eaLnBrk="1" latinLnBrk="0" hangingPunct="1">
+        <a:lnSpc>
+          <a:spcPct val="90000"/>
+        </a:lnSpc>
+        <a:spcBef>
+          <a:spcPct val="0"/>
+        </a:spcBef>
+        <a:buNone/>
+        <a:defRPr sz="4400" kern="1200">
+          <a:solidFill>
+            <a:schemeClr val="tx1"/>
+          </a:solidFill>
+          <a:latin typeface="+mj-lt"/>
+          <a:ea typeface="+mj-ea"/>
+          <a:cs typeface="+mj-cs"/>
+        </a:defRPr>
+      </a:lvl1pPr>
+    </p:titleStyle>
+    <p:bodyStyle>
+      <a:lvl1pPr marL="228600" indent="-228600" algn="l" defTabSz="914400" rtl="0" eaLnBrk="1" latinLnBrk="0" hangingPunct="1">
+        <a:lnSpc>
+          <a:spcPct val="90000"/>
+        </a:lnSpc>
+        <a:spcBef>
+          <a:spcPts val="1000"/>
+        </a:spcBef>
+        <a:buFont typeface="Arial" panose="020B0604020202020204" pitchFamily="34" charset="0"/>
+        <a:buChar char="•"/>
+        <a:defRPr sz="2800" kern="1200">
+          <a:solidFill>
+            <a:schemeClr val="tx1"/>
+          </a:solidFill>
+          <a:latin typeface="+mn-lt"/>
+          <a:ea typeface="+mn-ea"/>
+          <a:cs typeface="+mn-cs"/>
+        </a:defRPr>
+      </a:lvl1pPr>
+      <a:lvl2pPr marL="685800" indent="-228600" algn="l" defTabSz="914400" rtl="0" eaLnBrk="1" latinLnBrk="0" hangingPunct="1">
+        <a:lnSpc>
+          <a:spcPct val="90000"/>
+        </a:lnSpc>
+        <a:spcBef>
+          <a:spcPts val="500"/>
+        </a:spcBef>
+        <a:buFont typeface="Arial" panose="020B0604020202020204" pitchFamily="34" charset="0"/>
+        <a:buChar char="•"/>
+        <a:defRPr sz="2400" kern="1200">
+          <a:solidFill>
+            <a:schemeClr val="tx1"/>
+          </a:solidFill>
+          <a:latin typeface="+mn-lt"/>
+          <a:ea typeface="+mn-ea"/>
+          <a:cs typeface="+mn-cs"/>
+        </a:defRPr>
+      </a:lvl2pPr>
+      <a:lvl3pPr marL="1143000" indent="-228600" algn="l" defTabSz="914400" rtl="0" eaLnBrk="1" latinLnBrk="0" hangingPunct="1">
+        <a:lnSpc>
+          <a:spcPct val="90000"/>
+        </a:lnSpc>
+        <a:spcBef>
+          <a:spcPts val="500"/>
+        </a:spcBef>
+        <a:buFont typeface="Arial" panose="020B0604020202020204" pitchFamily="34" charset="0"/>
+        <a:buChar char="•"/>
+        <a:defRPr sz="2000" kern="1200">
+          <a:solidFill>
+            <a:schemeClr val="tx1"/>
+          </a:solidFill>
+          <a:latin typeface="+mn-lt"/>
+          <a:ea typeface="+mn-ea"/>
+          <a:cs typeface="+mn-cs"/>
+        </a:defRPr>
+      </a:lvl3pPr>
+      <a:lvl4pPr marL="1600200" indent="-228600" algn="l" defTabSz="914400" rtl="0" eaLnBrk="1" latinLnBrk="0" hangingPunct="1">
+        <a:lnSpc>
+          <a:spcPct val="90000"/>
+        </a:lnSpc>
+        <a:spcBef>
+          <a:spcPts val="500"/>
+        </a:spcBef>
+        <a:buFont typeface="Arial" panose="020B0604020202020204" pitchFamily="34" charset="0"/>
+        <a:buChar char="•"/>
+        <a:defRPr sz="1800" kern="1200">
+          <a:solidFill>
+            <a:schemeClr val="tx1"/>
+          </a:solidFill>
+          <a:latin typeface="+mn-lt"/>
+          <a:ea typeface="+mn-ea"/>
+          <a:cs typeface="+mn-cs"/>
+        </a:defRPr>
+      </a:lvl4pPr>
+      <a:lvl5pPr marL="2057400" indent="-228600" algn="l" defTabSz="914400" rtl="0" eaLnBrk="1" latinLnBrk="0" hangingPunct="1">
+        <a:lnSpc>
+          <a:spcPct val="90000"/>
+        </a:lnSpc>
+        <a:spcBef>
+          <a:spcPts val="500"/>
+        </a:spcBef>
+        <a:buFont typeface="Arial" panose="020B0604020202020204" pitchFamily="34" charset="0"/>
+        <a:buChar char="•"/>
+        <a:defRPr sz="1800" kern="1200">
+          <a:solidFill>
+            <a:schemeClr val="tx1"/>
+          </a:solidFill>
+          <a:latin typeface="+mn-lt"/>
+          <a:ea typeface="+mn-ea"/>
+          <a:cs typeface="+mn-cs"/>
+        </a:defRPr>
+      </a:lvl5pPr>
+      <a:lvl6pPr marL="2514600" indent="-228600" algn="l" defTabSz="914400" rtl="0" eaLnBrk="1" latinLnBrk="0" hangingPunct="1">
+        <a:lnSpc>
+          <a:spcPct val="90000"/>
+        </a:lnSpc>
+        <a:spcBef>
+          <a:spcPts val="500"/>
+        </a:spcBef>
+        <a:buFont typeface="Arial" panose="020B0604020202020204" pitchFamily="34" charset="0"/>
+        <a:buChar char="•"/>
+        <a:defRPr sz="1800" kern="1200">
+          <a:solidFill>
+            <a:schemeClr val="tx1"/>
+          </a:solidFill>
+          <a:latin typeface="+mn-lt"/>
+          <a:ea typeface="+mn-ea"/>
+          <a:cs typeface="+mn-cs"/>
+        </a:defRPr>
+      </a:lvl6pPr>
+      <a:lvl7pPr marL="2971800" indent="-228600" algn="l" defTabSz="914400" rtl="0" eaLnBrk="1" latinLnBrk="0" hangingPunct="1">
+        <a:lnSpc>
+          <a:spcPct val="90000"/>
+        </a:lnSpc>
+        <a:spcBef>
+          <a:spcPts val="500"/>
+        </a:spcBef>
+        <a:buFont typeface="Arial" panose="020B0604020202020204" pitchFamily="34" charset="0"/>
+        <a:buChar char="•"/>
+        <a:defRPr sz="1800" kern="1200">
+          <a:solidFill>
+            <a:schemeClr val="tx1"/>
+          </a:solidFill>
+          <a:latin typeface="+mn-lt"/>
+          <a:ea typeface="+mn-ea"/>
+          <a:cs typeface="+mn-cs"/>
+        </a:defRPr>
+      </a:lvl7pPr>
+      <a:lvl8pPr marL="3429000" indent="-228600" algn="l" defTabSz="914400" rtl="0" eaLnBrk="1" latinLnBrk="0" hangingPunct="1">
+        <a:lnSpc>
+          <a:spcPct val="90000"/>
+        </a:lnSpc>
+        <a:spcBef>
+          <a:spcPts val="500"/>
+        </a:spcBef>
+        <a:buFont typeface="Arial" panose="020B0604020202020204" pitchFamily="34" charset="0"/>
+        <a:buChar char="•"/>
+        <a:defRPr sz="1800" kern="1200">
+          <a:solidFill>
+            <a:schemeClr val="tx1"/>
+          </a:solidFill>
+          <a:latin typeface="+mn-lt"/>
+          <a:ea typeface="+mn-ea"/>
+          <a:cs typeface="+mn-cs"/>
+        </a:defRPr>
+      </a:lvl8pPr>
+      <a:lvl9pPr marL="3886200" indent="-228600" algn="l" defTabSz="914400" rtl="0" eaLnBrk="1" latinLnBrk="0" hangingPunct="1">
+        <a:lnSpc>
+          <a:spcPct val="90000"/>
+        </a:lnSpc>
+        <a:spcBef>
+          <a:spcPts val="500"/>
+        </a:spcBef>
+        <a:buFont typeface="Arial" panose="020B0604020202020204" pitchFamily="34" charset="0"/>
+        <a:buChar char="•"/>
+        <a:defRPr sz="1800" kern="1200">
+          <a:solidFill>
+            <a:schemeClr val="tx1"/>
+          </a:solidFill>
+          <a:latin typeface="+mn-lt"/>
+          <a:ea typeface="+mn-ea"/>
+          <a:cs typeface="+mn-cs"/>
+        </a:defRPr>
+      </a:lvl9pPr>
+    </p:bodyStyle>
+    <p:otherStyle>
+      <a:defPPr>
+        <a:defRPr lang="en-US"/>
+      </a:defPPr>
+      <a:lvl1pPr marL="0" algn="l" defTabSz="914400" rtl="0" eaLnBrk="1" latinLnBrk="0" hangingPunct="1">
+        <a:defRPr sz="1800" kern="1200">
+          <a:solidFill>
+            <a:schemeClr val="tx1"/>
+          </a:solidFill>
+          <a:latin typeface="+mn-lt"/>
+          <a:ea typeface="+mn-ea"/>
+          <a:cs typeface="+mn-cs"/>
+        </a:defRPr>
+      </a:lvl1pPr>
+      <a:lvl2pPr marL="457200" algn="l" defTabSz="914400" rtl="0" eaLnBrk="1" latinLnBrk="0" hangingPunct="1">
+        <a:defRPr sz="1800" kern="1200">
+          <a:solidFill>
+            <a:schemeClr val="tx1"/>
+          </a:solidFill>
+          <a:latin typeface="+mn-lt"/>
+          <a:ea typeface="+mn-ea"/>
+          <a:cs typeface="+mn-cs"/>
+        </a:defRPr>
+      </a:lvl2pPr>
+      <a:lvl3pPr marL="914400" algn="l" defTabSz="914400" rtl="0" eaLnBrk="1" latinLnBrk="0" hangingPunct="1">
+        <a:defRPr sz="1800" kern="1200">
+          <a:solidFill>
+            <a:schemeClr val="tx1"/>
+          </a:solidFill>
+          <a:latin typeface="+mn-lt"/>
+          <a:ea typeface="+mn-ea"/>
+          <a:cs typeface="+mn-cs"/>
+        </a:defRPr>
+      </a:lvl3pPr>
+      <a:lvl4pPr marL="1371600" algn="l" defTabSz="914400" rtl="0" eaLnBrk="1" latinLnBrk="0" hangingPunct="1">
+        <a:defRPr sz="1800" kern="1200">
+          <a:solidFill>
+            <a:schemeClr val="tx1"/>
+          </a:solidFill>
+          <a:latin typeface="+mn-lt"/>
+          <a:ea typeface="+mn-ea"/>
+          <a:cs typeface="+mn-cs"/>
+        </a:defRPr>
+      </a:lvl4pPr>
+      <a:lvl5pPr marL="1828800" algn="l" defTabSz="914400" rtl="0" eaLnBrk="1" latinLnBrk="0" hangingPunct="1">
+        <a:defRPr sz="1800" kern="1200">
+          <a:solidFill>
+            <a:schemeClr val="tx1"/>
+          </a:solidFill>
+          <a:latin typeface="+mn-lt"/>
+          <a:ea typeface="+mn-ea"/>
+          <a:cs typeface="+mn-cs"/>
+        </a:defRPr>
+      </a:lvl5pPr>
+      <a:lvl6pPr marL="2286000" algn="l" defTabSz="914400" rtl="0" eaLnBrk="1" latinLnBrk="0" hangingPunct="1">
+        <a:defRPr sz="1800" kern="1200">
+          <a:solidFill>
+            <a:schemeClr val="tx1"/>
+          </a:solidFill>
+          <a:latin typeface="+mn-lt"/>
+          <a:ea typeface="+mn-ea"/>
+          <a:cs typeface="+mn-cs"/>
+        </a:defRPr>
+      </a:lvl6pPr>
+      <a:lvl7pPr marL="2743200" algn="l" defTabSz="914400" rtl="0" eaLnBrk="1" latinLnBrk="0" hangingPunct="1">
+        <a:defRPr sz="1800" kern="1200">
+          <a:solidFill>
+            <a:schemeClr val="tx1"/>
+          </a:solidFill>
+          <a:latin typeface="+mn-lt"/>
+          <a:ea typeface="+mn-ea"/>
+          <a:cs typeface="+mn-cs"/>
+        </a:defRPr>
+      </a:lvl7pPr>
+      <a:lvl8pPr marL="3200400" algn="l" defTabSz="914400" rtl="0" eaLnBrk="1" latinLnBrk="0" hangingPunct="1">
+        <a:defRPr sz="1800" kern="1200">
+          <a:solidFill>
+            <a:schemeClr val="tx1"/>
+          </a:solidFill>
+          <a:latin typeface="+mn-lt"/>
+          <a:ea typeface="+mn-ea"/>
+          <a:cs typeface="+mn-cs"/>
+        </a:defRPr>
+      </a:lvl8pPr>
+      <a:lvl9pPr marL="3657600" algn="l" defTabSz="914400" rtl="0" eaLnBrk="1" latinLnBrk="0" hangingPunct="1">
+        <a:defRPr sz="1800" kern="1200">
+          <a:solidFill>
+            <a:schemeClr val="tx1"/>
+          </a:solidFill>
+          <a:latin typeface="+mn-lt"/>
+          <a:ea typeface="+mn-ea"/>
+          <a:cs typeface="+mn-cs"/>
+        </a:defRPr>
+      </a:lvl9pPr>
+    </p:otherStyle>
+  </p:txStyles>
 </p:sldMaster>
 </file>
 
 <file path=ppt/slides/slide1.xml><?xml version="1.0" encoding="utf-8"?>
-<p:sld xmlns:a="http://schemas.openxmlformats.org/drawingml/2006/main" xmlns:p="http://schemas.openxmlformats.org/presentationml/2006/main" xmlns:r="http://schemas.openxmlformats.org/officeDocument/2006/relationships" xmlns:p14="http://schemas.microsoft.com/office/powerpoint/2010/main" xmlns:p15="http://schemas.microsoft.com/office/powerpoint/2012/main" xmlns:mc="http://schemas.openxmlformats.org/markup-compatibility/2006">
+<p:sld xmlns:a="http://schemas.openxmlformats.org/drawingml/2006/main" xmlns:r="http://schemas.openxmlformats.org/officeDocument/2006/relationships" xmlns:p="http://schemas.openxmlformats.org/presentationml/2006/main">
   <p:cSld>
     <p:spTree>
       <p:nvGrpSpPr>
@@ -1977,12 +2511,12 @@
       </p:grpSpPr>
       <p:pic>
         <p:nvPicPr>
-          <p:cNvPr id="44" name="Afbeelding 29" descr=""/>
+          <p:cNvPr id="44" name="Afbeelding 29"/>
           <p:cNvPicPr/>
           <p:nvPr/>
         </p:nvPicPr>
         <p:blipFill>
-          <a:blip r:embed="rId1"/>
+          <a:blip r:embed="rId3"/>
           <a:stretch/>
         </p:blipFill>
         <p:spPr>
@@ -2018,15 +2552,22 @@
           </a:ln>
         </p:spPr>
         <p:style>
-          <a:lnRef idx="0"/>
-          <a:fillRef idx="0"/>
-          <a:effectRef idx="0"/>
+          <a:lnRef idx="0">
+            <a:scrgbClr r="0" g="0" b="0"/>
+          </a:lnRef>
+          <a:fillRef idx="0">
+            <a:scrgbClr r="0" g="0" b="0"/>
+          </a:fillRef>
+          <a:effectRef idx="0">
+            <a:scrgbClr r="0" g="0" b="0"/>
+          </a:effectRef>
           <a:fontRef idx="minor"/>
         </p:style>
         <p:txBody>
-          <a:bodyPr lIns="90000" rIns="90000" tIns="45000" bIns="45000">
+          <a:bodyPr lIns="90000" tIns="45000" rIns="90000" bIns="45000">
             <a:spAutoFit/>
           </a:bodyPr>
+          <a:lstStyle/>
           <a:p>
             <a:pPr>
               <a:lnSpc>
@@ -2034,17 +2575,17 @@
               </a:lnSpc>
             </a:pPr>
             <a:r>
-              <a:rPr b="0" lang="nl-NL" sz="1100" spc="-1" strike="noStrike" u="sng">
-                <a:solidFill>
-                  <a:srgbClr val="0000ff"/>
+              <a:rPr lang="nl-NL" sz="1100" b="0" u="sng" strike="noStrike" spc="-1">
+                <a:solidFill>
+                  <a:srgbClr val="0000FF"/>
                 </a:solidFill>
                 <a:uFillTx/>
                 <a:latin typeface="Verdana"/>
-                <a:hlinkClick r:id="rId2"/>
+                <a:hlinkClick r:id="rId4"/>
               </a:rPr>
               <a:t>More info </a:t>
             </a:r>
-            <a:endParaRPr b="0" lang="en-US" sz="1100" spc="-1" strike="noStrike">
+            <a:endParaRPr lang="en-US" sz="1100" b="0" strike="noStrike" spc="-1">
               <a:latin typeface="Arial"/>
             </a:endParaRPr>
           </a:p>
@@ -2070,15 +2611,22 @@
           </a:ln>
         </p:spPr>
         <p:style>
-          <a:lnRef idx="0"/>
-          <a:fillRef idx="0"/>
-          <a:effectRef idx="0"/>
+          <a:lnRef idx="0">
+            <a:scrgbClr r="0" g="0" b="0"/>
+          </a:lnRef>
+          <a:fillRef idx="0">
+            <a:scrgbClr r="0" g="0" b="0"/>
+          </a:fillRef>
+          <a:effectRef idx="0">
+            <a:scrgbClr r="0" g="0" b="0"/>
+          </a:effectRef>
           <a:fontRef idx="minor"/>
         </p:style>
         <p:txBody>
-          <a:bodyPr wrap="none" lIns="90000" rIns="90000" tIns="45000" bIns="45000">
+          <a:bodyPr wrap="none" lIns="90000" tIns="45000" rIns="90000" bIns="45000">
             <a:spAutoFit/>
           </a:bodyPr>
+          <a:lstStyle/>
           <a:p>
             <a:pPr>
               <a:lnSpc>
@@ -2086,7 +2634,7 @@
               </a:lnSpc>
             </a:pPr>
             <a:r>
-              <a:rPr b="1" lang="nl-NL" sz="1100" spc="-1" strike="noStrike">
+              <a:rPr lang="nl-NL" sz="1100" b="1" strike="noStrike" spc="-1">
                 <a:solidFill>
                   <a:srgbClr val="000000"/>
                 </a:solidFill>
@@ -2094,7 +2642,7 @@
               </a:rPr>
               <a:t>Project Canvas</a:t>
             </a:r>
-            <a:endParaRPr b="0" lang="en-US" sz="1100" spc="-1" strike="noStrike">
+            <a:endParaRPr lang="en-US" sz="1100" b="0" strike="noStrike" spc="-1">
               <a:latin typeface="Arial"/>
             </a:endParaRPr>
           </a:p>
@@ -2120,9 +2668,15 @@
           </a:ln>
         </p:spPr>
         <p:style>
-          <a:lnRef idx="0"/>
-          <a:fillRef idx="0"/>
-          <a:effectRef idx="0"/>
+          <a:lnRef idx="0">
+            <a:scrgbClr r="0" g="0" b="0"/>
+          </a:lnRef>
+          <a:fillRef idx="0">
+            <a:scrgbClr r="0" g="0" b="0"/>
+          </a:fillRef>
+          <a:effectRef idx="0">
+            <a:scrgbClr r="0" g="0" b="0"/>
+          </a:effectRef>
           <a:fontRef idx="minor"/>
         </p:style>
       </p:sp>
@@ -2146,15 +2700,22 @@
           </a:ln>
         </p:spPr>
         <p:style>
-          <a:lnRef idx="0"/>
-          <a:fillRef idx="0"/>
-          <a:effectRef idx="0"/>
+          <a:lnRef idx="0">
+            <a:scrgbClr r="0" g="0" b="0"/>
+          </a:lnRef>
+          <a:fillRef idx="0">
+            <a:scrgbClr r="0" g="0" b="0"/>
+          </a:fillRef>
+          <a:effectRef idx="0">
+            <a:scrgbClr r="0" g="0" b="0"/>
+          </a:effectRef>
           <a:fontRef idx="minor"/>
         </p:style>
         <p:txBody>
-          <a:bodyPr wrap="none" lIns="90000" rIns="90000" tIns="45000" bIns="45000">
+          <a:bodyPr wrap="none" lIns="90000" tIns="45000" rIns="90000" bIns="45000">
             <a:spAutoFit/>
           </a:bodyPr>
+          <a:lstStyle/>
           <a:p>
             <a:pPr>
               <a:lnSpc>
@@ -2162,7 +2723,7 @@
               </a:lnSpc>
             </a:pPr>
             <a:r>
-              <a:rPr b="1" lang="nl-NL" sz="900" spc="-1" strike="noStrike">
+              <a:rPr lang="nl-NL" sz="900" b="1" strike="noStrike" spc="-1">
                 <a:solidFill>
                   <a:srgbClr val="000000"/>
                 </a:solidFill>
@@ -2170,7 +2731,7 @@
               </a:rPr>
               <a:t>Data</a:t>
             </a:r>
-            <a:endParaRPr b="0" lang="en-US" sz="900" spc="-1" strike="noStrike">
+            <a:endParaRPr lang="en-US" sz="900" b="0" strike="noStrike" spc="-1">
               <a:latin typeface="Arial"/>
             </a:endParaRPr>
           </a:p>
@@ -2181,15 +2742,15 @@
               </a:lnSpc>
             </a:pPr>
             <a:r>
-              <a:rPr b="0" i="1" lang="nl-NL" sz="800" spc="-1" strike="noStrike">
-                <a:solidFill>
-                  <a:srgbClr val="a6a6a6"/>
+              <a:rPr lang="nl-NL" sz="800" b="0" i="1" strike="noStrike" spc="-1">
+                <a:solidFill>
+                  <a:srgbClr val="A6A6A6"/>
                 </a:solidFill>
                 <a:latin typeface="Verdana"/>
               </a:rPr>
               <a:t>Which data do you need?</a:t>
             </a:r>
-            <a:endParaRPr b="0" lang="en-US" sz="800" spc="-1" strike="noStrike">
+            <a:endParaRPr lang="en-US" sz="800" b="0" strike="noStrike" spc="-1">
               <a:latin typeface="Arial"/>
             </a:endParaRPr>
           </a:p>
@@ -2199,7 +2760,7 @@
                 <a:spcPct val="100000"/>
               </a:lnSpc>
             </a:pPr>
-            <a:endParaRPr b="0" lang="en-US" sz="800" spc="-1" strike="noStrike">
+            <a:endParaRPr lang="en-US" sz="800" b="0" strike="noStrike" spc="-1">
               <a:latin typeface="Arial"/>
             </a:endParaRPr>
           </a:p>
@@ -2210,15 +2771,15 @@
               </a:lnSpc>
             </a:pPr>
             <a:r>
-              <a:rPr b="0" i="1" lang="nl-NL" sz="800" spc="-1" strike="noStrike">
-                <a:solidFill>
-                  <a:srgbClr val="a6a6a6"/>
+              <a:rPr lang="nl-NL" sz="800" b="0" i="1" strike="noStrike" spc="-1">
+                <a:solidFill>
+                  <a:srgbClr val="A6A6A6"/>
                 </a:solidFill>
                 <a:latin typeface="Verdana"/>
               </a:rPr>
               <a:t>Data about the volunteering of</a:t>
             </a:r>
-            <a:endParaRPr b="0" lang="en-US" sz="800" spc="-1" strike="noStrike">
+            <a:endParaRPr lang="en-US" sz="800" b="0" strike="noStrike" spc="-1">
               <a:latin typeface="Arial"/>
             </a:endParaRPr>
           </a:p>
@@ -2229,15 +2790,15 @@
               </a:lnSpc>
             </a:pPr>
             <a:r>
-              <a:rPr b="0" i="1" lang="nl-NL" sz="800" spc="-1" strike="noStrike">
-                <a:solidFill>
-                  <a:srgbClr val="a6a6a6"/>
+              <a:rPr lang="nl-NL" sz="800" b="0" i="1" strike="noStrike" spc="-1">
+                <a:solidFill>
+                  <a:srgbClr val="A6A6A6"/>
                 </a:solidFill>
                 <a:latin typeface="Verdana"/>
               </a:rPr>
               <a:t>thousands of volunteers.</a:t>
             </a:r>
-            <a:endParaRPr b="0" lang="en-US" sz="800" spc="-1" strike="noStrike">
+            <a:endParaRPr lang="en-US" sz="800" b="0" strike="noStrike" spc="-1">
               <a:latin typeface="Arial"/>
             </a:endParaRPr>
           </a:p>
@@ -2247,7 +2808,7 @@
                 <a:spcPct val="100000"/>
               </a:lnSpc>
             </a:pPr>
-            <a:endParaRPr b="0" lang="en-US" sz="800" spc="-1" strike="noStrike">
+            <a:endParaRPr lang="en-US" sz="800" b="0" strike="noStrike" spc="-1">
               <a:latin typeface="Arial"/>
             </a:endParaRPr>
           </a:p>
@@ -2258,15 +2819,15 @@
               </a:lnSpc>
             </a:pPr>
             <a:r>
-              <a:rPr b="0" i="1" lang="nl-NL" sz="800" spc="-1" strike="noStrike">
-                <a:solidFill>
-                  <a:srgbClr val="a6a6a6"/>
+              <a:rPr lang="nl-NL" sz="800" b="0" i="1" strike="noStrike" spc="-1">
+                <a:solidFill>
+                  <a:srgbClr val="A6A6A6"/>
                 </a:solidFill>
                 <a:latin typeface="Verdana"/>
               </a:rPr>
               <a:t>Preferably in an SQL database</a:t>
             </a:r>
-            <a:endParaRPr b="0" lang="en-US" sz="800" spc="-1" strike="noStrike">
+            <a:endParaRPr lang="en-US" sz="800" b="0" strike="noStrike" spc="-1">
               <a:latin typeface="Arial"/>
             </a:endParaRPr>
           </a:p>
@@ -2277,15 +2838,15 @@
               </a:lnSpc>
             </a:pPr>
             <a:r>
-              <a:rPr b="0" i="1" lang="nl-NL" sz="800" spc="-1" strike="noStrike">
-                <a:solidFill>
-                  <a:srgbClr val="a6a6a6"/>
+              <a:rPr lang="nl-NL" sz="800" b="0" i="1" strike="noStrike" spc="-1">
+                <a:solidFill>
+                  <a:srgbClr val="A6A6A6"/>
                 </a:solidFill>
                 <a:latin typeface="Verdana"/>
               </a:rPr>
               <a:t>or JSON format.</a:t>
             </a:r>
-            <a:endParaRPr b="0" lang="en-US" sz="800" spc="-1" strike="noStrike">
+            <a:endParaRPr lang="en-US" sz="800" b="0" strike="noStrike" spc="-1">
               <a:latin typeface="Arial"/>
             </a:endParaRPr>
           </a:p>
@@ -2311,15 +2872,22 @@
           </a:ln>
         </p:spPr>
         <p:style>
-          <a:lnRef idx="0"/>
-          <a:fillRef idx="0"/>
-          <a:effectRef idx="0"/>
+          <a:lnRef idx="0">
+            <a:scrgbClr r="0" g="0" b="0"/>
+          </a:lnRef>
+          <a:fillRef idx="0">
+            <a:scrgbClr r="0" g="0" b="0"/>
+          </a:fillRef>
+          <a:effectRef idx="0">
+            <a:scrgbClr r="0" g="0" b="0"/>
+          </a:effectRef>
           <a:fontRef idx="minor"/>
         </p:style>
         <p:txBody>
-          <a:bodyPr lIns="90000" rIns="90000" tIns="45000" bIns="45000">
+          <a:bodyPr lIns="90000" tIns="45000" rIns="90000" bIns="45000">
             <a:spAutoFit/>
           </a:bodyPr>
+          <a:lstStyle/>
           <a:p>
             <a:pPr>
               <a:lnSpc>
@@ -2327,7 +2895,7 @@
               </a:lnSpc>
             </a:pPr>
             <a:r>
-              <a:rPr b="1" lang="nl-NL" sz="900" spc="-1" strike="noStrike">
+              <a:rPr lang="nl-NL" sz="900" b="1" strike="noStrike" spc="-1">
                 <a:solidFill>
                   <a:srgbClr val="000000"/>
                 </a:solidFill>
@@ -2335,7 +2903,7 @@
               </a:rPr>
               <a:t>Skills</a:t>
             </a:r>
-            <a:endParaRPr b="0" lang="en-US" sz="900" spc="-1" strike="noStrike">
+            <a:endParaRPr lang="en-US" sz="900" b="0" strike="noStrike" spc="-1">
               <a:latin typeface="Arial"/>
             </a:endParaRPr>
           </a:p>
@@ -2346,15 +2914,15 @@
               </a:lnSpc>
             </a:pPr>
             <a:r>
-              <a:rPr b="0" i="1" lang="nl-NL" sz="800" spc="-1" strike="noStrike">
-                <a:solidFill>
-                  <a:srgbClr val="a6a6a6"/>
+              <a:rPr lang="nl-NL" sz="800" b="0" i="1" strike="noStrike" spc="-1">
+                <a:solidFill>
+                  <a:srgbClr val="A6A6A6"/>
                 </a:solidFill>
                 <a:latin typeface="Verdana"/>
               </a:rPr>
               <a:t>Which skills do you need for development?</a:t>
             </a:r>
-            <a:endParaRPr b="0" lang="en-US" sz="800" spc="-1" strike="noStrike">
+            <a:endParaRPr lang="en-US" sz="800" b="0" strike="noStrike" spc="-1">
               <a:latin typeface="Arial"/>
             </a:endParaRPr>
           </a:p>
@@ -2364,7 +2932,7 @@
                 <a:spcPct val="100000"/>
               </a:lnSpc>
             </a:pPr>
-            <a:endParaRPr b="0" lang="en-US" sz="800" spc="-1" strike="noStrike">
+            <a:endParaRPr lang="en-US" sz="800" b="0" strike="noStrike" spc="-1">
               <a:latin typeface="Arial"/>
             </a:endParaRPr>
           </a:p>
@@ -2375,15 +2943,15 @@
               </a:lnSpc>
             </a:pPr>
             <a:r>
-              <a:rPr b="0" i="1" lang="nl-NL" sz="800" spc="-1" strike="noStrike">
-                <a:solidFill>
-                  <a:srgbClr val="a6a6a6"/>
+              <a:rPr lang="nl-NL" sz="800" b="0" i="1" strike="noStrike" spc="-1">
+                <a:solidFill>
+                  <a:srgbClr val="A6A6A6"/>
                 </a:solidFill>
                 <a:latin typeface="Verdana"/>
               </a:rPr>
               <a:t>SQL, Angular, Typescript, HTML and .Net Core</a:t>
             </a:r>
-            <a:endParaRPr b="0" lang="en-US" sz="800" spc="-1" strike="noStrike">
+            <a:endParaRPr lang="en-US" sz="800" b="0" strike="noStrike" spc="-1">
               <a:latin typeface="Arial"/>
             </a:endParaRPr>
           </a:p>
@@ -2393,7 +2961,7 @@
                 <a:spcPct val="100000"/>
               </a:lnSpc>
             </a:pPr>
-            <a:endParaRPr b="0" lang="en-US" sz="800" spc="-1" strike="noStrike">
+            <a:endParaRPr lang="en-US" sz="800" b="0" strike="noStrike" spc="-1">
               <a:latin typeface="Arial"/>
             </a:endParaRPr>
           </a:p>
@@ -2404,15 +2972,15 @@
               </a:lnSpc>
             </a:pPr>
             <a:r>
-              <a:rPr b="0" i="1" lang="nl-NL" sz="800" spc="-1" strike="noStrike">
-                <a:solidFill>
-                  <a:srgbClr val="a6a6a6"/>
+              <a:rPr lang="nl-NL" sz="800" b="0" i="1" strike="noStrike" spc="-1">
+                <a:solidFill>
+                  <a:srgbClr val="A6A6A6"/>
                 </a:solidFill>
                 <a:latin typeface="Verdana"/>
               </a:rPr>
               <a:t>Or</a:t>
             </a:r>
-            <a:endParaRPr b="0" lang="en-US" sz="800" spc="-1" strike="noStrike">
+            <a:endParaRPr lang="en-US" sz="800" b="0" strike="noStrike" spc="-1">
               <a:latin typeface="Arial"/>
             </a:endParaRPr>
           </a:p>
@@ -2422,7 +2990,7 @@
                 <a:spcPct val="100000"/>
               </a:lnSpc>
             </a:pPr>
-            <a:endParaRPr b="0" lang="en-US" sz="800" spc="-1" strike="noStrike">
+            <a:endParaRPr lang="en-US" sz="800" b="0" strike="noStrike" spc="-1">
               <a:latin typeface="Arial"/>
             </a:endParaRPr>
           </a:p>
@@ -2433,15 +3001,15 @@
               </a:lnSpc>
             </a:pPr>
             <a:r>
-              <a:rPr b="0" i="1" lang="nl-NL" sz="800" spc="-1" strike="noStrike">
-                <a:solidFill>
-                  <a:srgbClr val="a6a6a6"/>
+              <a:rPr lang="nl-NL" sz="800" b="0" i="1" strike="noStrike" spc="-1">
+                <a:solidFill>
+                  <a:srgbClr val="A6A6A6"/>
                 </a:solidFill>
                 <a:latin typeface="Verdana"/>
               </a:rPr>
               <a:t>R, Shiny</a:t>
             </a:r>
-            <a:endParaRPr b="0" lang="en-US" sz="800" spc="-1" strike="noStrike">
+            <a:endParaRPr lang="en-US" sz="800" b="0" strike="noStrike" spc="-1">
               <a:latin typeface="Arial"/>
             </a:endParaRPr>
           </a:p>
@@ -2451,7 +3019,7 @@
                 <a:spcPct val="100000"/>
               </a:lnSpc>
             </a:pPr>
-            <a:endParaRPr b="0" lang="en-US" sz="800" spc="-1" strike="noStrike">
+            <a:endParaRPr lang="en-US" sz="800" b="0" strike="noStrike" spc="-1">
               <a:latin typeface="Arial"/>
             </a:endParaRPr>
           </a:p>
@@ -2466,7 +3034,7 @@
         <p:spPr>
           <a:xfrm>
             <a:off x="3708000" y="418680"/>
-            <a:ext cx="1656000" cy="1321920"/>
+            <a:ext cx="1656000" cy="2568480"/>
           </a:xfrm>
           <a:prstGeom prst="rect">
             <a:avLst/>
@@ -2477,15 +3045,22 @@
           </a:ln>
         </p:spPr>
         <p:style>
-          <a:lnRef idx="0"/>
-          <a:fillRef idx="0"/>
-          <a:effectRef idx="0"/>
+          <a:lnRef idx="0">
+            <a:scrgbClr r="0" g="0" b="0"/>
+          </a:lnRef>
+          <a:fillRef idx="0">
+            <a:scrgbClr r="0" g="0" b="0"/>
+          </a:fillRef>
+          <a:effectRef idx="0">
+            <a:scrgbClr r="0" g="0" b="0"/>
+          </a:effectRef>
           <a:fontRef idx="minor"/>
         </p:style>
         <p:txBody>
-          <a:bodyPr lIns="90000" rIns="90000" tIns="45000" bIns="45000">
+          <a:bodyPr lIns="90000" tIns="45000" rIns="90000" bIns="45000">
             <a:spAutoFit/>
           </a:bodyPr>
+          <a:lstStyle/>
           <a:p>
             <a:pPr>
               <a:lnSpc>
@@ -2493,15 +3068,24 @@
               </a:lnSpc>
             </a:pPr>
             <a:r>
-              <a:rPr b="1" lang="nl-NL" sz="900" spc="-1" strike="noStrike">
+              <a:rPr lang="nl-NL" sz="900" b="1" strike="noStrike" spc="-1" dirty="0">
                 <a:solidFill>
                   <a:srgbClr val="000000"/>
                 </a:solidFill>
                 <a:latin typeface="Verdana"/>
               </a:rPr>
-              <a:t>Value Proposition</a:t>
-            </a:r>
-            <a:endParaRPr b="0" lang="en-US" sz="900" spc="-1" strike="noStrike">
+              <a:t>Value </a:t>
+            </a:r>
+            <a:r>
+              <a:rPr lang="nl-NL" sz="900" b="1" strike="noStrike" spc="-1" dirty="0" err="1">
+                <a:solidFill>
+                  <a:srgbClr val="000000"/>
+                </a:solidFill>
+                <a:latin typeface="Verdana"/>
+              </a:rPr>
+              <a:t>Proposition</a:t>
+            </a:r>
+            <a:endParaRPr lang="en-US" sz="900" b="0" strike="noStrike" spc="-1" dirty="0">
               <a:latin typeface="Arial"/>
             </a:endParaRPr>
           </a:p>
@@ -2512,15 +3096,114 @@
               </a:lnSpc>
             </a:pPr>
             <a:r>
-              <a:rPr b="0" i="1" lang="nl-NL" sz="800" spc="-1" strike="noStrike">
-                <a:solidFill>
-                  <a:srgbClr val="a6a6a6"/>
-                </a:solidFill>
-                <a:latin typeface="Verdana"/>
-              </a:rPr>
-              <a:t>What is the value added by your project?</a:t>
-            </a:r>
-            <a:endParaRPr b="0" lang="en-US" sz="800" spc="-1" strike="noStrike">
+              <a:rPr lang="nl-NL" sz="800" b="0" i="1" strike="noStrike" spc="-1" dirty="0" err="1">
+                <a:solidFill>
+                  <a:srgbClr val="A6A6A6"/>
+                </a:solidFill>
+                <a:latin typeface="Verdana"/>
+              </a:rPr>
+              <a:t>What</a:t>
+            </a:r>
+            <a:r>
+              <a:rPr lang="nl-NL" sz="800" b="0" i="1" strike="noStrike" spc="-1" dirty="0">
+                <a:solidFill>
+                  <a:srgbClr val="A6A6A6"/>
+                </a:solidFill>
+                <a:latin typeface="Verdana"/>
+              </a:rPr>
+              <a:t> is </a:t>
+            </a:r>
+            <a:r>
+              <a:rPr lang="nl-NL" sz="800" b="0" i="1" strike="noStrike" spc="-1" dirty="0" err="1">
+                <a:solidFill>
+                  <a:srgbClr val="A6A6A6"/>
+                </a:solidFill>
+                <a:latin typeface="Verdana"/>
+              </a:rPr>
+              <a:t>the</a:t>
+            </a:r>
+            <a:r>
+              <a:rPr lang="nl-NL" sz="800" b="0" i="1" strike="noStrike" spc="-1" dirty="0">
+                <a:solidFill>
+                  <a:srgbClr val="A6A6A6"/>
+                </a:solidFill>
+                <a:latin typeface="Verdana"/>
+              </a:rPr>
+              <a:t> </a:t>
+            </a:r>
+            <a:r>
+              <a:rPr lang="nl-NL" sz="800" b="0" i="1" strike="noStrike" spc="-1" dirty="0" err="1">
+                <a:solidFill>
+                  <a:srgbClr val="A6A6A6"/>
+                </a:solidFill>
+                <a:latin typeface="Verdana"/>
+              </a:rPr>
+              <a:t>value</a:t>
+            </a:r>
+            <a:r>
+              <a:rPr lang="nl-NL" sz="800" b="0" i="1" strike="noStrike" spc="-1" dirty="0">
+                <a:solidFill>
+                  <a:srgbClr val="A6A6A6"/>
+                </a:solidFill>
+                <a:latin typeface="Verdana"/>
+              </a:rPr>
+              <a:t> </a:t>
+            </a:r>
+            <a:r>
+              <a:rPr lang="nl-NL" sz="800" b="0" i="1" strike="noStrike" spc="-1" dirty="0" err="1">
+                <a:solidFill>
+                  <a:srgbClr val="A6A6A6"/>
+                </a:solidFill>
+                <a:latin typeface="Verdana"/>
+              </a:rPr>
+              <a:t>added</a:t>
+            </a:r>
+            <a:r>
+              <a:rPr lang="nl-NL" sz="800" b="0" i="1" strike="noStrike" spc="-1" dirty="0">
+                <a:solidFill>
+                  <a:srgbClr val="A6A6A6"/>
+                </a:solidFill>
+                <a:latin typeface="Verdana"/>
+              </a:rPr>
+              <a:t> </a:t>
+            </a:r>
+            <a:r>
+              <a:rPr lang="nl-NL" sz="800" b="0" i="1" strike="noStrike" spc="-1" dirty="0" err="1">
+                <a:solidFill>
+                  <a:srgbClr val="A6A6A6"/>
+                </a:solidFill>
+                <a:latin typeface="Verdana"/>
+              </a:rPr>
+              <a:t>by</a:t>
+            </a:r>
+            <a:r>
+              <a:rPr lang="nl-NL" sz="800" b="0" i="1" strike="noStrike" spc="-1" dirty="0">
+                <a:solidFill>
+                  <a:srgbClr val="A6A6A6"/>
+                </a:solidFill>
+                <a:latin typeface="Verdana"/>
+              </a:rPr>
+              <a:t> </a:t>
+            </a:r>
+            <a:r>
+              <a:rPr lang="nl-NL" sz="800" b="0" i="1" strike="noStrike" spc="-1" dirty="0" err="1">
+                <a:solidFill>
+                  <a:srgbClr val="A6A6A6"/>
+                </a:solidFill>
+                <a:latin typeface="Verdana"/>
+              </a:rPr>
+              <a:t>your</a:t>
+            </a:r>
+            <a:r>
+              <a:rPr lang="nl-NL" sz="800" b="0" i="1" strike="noStrike" spc="-1" dirty="0">
+                <a:solidFill>
+                  <a:srgbClr val="A6A6A6"/>
+                </a:solidFill>
+                <a:latin typeface="Verdana"/>
+              </a:rPr>
+              <a:t> project?</a:t>
+            </a:r>
+            <a:endParaRPr lang="en-US" sz="800" b="0" strike="noStrike" spc="-1" dirty="0">
               <a:latin typeface="Arial"/>
             </a:endParaRPr>
           </a:p>
@@ -2530,7 +3213,7 @@
                 <a:spcPct val="100000"/>
               </a:lnSpc>
             </a:pPr>
-            <a:endParaRPr b="0" lang="en-US" sz="800" spc="-1" strike="noStrike">
+            <a:endParaRPr lang="en-US" sz="800" b="0" strike="noStrike" spc="-1" dirty="0">
               <a:latin typeface="Arial"/>
             </a:endParaRPr>
           </a:p>
@@ -2541,17 +3224,563 @@
               </a:lnSpc>
             </a:pPr>
             <a:r>
-              <a:rPr b="0" i="1" lang="nl-NL" sz="800" spc="-1" strike="noStrike">
-                <a:solidFill>
-                  <a:srgbClr val="a6a6a6"/>
-                </a:solidFill>
-                <a:latin typeface="Verdana"/>
-              </a:rPr>
-              <a:t>To allow for effective decision making regarding funding and organisation of different volunteering projects within the Philips Foundation.</a:t>
-            </a:r>
-            <a:endParaRPr b="0" lang="en-US" sz="800" spc="-1" strike="noStrike">
-              <a:latin typeface="Arial"/>
-            </a:endParaRPr>
+              <a:rPr lang="nl-NL" sz="800" b="0" i="1" strike="noStrike" spc="-1" dirty="0" err="1">
+                <a:solidFill>
+                  <a:srgbClr val="A6A6A6"/>
+                </a:solidFill>
+                <a:latin typeface="Verdana"/>
+              </a:rPr>
+              <a:t>To</a:t>
+            </a:r>
+            <a:r>
+              <a:rPr lang="nl-NL" sz="800" b="0" i="1" strike="noStrike" spc="-1" dirty="0">
+                <a:solidFill>
+                  <a:srgbClr val="A6A6A6"/>
+                </a:solidFill>
+                <a:latin typeface="Verdana"/>
+              </a:rPr>
+              <a:t> </a:t>
+            </a:r>
+            <a:r>
+              <a:rPr lang="nl-NL" sz="800" b="0" i="1" strike="noStrike" spc="-1" dirty="0" err="1">
+                <a:solidFill>
+                  <a:srgbClr val="A6A6A6"/>
+                </a:solidFill>
+                <a:latin typeface="Verdana"/>
+              </a:rPr>
+              <a:t>allow</a:t>
+            </a:r>
+            <a:r>
+              <a:rPr lang="nl-NL" sz="800" b="0" i="1" strike="noStrike" spc="-1" dirty="0">
+                <a:solidFill>
+                  <a:srgbClr val="A6A6A6"/>
+                </a:solidFill>
+                <a:latin typeface="Verdana"/>
+              </a:rPr>
+              <a:t> </a:t>
+            </a:r>
+            <a:r>
+              <a:rPr lang="nl-NL" sz="800" b="0" i="1" strike="noStrike" spc="-1" dirty="0" err="1">
+                <a:solidFill>
+                  <a:srgbClr val="A6A6A6"/>
+                </a:solidFill>
+                <a:latin typeface="Verdana"/>
+              </a:rPr>
+              <a:t>for</a:t>
+            </a:r>
+            <a:r>
+              <a:rPr lang="nl-NL" sz="800" b="0" i="1" strike="noStrike" spc="-1" dirty="0">
+                <a:solidFill>
+                  <a:srgbClr val="A6A6A6"/>
+                </a:solidFill>
+                <a:latin typeface="Verdana"/>
+              </a:rPr>
+              <a:t> </a:t>
+            </a:r>
+            <a:r>
+              <a:rPr lang="nl-NL" sz="800" b="0" i="1" strike="noStrike" spc="-1" dirty="0" err="1">
+                <a:solidFill>
+                  <a:srgbClr val="A6A6A6"/>
+                </a:solidFill>
+                <a:latin typeface="Verdana"/>
+              </a:rPr>
+              <a:t>effective</a:t>
+            </a:r>
+            <a:r>
+              <a:rPr lang="nl-NL" sz="800" b="0" i="1" strike="noStrike" spc="-1" dirty="0">
+                <a:solidFill>
+                  <a:srgbClr val="A6A6A6"/>
+                </a:solidFill>
+                <a:latin typeface="Verdana"/>
+              </a:rPr>
+              <a:t> </a:t>
+            </a:r>
+            <a:r>
+              <a:rPr lang="nl-NL" sz="800" b="0" i="1" strike="noStrike" spc="-1" dirty="0" err="1">
+                <a:solidFill>
+                  <a:srgbClr val="A6A6A6"/>
+                </a:solidFill>
+                <a:latin typeface="Verdana"/>
+              </a:rPr>
+              <a:t>decision</a:t>
+            </a:r>
+            <a:r>
+              <a:rPr lang="nl-NL" sz="800" b="0" i="1" strike="noStrike" spc="-1" dirty="0">
+                <a:solidFill>
+                  <a:srgbClr val="A6A6A6"/>
+                </a:solidFill>
+                <a:latin typeface="Verdana"/>
+              </a:rPr>
+              <a:t> making </a:t>
+            </a:r>
+            <a:r>
+              <a:rPr lang="nl-NL" sz="800" b="0" i="1" strike="noStrike" spc="-1" dirty="0" err="1">
+                <a:solidFill>
+                  <a:srgbClr val="A6A6A6"/>
+                </a:solidFill>
+                <a:latin typeface="Verdana"/>
+              </a:rPr>
+              <a:t>regarding</a:t>
+            </a:r>
+            <a:r>
+              <a:rPr lang="nl-NL" sz="800" b="0" i="1" strike="noStrike" spc="-1" dirty="0">
+                <a:solidFill>
+                  <a:srgbClr val="A6A6A6"/>
+                </a:solidFill>
+                <a:latin typeface="Verdana"/>
+              </a:rPr>
+              <a:t> more accurate resource </a:t>
+            </a:r>
+            <a:r>
+              <a:rPr lang="nl-NL" sz="800" b="0" i="1" strike="noStrike" spc="-1" dirty="0" err="1">
+                <a:solidFill>
+                  <a:srgbClr val="A6A6A6"/>
+                </a:solidFill>
+                <a:latin typeface="Verdana"/>
+              </a:rPr>
+              <a:t>allocation</a:t>
+            </a:r>
+            <a:r>
+              <a:rPr lang="nl-NL" sz="800" b="0" i="1" strike="noStrike" spc="-1" dirty="0">
+                <a:solidFill>
+                  <a:srgbClr val="A6A6A6"/>
+                </a:solidFill>
+                <a:latin typeface="Verdana"/>
+              </a:rPr>
+              <a:t> </a:t>
+            </a:r>
+            <a:r>
+              <a:rPr lang="nl-NL" sz="800" b="0" i="1" strike="noStrike" spc="-1" dirty="0" err="1">
+                <a:solidFill>
+                  <a:srgbClr val="A6A6A6"/>
+                </a:solidFill>
+                <a:latin typeface="Verdana"/>
+              </a:rPr>
+              <a:t>such</a:t>
+            </a:r>
+            <a:r>
+              <a:rPr lang="nl-NL" sz="800" b="0" i="1" strike="noStrike" spc="-1" dirty="0">
+                <a:solidFill>
+                  <a:srgbClr val="A6A6A6"/>
+                </a:solidFill>
+                <a:latin typeface="Verdana"/>
+              </a:rPr>
+              <a:t> as  </a:t>
+            </a:r>
+            <a:r>
+              <a:rPr lang="nl-NL" sz="800" b="0" i="1" strike="noStrike" spc="-1" dirty="0" err="1">
+                <a:solidFill>
+                  <a:srgbClr val="A6A6A6"/>
+                </a:solidFill>
+                <a:latin typeface="Verdana"/>
+              </a:rPr>
+              <a:t>funding</a:t>
+            </a:r>
+            <a:r>
+              <a:rPr lang="nl-NL" sz="800" b="0" i="1" strike="noStrike" spc="-1" dirty="0">
+                <a:solidFill>
+                  <a:srgbClr val="A6A6A6"/>
+                </a:solidFill>
+                <a:latin typeface="Verdana"/>
+              </a:rPr>
+              <a:t> </a:t>
+            </a:r>
+            <a:r>
+              <a:rPr lang="nl-NL" sz="800" b="0" i="1" strike="noStrike" spc="-1" dirty="0" err="1">
+                <a:solidFill>
+                  <a:srgbClr val="A6A6A6"/>
+                </a:solidFill>
+                <a:latin typeface="Verdana"/>
+              </a:rPr>
+              <a:t>and</a:t>
+            </a:r>
+            <a:r>
+              <a:rPr lang="nl-NL" sz="800" b="0" i="1" strike="noStrike" spc="-1" dirty="0">
+                <a:solidFill>
+                  <a:srgbClr val="A6A6A6"/>
+                </a:solidFill>
+                <a:latin typeface="Verdana"/>
+              </a:rPr>
+              <a:t> more </a:t>
+            </a:r>
+            <a:r>
+              <a:rPr lang="nl-NL" sz="800" b="0" i="1" strike="noStrike" spc="-1" dirty="0" err="1">
+                <a:solidFill>
+                  <a:srgbClr val="A6A6A6"/>
+                </a:solidFill>
+                <a:latin typeface="Verdana"/>
+              </a:rPr>
+              <a:t>efficient</a:t>
+            </a:r>
+            <a:r>
+              <a:rPr lang="nl-NL" sz="800" b="0" i="1" strike="noStrike" spc="-1" dirty="0">
+                <a:solidFill>
+                  <a:srgbClr val="A6A6A6"/>
+                </a:solidFill>
+                <a:latin typeface="Verdana"/>
+              </a:rPr>
+              <a:t> </a:t>
+            </a:r>
+            <a:r>
+              <a:rPr lang="nl-NL" sz="800" b="0" i="1" strike="noStrike" spc="-1" dirty="0" err="1">
+                <a:solidFill>
+                  <a:srgbClr val="A6A6A6"/>
+                </a:solidFill>
+                <a:latin typeface="Verdana"/>
+              </a:rPr>
+              <a:t>organisation</a:t>
+            </a:r>
+            <a:r>
+              <a:rPr lang="nl-NL" sz="800" b="0" i="1" strike="noStrike" spc="-1" dirty="0">
+                <a:solidFill>
+                  <a:srgbClr val="A6A6A6"/>
+                </a:solidFill>
+                <a:latin typeface="Verdana"/>
+              </a:rPr>
+              <a:t> of different </a:t>
+            </a:r>
+            <a:r>
+              <a:rPr lang="nl-NL" sz="800" b="0" i="1" strike="noStrike" spc="-1" dirty="0" err="1">
+                <a:solidFill>
+                  <a:srgbClr val="A6A6A6"/>
+                </a:solidFill>
+                <a:latin typeface="Verdana"/>
+              </a:rPr>
+              <a:t>volunteering</a:t>
+            </a:r>
+            <a:r>
+              <a:rPr lang="nl-NL" sz="800" b="0" i="1" strike="noStrike" spc="-1" dirty="0">
+                <a:solidFill>
+                  <a:srgbClr val="A6A6A6"/>
+                </a:solidFill>
+                <a:latin typeface="Verdana"/>
+              </a:rPr>
+              <a:t> </a:t>
+            </a:r>
+            <a:r>
+              <a:rPr lang="nl-NL" sz="800" b="0" i="1" strike="noStrike" spc="-1" dirty="0" err="1">
+                <a:solidFill>
+                  <a:srgbClr val="A6A6A6"/>
+                </a:solidFill>
+                <a:latin typeface="Verdana"/>
+              </a:rPr>
+              <a:t>projects</a:t>
+            </a:r>
+            <a:r>
+              <a:rPr lang="nl-NL" sz="800" b="0" i="1" strike="noStrike" spc="-1" dirty="0">
+                <a:solidFill>
+                  <a:srgbClr val="A6A6A6"/>
+                </a:solidFill>
+                <a:latin typeface="Verdana"/>
+              </a:rPr>
+              <a:t> </a:t>
+            </a:r>
+            <a:r>
+              <a:rPr lang="nl-NL" sz="800" b="0" i="1" strike="noStrike" spc="-1" dirty="0" err="1">
+                <a:solidFill>
+                  <a:srgbClr val="A6A6A6"/>
+                </a:solidFill>
+                <a:latin typeface="Verdana"/>
+              </a:rPr>
+              <a:t>within</a:t>
+            </a:r>
+            <a:r>
+              <a:rPr lang="nl-NL" sz="800" b="0" i="1" strike="noStrike" spc="-1" dirty="0">
+                <a:solidFill>
+                  <a:srgbClr val="A6A6A6"/>
+                </a:solidFill>
+                <a:latin typeface="Verdana"/>
+              </a:rPr>
+              <a:t> </a:t>
+            </a:r>
+            <a:r>
+              <a:rPr lang="nl-NL" sz="800" b="0" i="1" strike="noStrike" spc="-1" dirty="0" err="1">
+                <a:solidFill>
+                  <a:srgbClr val="A6A6A6"/>
+                </a:solidFill>
+                <a:latin typeface="Verdana"/>
+              </a:rPr>
+              <a:t>the</a:t>
+            </a:r>
+            <a:r>
+              <a:rPr lang="nl-NL" sz="800" b="0" i="1" strike="noStrike" spc="-1" dirty="0">
+                <a:solidFill>
+                  <a:srgbClr val="A6A6A6"/>
+                </a:solidFill>
+                <a:latin typeface="Verdana"/>
+              </a:rPr>
+              <a:t> Philips Foundation, </a:t>
+            </a:r>
+            <a:r>
+              <a:rPr lang="nl-NL" sz="800" b="0" i="1" strike="noStrike" spc="-1" dirty="0" err="1">
+                <a:solidFill>
+                  <a:srgbClr val="A6A6A6"/>
+                </a:solidFill>
+                <a:latin typeface="Verdana"/>
+              </a:rPr>
+              <a:t>by</a:t>
+            </a:r>
+            <a:r>
+              <a:rPr lang="nl-NL" sz="800" b="0" i="1" strike="noStrike" spc="-1" dirty="0">
+                <a:solidFill>
+                  <a:srgbClr val="A6A6A6"/>
+                </a:solidFill>
+                <a:latin typeface="Verdana"/>
+              </a:rPr>
+              <a:t> </a:t>
+            </a:r>
+            <a:r>
+              <a:rPr lang="nl-NL" sz="800" b="0" i="1" strike="noStrike" spc="-1" dirty="0" err="1">
+                <a:solidFill>
+                  <a:srgbClr val="A6A6A6"/>
+                </a:solidFill>
+                <a:latin typeface="Verdana"/>
+              </a:rPr>
+              <a:t>acquiring</a:t>
+            </a:r>
+            <a:r>
+              <a:rPr lang="nl-NL" sz="800" b="0" i="1" strike="noStrike" spc="-1" dirty="0">
+                <a:solidFill>
+                  <a:srgbClr val="A6A6A6"/>
+                </a:solidFill>
+                <a:latin typeface="Verdana"/>
+              </a:rPr>
+              <a:t> a </a:t>
+            </a:r>
+            <a:r>
+              <a:rPr lang="nl-NL" sz="800" b="0" i="1" strike="noStrike" spc="-1" dirty="0" err="1">
+                <a:solidFill>
+                  <a:srgbClr val="A6A6A6"/>
+                </a:solidFill>
+                <a:latin typeface="Verdana"/>
+              </a:rPr>
+              <a:t>deeper</a:t>
+            </a:r>
+            <a:r>
+              <a:rPr lang="nl-NL" sz="800" b="0" i="1" strike="noStrike" spc="-1" dirty="0">
+                <a:solidFill>
+                  <a:srgbClr val="A6A6A6"/>
+                </a:solidFill>
+                <a:latin typeface="Verdana"/>
+              </a:rPr>
+              <a:t> </a:t>
+            </a:r>
+            <a:r>
+              <a:rPr lang="nl-NL" sz="800" b="0" i="1" strike="noStrike" spc="-1" dirty="0" err="1">
+                <a:solidFill>
+                  <a:srgbClr val="A6A6A6"/>
+                </a:solidFill>
+                <a:latin typeface="Verdana"/>
+              </a:rPr>
+              <a:t>insight</a:t>
+            </a:r>
+            <a:r>
+              <a:rPr lang="nl-NL" sz="800" b="0" i="1" strike="noStrike" spc="-1" dirty="0">
+                <a:solidFill>
+                  <a:srgbClr val="A6A6A6"/>
+                </a:solidFill>
+                <a:latin typeface="Verdana"/>
+              </a:rPr>
+              <a:t> of </a:t>
+            </a:r>
+            <a:r>
+              <a:rPr lang="nl-NL" sz="800" b="0" i="1" strike="noStrike" spc="-1" dirty="0" err="1">
+                <a:solidFill>
+                  <a:srgbClr val="A6A6A6"/>
+                </a:solidFill>
+                <a:latin typeface="Verdana"/>
+              </a:rPr>
+              <a:t>specific</a:t>
+            </a:r>
+            <a:r>
+              <a:rPr lang="nl-NL" sz="800" b="0" i="1" strike="noStrike" spc="-1" dirty="0">
+                <a:solidFill>
+                  <a:srgbClr val="A6A6A6"/>
+                </a:solidFill>
+                <a:latin typeface="Verdana"/>
+              </a:rPr>
+              <a:t> project topics/scopes </a:t>
+            </a:r>
+            <a:r>
+              <a:rPr lang="nl-NL" sz="800" b="0" i="1" strike="noStrike" spc="-1" dirty="0" err="1">
+                <a:solidFill>
+                  <a:srgbClr val="A6A6A6"/>
+                </a:solidFill>
+                <a:latin typeface="Verdana"/>
+              </a:rPr>
+              <a:t>and</a:t>
+            </a:r>
+            <a:r>
+              <a:rPr lang="nl-NL" sz="800" b="0" i="1" strike="noStrike" spc="-1" dirty="0">
+                <a:solidFill>
+                  <a:srgbClr val="A6A6A6"/>
+                </a:solidFill>
+                <a:latin typeface="Verdana"/>
+              </a:rPr>
+              <a:t> expertise of </a:t>
+            </a:r>
+            <a:r>
+              <a:rPr lang="nl-NL" sz="800" b="0" i="1" strike="noStrike" spc="-1" dirty="0" err="1">
+                <a:solidFill>
+                  <a:srgbClr val="A6A6A6"/>
+                </a:solidFill>
+                <a:latin typeface="Verdana"/>
+              </a:rPr>
+              <a:t>huge</a:t>
+            </a:r>
+            <a:r>
+              <a:rPr lang="nl-NL" sz="800" b="0" i="1" strike="noStrike" spc="-1" dirty="0">
+                <a:solidFill>
+                  <a:srgbClr val="A6A6A6"/>
+                </a:solidFill>
+                <a:latin typeface="Verdana"/>
+              </a:rPr>
+              <a:t> </a:t>
+            </a:r>
+            <a:r>
+              <a:rPr lang="nl-NL" sz="800" b="0" i="1" strike="noStrike" spc="-1" dirty="0" err="1">
+                <a:solidFill>
+                  <a:srgbClr val="A6A6A6"/>
+                </a:solidFill>
+                <a:latin typeface="Verdana"/>
+              </a:rPr>
+              <a:t>amounts</a:t>
+            </a:r>
+            <a:r>
+              <a:rPr lang="nl-NL" sz="800" b="0" i="1" strike="noStrike" spc="-1" dirty="0">
+                <a:solidFill>
+                  <a:srgbClr val="A6A6A6"/>
+                </a:solidFill>
+                <a:latin typeface="Verdana"/>
+              </a:rPr>
+              <a:t> of </a:t>
+            </a:r>
+            <a:r>
+              <a:rPr lang="nl-NL" sz="800" b="0" i="1" strike="noStrike" spc="-1" dirty="0" err="1">
+                <a:solidFill>
+                  <a:srgbClr val="A6A6A6"/>
+                </a:solidFill>
+                <a:latin typeface="Verdana"/>
+              </a:rPr>
+              <a:t>volunteers</a:t>
+            </a:r>
+            <a:r>
+              <a:rPr lang="nl-NL" sz="800" b="0" i="1" strike="noStrike" spc="-1" dirty="0">
+                <a:solidFill>
+                  <a:srgbClr val="A6A6A6"/>
+                </a:solidFill>
+                <a:latin typeface="Verdana"/>
+              </a:rPr>
+              <a:t> as well as </a:t>
+            </a:r>
+            <a:r>
+              <a:rPr lang="nl-NL" sz="800" b="0" i="1" strike="noStrike" spc="-1" dirty="0" err="1">
+                <a:solidFill>
+                  <a:srgbClr val="A6A6A6"/>
+                </a:solidFill>
+                <a:latin typeface="Verdana"/>
+              </a:rPr>
+              <a:t>by</a:t>
+            </a:r>
+            <a:r>
+              <a:rPr lang="nl-NL" sz="800" b="0" i="1" strike="noStrike" spc="-1" dirty="0">
+                <a:solidFill>
+                  <a:srgbClr val="A6A6A6"/>
+                </a:solidFill>
+                <a:latin typeface="Verdana"/>
+              </a:rPr>
+              <a:t> </a:t>
+            </a:r>
+            <a:r>
+              <a:rPr lang="nl-NL" sz="800" b="0" i="1" strike="noStrike" spc="-1" dirty="0" err="1">
+                <a:solidFill>
+                  <a:srgbClr val="A6A6A6"/>
+                </a:solidFill>
+                <a:latin typeface="Verdana"/>
+              </a:rPr>
+              <a:t>tracing</a:t>
+            </a:r>
+            <a:r>
+              <a:rPr lang="nl-NL" sz="800" b="0" i="1" strike="noStrike" spc="-1" dirty="0">
+                <a:solidFill>
+                  <a:srgbClr val="A6A6A6"/>
+                </a:solidFill>
+                <a:latin typeface="Verdana"/>
+              </a:rPr>
+              <a:t> </a:t>
+            </a:r>
+            <a:r>
+              <a:rPr lang="nl-NL" sz="800" b="0" i="1" strike="noStrike" spc="-1" dirty="0" err="1">
+                <a:solidFill>
+                  <a:srgbClr val="A6A6A6"/>
+                </a:solidFill>
+                <a:latin typeface="Verdana"/>
+              </a:rPr>
+              <a:t>progresses</a:t>
+            </a:r>
+            <a:r>
+              <a:rPr lang="nl-NL" sz="800" b="0" i="1" strike="noStrike" spc="-1" dirty="0">
+                <a:solidFill>
+                  <a:srgbClr val="A6A6A6"/>
+                </a:solidFill>
+                <a:latin typeface="Verdana"/>
+              </a:rPr>
+              <a:t> </a:t>
+            </a:r>
+            <a:r>
+              <a:rPr lang="nl-NL" sz="800" b="0" i="1" strike="noStrike" spc="-1" dirty="0" err="1">
+                <a:solidFill>
+                  <a:srgbClr val="A6A6A6"/>
+                </a:solidFill>
+                <a:latin typeface="Verdana"/>
+              </a:rPr>
+              <a:t>dynamically</a:t>
+            </a:r>
+            <a:r>
+              <a:rPr lang="nl-NL" sz="800" b="0" i="1" strike="noStrike" spc="-1" dirty="0">
+                <a:solidFill>
+                  <a:srgbClr val="A6A6A6"/>
+                </a:solidFill>
+                <a:latin typeface="Verdana"/>
+              </a:rPr>
+              <a:t> </a:t>
+            </a:r>
+            <a:r>
+              <a:rPr lang="nl-NL" sz="800" b="0" i="1" strike="noStrike" spc="-1" dirty="0" err="1">
+                <a:solidFill>
+                  <a:srgbClr val="A6A6A6"/>
+                </a:solidFill>
+                <a:latin typeface="Verdana"/>
+              </a:rPr>
+              <a:t>during</a:t>
+            </a:r>
+            <a:r>
+              <a:rPr lang="nl-NL" sz="800" b="0" i="1" strike="noStrike" spc="-1" dirty="0">
+                <a:solidFill>
+                  <a:srgbClr val="A6A6A6"/>
+                </a:solidFill>
+                <a:latin typeface="Verdana"/>
+              </a:rPr>
+              <a:t> different </a:t>
+            </a:r>
+            <a:r>
+              <a:rPr lang="nl-NL" sz="800" b="0" i="1" strike="noStrike" spc="-1" dirty="0" err="1">
+                <a:solidFill>
+                  <a:srgbClr val="A6A6A6"/>
+                </a:solidFill>
+                <a:latin typeface="Verdana"/>
+              </a:rPr>
+              <a:t>processes</a:t>
+            </a:r>
+            <a:r>
+              <a:rPr lang="nl-NL" sz="800" b="0" i="1" strike="noStrike" spc="-1" dirty="0">
+                <a:solidFill>
+                  <a:srgbClr val="A6A6A6"/>
+                </a:solidFill>
+                <a:latin typeface="Verdana"/>
+              </a:rPr>
+              <a:t>. </a:t>
+            </a:r>
           </a:p>
         </p:txBody>
       </p:sp>
@@ -2575,15 +3804,22 @@
           </a:ln>
         </p:spPr>
         <p:style>
-          <a:lnRef idx="0"/>
-          <a:fillRef idx="0"/>
-          <a:effectRef idx="0"/>
+          <a:lnRef idx="0">
+            <a:scrgbClr r="0" g="0" b="0"/>
+          </a:lnRef>
+          <a:fillRef idx="0">
+            <a:scrgbClr r="0" g="0" b="0"/>
+          </a:fillRef>
+          <a:effectRef idx="0">
+            <a:scrgbClr r="0" g="0" b="0"/>
+          </a:effectRef>
           <a:fontRef idx="minor"/>
         </p:style>
         <p:txBody>
-          <a:bodyPr lIns="90000" rIns="90000" tIns="45000" bIns="45000">
+          <a:bodyPr lIns="90000" tIns="45000" rIns="90000" bIns="45000">
             <a:spAutoFit/>
           </a:bodyPr>
+          <a:lstStyle/>
           <a:p>
             <a:pPr>
               <a:lnSpc>
@@ -2591,7 +3827,7 @@
               </a:lnSpc>
             </a:pPr>
             <a:r>
-              <a:rPr b="1" lang="nl-NL" sz="900" spc="-1" strike="noStrike">
+              <a:rPr lang="nl-NL" sz="900" b="1" strike="noStrike" spc="-1">
                 <a:solidFill>
                   <a:srgbClr val="000000"/>
                 </a:solidFill>
@@ -2599,7 +3835,7 @@
               </a:rPr>
               <a:t>Integration</a:t>
             </a:r>
-            <a:endParaRPr b="0" lang="en-US" sz="900" spc="-1" strike="noStrike">
+            <a:endParaRPr lang="en-US" sz="900" b="0" strike="noStrike" spc="-1">
               <a:latin typeface="Arial"/>
             </a:endParaRPr>
           </a:p>
@@ -2610,15 +3846,15 @@
               </a:lnSpc>
             </a:pPr>
             <a:r>
-              <a:rPr b="0" i="1" lang="nl-NL" sz="800" spc="-1" strike="noStrike">
-                <a:solidFill>
-                  <a:srgbClr val="a6a6a6"/>
+              <a:rPr lang="nl-NL" sz="800" b="0" i="1" strike="noStrike" spc="-1">
+                <a:solidFill>
+                  <a:srgbClr val="A6A6A6"/>
                 </a:solidFill>
                 <a:latin typeface="Verdana"/>
               </a:rPr>
               <a:t>How will the project be integrated?</a:t>
             </a:r>
-            <a:endParaRPr b="0" lang="en-US" sz="800" spc="-1" strike="noStrike">
+            <a:endParaRPr lang="en-US" sz="800" b="0" strike="noStrike" spc="-1">
               <a:latin typeface="Arial"/>
             </a:endParaRPr>
           </a:p>
@@ -2628,7 +3864,7 @@
                 <a:spcPct val="100000"/>
               </a:lnSpc>
             </a:pPr>
-            <a:endParaRPr b="0" lang="en-US" sz="800" spc="-1" strike="noStrike">
+            <a:endParaRPr lang="en-US" sz="800" b="0" strike="noStrike" spc="-1">
               <a:latin typeface="Arial"/>
             </a:endParaRPr>
           </a:p>
@@ -2639,15 +3875,15 @@
               </a:lnSpc>
             </a:pPr>
             <a:r>
-              <a:rPr b="0" i="1" lang="nl-NL" sz="800" spc="-1" strike="noStrike">
-                <a:solidFill>
-                  <a:srgbClr val="a6a6a6"/>
+              <a:rPr lang="nl-NL" sz="800" b="0" i="1" strike="noStrike" spc="-1">
+                <a:solidFill>
+                  <a:srgbClr val="A6A6A6"/>
                 </a:solidFill>
                 <a:latin typeface="Verdana"/>
               </a:rPr>
               <a:t>By using a simple webserver that allows for HTML hosting. As we are using a web dashboard, only HTML hosting and a connection to the data is needed.</a:t>
             </a:r>
-            <a:endParaRPr b="0" lang="en-US" sz="800" spc="-1" strike="noStrike">
+            <a:endParaRPr lang="en-US" sz="800" b="0" strike="noStrike" spc="-1">
               <a:latin typeface="Arial"/>
             </a:endParaRPr>
           </a:p>
@@ -2657,7 +3893,7 @@
                 <a:spcPct val="100000"/>
               </a:lnSpc>
             </a:pPr>
-            <a:endParaRPr b="0" lang="en-US" sz="800" spc="-1" strike="noStrike">
+            <a:endParaRPr lang="en-US" sz="800" b="0" strike="noStrike" spc="-1">
               <a:latin typeface="Arial"/>
             </a:endParaRPr>
           </a:p>
@@ -2667,7 +3903,7 @@
                 <a:spcPct val="100000"/>
               </a:lnSpc>
             </a:pPr>
-            <a:endParaRPr b="0" lang="en-US" sz="800" spc="-1" strike="noStrike">
+            <a:endParaRPr lang="en-US" sz="800" b="0" strike="noStrike" spc="-1">
               <a:latin typeface="Arial"/>
             </a:endParaRPr>
           </a:p>
@@ -2693,15 +3929,22 @@
           </a:ln>
         </p:spPr>
         <p:style>
-          <a:lnRef idx="0"/>
-          <a:fillRef idx="0"/>
-          <a:effectRef idx="0"/>
+          <a:lnRef idx="0">
+            <a:scrgbClr r="0" g="0" b="0"/>
+          </a:lnRef>
+          <a:fillRef idx="0">
+            <a:scrgbClr r="0" g="0" b="0"/>
+          </a:fillRef>
+          <a:effectRef idx="0">
+            <a:scrgbClr r="0" g="0" b="0"/>
+          </a:effectRef>
           <a:fontRef idx="minor"/>
         </p:style>
         <p:txBody>
-          <a:bodyPr lIns="90000" rIns="90000" tIns="45000" bIns="45000">
+          <a:bodyPr lIns="90000" tIns="45000" rIns="90000" bIns="45000">
             <a:spAutoFit/>
           </a:bodyPr>
+          <a:lstStyle/>
           <a:p>
             <a:pPr>
               <a:lnSpc>
@@ -2709,7 +3952,7 @@
               </a:lnSpc>
             </a:pPr>
             <a:r>
-              <a:rPr b="1" lang="nl-NL" sz="900" spc="-1" strike="noStrike">
+              <a:rPr lang="nl-NL" sz="900" b="1" strike="noStrike" spc="-1">
                 <a:solidFill>
                   <a:srgbClr val="000000"/>
                 </a:solidFill>
@@ -2717,7 +3960,7 @@
               </a:rPr>
               <a:t>Customers</a:t>
             </a:r>
-            <a:endParaRPr b="0" lang="en-US" sz="900" spc="-1" strike="noStrike">
+            <a:endParaRPr lang="en-US" sz="900" b="0" strike="noStrike" spc="-1">
               <a:latin typeface="Arial"/>
             </a:endParaRPr>
           </a:p>
@@ -2728,15 +3971,15 @@
               </a:lnSpc>
             </a:pPr>
             <a:r>
-              <a:rPr b="0" i="1" lang="nl-NL" sz="800" spc="-1" strike="noStrike">
-                <a:solidFill>
-                  <a:srgbClr val="a6a6a6"/>
+              <a:rPr lang="nl-NL" sz="800" b="0" i="1" strike="noStrike" spc="-1">
+                <a:solidFill>
+                  <a:srgbClr val="A6A6A6"/>
                 </a:solidFill>
                 <a:latin typeface="Verdana"/>
               </a:rPr>
               <a:t>Who are the end customers?</a:t>
             </a:r>
-            <a:endParaRPr b="0" lang="en-US" sz="800" spc="-1" strike="noStrike">
+            <a:endParaRPr lang="en-US" sz="800" b="0" strike="noStrike" spc="-1">
               <a:latin typeface="Arial"/>
             </a:endParaRPr>
           </a:p>
@@ -2746,7 +3989,7 @@
                 <a:spcPct val="100000"/>
               </a:lnSpc>
             </a:pPr>
-            <a:endParaRPr b="0" lang="en-US" sz="800" spc="-1" strike="noStrike">
+            <a:endParaRPr lang="en-US" sz="800" b="0" strike="noStrike" spc="-1">
               <a:latin typeface="Arial"/>
             </a:endParaRPr>
           </a:p>
@@ -2757,15 +4000,15 @@
               </a:lnSpc>
             </a:pPr>
             <a:r>
-              <a:rPr b="0" i="1" lang="nl-NL" sz="800" spc="-1" strike="noStrike">
-                <a:solidFill>
-                  <a:srgbClr val="a6a6a6"/>
+              <a:rPr lang="nl-NL" sz="800" b="0" i="1" strike="noStrike" spc="-1">
+                <a:solidFill>
+                  <a:srgbClr val="A6A6A6"/>
                 </a:solidFill>
                 <a:latin typeface="Verdana"/>
               </a:rPr>
               <a:t>The Philips Foundation and Royal Philips.</a:t>
             </a:r>
-            <a:endParaRPr b="0" lang="en-US" sz="800" spc="-1" strike="noStrike">
+            <a:endParaRPr lang="en-US" sz="800" b="0" strike="noStrike" spc="-1">
               <a:latin typeface="Arial"/>
             </a:endParaRPr>
           </a:p>
@@ -2791,15 +4034,22 @@
           </a:ln>
         </p:spPr>
         <p:style>
-          <a:lnRef idx="0"/>
-          <a:fillRef idx="0"/>
-          <a:effectRef idx="0"/>
+          <a:lnRef idx="0">
+            <a:scrgbClr r="0" g="0" b="0"/>
+          </a:lnRef>
+          <a:fillRef idx="0">
+            <a:scrgbClr r="0" g="0" b="0"/>
+          </a:fillRef>
+          <a:effectRef idx="0">
+            <a:scrgbClr r="0" g="0" b="0"/>
+          </a:effectRef>
           <a:fontRef idx="minor"/>
         </p:style>
         <p:txBody>
-          <a:bodyPr lIns="90000" rIns="90000" tIns="45000" bIns="45000">
+          <a:bodyPr lIns="90000" tIns="45000" rIns="90000" bIns="45000">
             <a:spAutoFit/>
           </a:bodyPr>
+          <a:lstStyle/>
           <a:p>
             <a:pPr>
               <a:lnSpc>
@@ -2807,7 +4057,7 @@
               </a:lnSpc>
             </a:pPr>
             <a:r>
-              <a:rPr b="1" lang="nl-NL" sz="900" spc="-1" strike="noStrike">
+              <a:rPr lang="nl-NL" sz="900" b="1" strike="noStrike" spc="-1" dirty="0">
                 <a:solidFill>
                   <a:srgbClr val="000000"/>
                 </a:solidFill>
@@ -2815,7 +4065,7 @@
               </a:rPr>
               <a:t>Stakeholders</a:t>
             </a:r>
-            <a:endParaRPr b="0" lang="en-US" sz="900" spc="-1" strike="noStrike">
+            <a:endParaRPr lang="en-US" sz="900" b="0" strike="noStrike" spc="-1" dirty="0">
               <a:latin typeface="Arial"/>
             </a:endParaRPr>
           </a:p>
@@ -2826,15 +4076,60 @@
               </a:lnSpc>
             </a:pPr>
             <a:r>
-              <a:rPr b="0" i="1" lang="nl-NL" sz="800" spc="-1" strike="noStrike">
-                <a:solidFill>
-                  <a:srgbClr val="a6a6a6"/>
-                </a:solidFill>
-                <a:latin typeface="Verdana"/>
-              </a:rPr>
-              <a:t>Who are the key stakeholders?</a:t>
-            </a:r>
-            <a:endParaRPr b="0" lang="en-US" sz="800" spc="-1" strike="noStrike">
+              <a:rPr lang="nl-NL" sz="800" b="0" i="1" strike="noStrike" spc="-1" dirty="0" err="1">
+                <a:solidFill>
+                  <a:srgbClr val="A6A6A6"/>
+                </a:solidFill>
+                <a:latin typeface="Verdana"/>
+              </a:rPr>
+              <a:t>Who</a:t>
+            </a:r>
+            <a:r>
+              <a:rPr lang="nl-NL" sz="800" b="0" i="1" strike="noStrike" spc="-1" dirty="0">
+                <a:solidFill>
+                  <a:srgbClr val="A6A6A6"/>
+                </a:solidFill>
+                <a:latin typeface="Verdana"/>
+              </a:rPr>
+              <a:t> are </a:t>
+            </a:r>
+            <a:r>
+              <a:rPr lang="nl-NL" sz="800" b="0" i="1" strike="noStrike" spc="-1" dirty="0" err="1">
+                <a:solidFill>
+                  <a:srgbClr val="A6A6A6"/>
+                </a:solidFill>
+                <a:latin typeface="Verdana"/>
+              </a:rPr>
+              <a:t>the</a:t>
+            </a:r>
+            <a:r>
+              <a:rPr lang="nl-NL" sz="800" b="0" i="1" strike="noStrike" spc="-1" dirty="0">
+                <a:solidFill>
+                  <a:srgbClr val="A6A6A6"/>
+                </a:solidFill>
+                <a:latin typeface="Verdana"/>
+              </a:rPr>
+              <a:t> </a:t>
+            </a:r>
+            <a:r>
+              <a:rPr lang="nl-NL" sz="800" b="0" i="1" strike="noStrike" spc="-1" dirty="0" err="1">
+                <a:solidFill>
+                  <a:srgbClr val="A6A6A6"/>
+                </a:solidFill>
+                <a:latin typeface="Verdana"/>
+              </a:rPr>
+              <a:t>key</a:t>
+            </a:r>
+            <a:r>
+              <a:rPr lang="nl-NL" sz="800" b="0" i="1" strike="noStrike" spc="-1" dirty="0">
+                <a:solidFill>
+                  <a:srgbClr val="A6A6A6"/>
+                </a:solidFill>
+                <a:latin typeface="Verdana"/>
+              </a:rPr>
+              <a:t> stakeholders?</a:t>
+            </a:r>
+            <a:endParaRPr lang="en-US" sz="800" b="0" strike="noStrike" spc="-1" dirty="0">
               <a:latin typeface="Arial"/>
             </a:endParaRPr>
           </a:p>
@@ -2844,7 +4139,7 @@
                 <a:spcPct val="100000"/>
               </a:lnSpc>
             </a:pPr>
-            <a:endParaRPr b="0" lang="en-US" sz="800" spc="-1" strike="noStrike">
+            <a:endParaRPr lang="en-US" sz="800" b="0" strike="noStrike" spc="-1" dirty="0">
               <a:latin typeface="Arial"/>
             </a:endParaRPr>
           </a:p>
@@ -2855,15 +4150,33 @@
               </a:lnSpc>
             </a:pPr>
             <a:r>
-              <a:rPr b="0" i="1" lang="nl-NL" sz="800" spc="-1" strike="noStrike">
-                <a:solidFill>
-                  <a:srgbClr val="a6a6a6"/>
-                </a:solidFill>
-                <a:latin typeface="Verdana"/>
-              </a:rPr>
-              <a:t>The Philips Foundation and Royal Philips.</a:t>
-            </a:r>
-            <a:endParaRPr b="0" lang="en-US" sz="800" spc="-1" strike="noStrike">
+              <a:rPr lang="nl-NL" sz="800" b="0" i="1" strike="noStrike" spc="-1" dirty="0">
+                <a:solidFill>
+                  <a:srgbClr val="A6A6A6"/>
+                </a:solidFill>
+                <a:latin typeface="Verdana"/>
+              </a:rPr>
+              <a:t>The Philips Foundation </a:t>
+            </a:r>
+            <a:r>
+              <a:rPr lang="nl-NL" sz="800" b="0" i="1" strike="noStrike" spc="-1" dirty="0" err="1">
+                <a:solidFill>
+                  <a:srgbClr val="A6A6A6"/>
+                </a:solidFill>
+                <a:latin typeface="Verdana"/>
+              </a:rPr>
+              <a:t>and</a:t>
+            </a:r>
+            <a:r>
+              <a:rPr lang="nl-NL" sz="800" b="0" i="1" strike="noStrike" spc="-1" dirty="0">
+                <a:solidFill>
+                  <a:srgbClr val="A6A6A6"/>
+                </a:solidFill>
+                <a:latin typeface="Verdana"/>
+              </a:rPr>
+              <a:t> Royal Philips.</a:t>
+            </a:r>
+            <a:endParaRPr lang="en-US" sz="800" b="0" strike="noStrike" spc="-1" dirty="0">
               <a:latin typeface="Arial"/>
             </a:endParaRPr>
           </a:p>
@@ -2878,7 +4191,7 @@
         <p:spPr>
           <a:xfrm>
             <a:off x="4644000" y="3657960"/>
-            <a:ext cx="2880000" cy="713520"/>
+            <a:ext cx="2880000" cy="844931"/>
           </a:xfrm>
           <a:prstGeom prst="rect">
             <a:avLst/>
@@ -2889,15 +4202,22 @@
           </a:ln>
         </p:spPr>
         <p:style>
-          <a:lnRef idx="0"/>
-          <a:fillRef idx="0"/>
-          <a:effectRef idx="0"/>
+          <a:lnRef idx="0">
+            <a:scrgbClr r="0" g="0" b="0"/>
+          </a:lnRef>
+          <a:fillRef idx="0">
+            <a:scrgbClr r="0" g="0" b="0"/>
+          </a:fillRef>
+          <a:effectRef idx="0">
+            <a:scrgbClr r="0" g="0" b="0"/>
+          </a:effectRef>
           <a:fontRef idx="minor"/>
         </p:style>
         <p:txBody>
-          <a:bodyPr lIns="90000" rIns="90000" tIns="45000" bIns="45000">
+          <a:bodyPr lIns="90000" tIns="45000" rIns="90000" bIns="45000">
             <a:spAutoFit/>
           </a:bodyPr>
+          <a:lstStyle/>
           <a:p>
             <a:pPr>
               <a:lnSpc>
@@ -2905,7 +4225,7 @@
               </a:lnSpc>
             </a:pPr>
             <a:r>
-              <a:rPr b="1" lang="nl-NL" sz="900" spc="-1" strike="noStrike">
+              <a:rPr lang="nl-NL" sz="900" b="1" strike="noStrike" spc="-1" dirty="0" err="1">
                 <a:solidFill>
                   <a:srgbClr val="000000"/>
                 </a:solidFill>
@@ -2913,7 +4233,7 @@
               </a:rPr>
               <a:t>Revenue</a:t>
             </a:r>
-            <a:endParaRPr b="0" lang="en-US" sz="900" spc="-1" strike="noStrike">
+            <a:endParaRPr lang="en-US" sz="900" b="0" strike="noStrike" spc="-1" dirty="0">
               <a:latin typeface="Arial"/>
             </a:endParaRPr>
           </a:p>
@@ -2924,15 +4244,105 @@
               </a:lnSpc>
             </a:pPr>
             <a:r>
-              <a:rPr b="0" i="1" lang="nl-NL" sz="800" spc="-1" strike="noStrike">
-                <a:solidFill>
-                  <a:srgbClr val="a6a6a6"/>
-                </a:solidFill>
-                <a:latin typeface="Verdana"/>
-              </a:rPr>
-              <a:t>How will the project (results) generate revenue?</a:t>
-            </a:r>
-            <a:endParaRPr b="0" lang="en-US" sz="800" spc="-1" strike="noStrike">
+              <a:rPr lang="nl-NL" sz="800" b="0" i="1" strike="noStrike" spc="-1" dirty="0">
+                <a:solidFill>
+                  <a:srgbClr val="A6A6A6"/>
+                </a:solidFill>
+                <a:latin typeface="Verdana"/>
+              </a:rPr>
+              <a:t>How </a:t>
+            </a:r>
+            <a:r>
+              <a:rPr lang="nl-NL" sz="800" b="0" i="1" strike="noStrike" spc="-1" dirty="0" err="1">
+                <a:solidFill>
+                  <a:srgbClr val="A6A6A6"/>
+                </a:solidFill>
+                <a:latin typeface="Verdana"/>
+              </a:rPr>
+              <a:t>will</a:t>
+            </a:r>
+            <a:r>
+              <a:rPr lang="nl-NL" sz="800" b="0" i="1" strike="noStrike" spc="-1" dirty="0">
+                <a:solidFill>
+                  <a:srgbClr val="A6A6A6"/>
+                </a:solidFill>
+                <a:latin typeface="Verdana"/>
+              </a:rPr>
+              <a:t> </a:t>
+            </a:r>
+            <a:r>
+              <a:rPr lang="nl-NL" sz="800" b="0" i="1" strike="noStrike" spc="-1" dirty="0" err="1">
+                <a:solidFill>
+                  <a:srgbClr val="A6A6A6"/>
+                </a:solidFill>
+                <a:latin typeface="Verdana"/>
+              </a:rPr>
+              <a:t>the</a:t>
+            </a:r>
+            <a:r>
+              <a:rPr lang="nl-NL" sz="800" b="0" i="1" strike="noStrike" spc="-1" dirty="0">
+                <a:solidFill>
+                  <a:srgbClr val="A6A6A6"/>
+                </a:solidFill>
+                <a:latin typeface="Verdana"/>
+              </a:rPr>
+              <a:t> project (</a:t>
+            </a:r>
+            <a:r>
+              <a:rPr lang="nl-NL" sz="800" b="0" i="1" strike="noStrike" spc="-1" dirty="0" err="1">
+                <a:solidFill>
+                  <a:srgbClr val="A6A6A6"/>
+                </a:solidFill>
+                <a:latin typeface="Verdana"/>
+              </a:rPr>
+              <a:t>results</a:t>
+            </a:r>
+            <a:r>
+              <a:rPr lang="nl-NL" sz="800" b="0" i="1" strike="noStrike" spc="-1" dirty="0">
+                <a:solidFill>
+                  <a:srgbClr val="A6A6A6"/>
+                </a:solidFill>
+                <a:latin typeface="Verdana"/>
+              </a:rPr>
+              <a:t>) </a:t>
+            </a:r>
+            <a:r>
+              <a:rPr lang="nl-NL" sz="800" b="0" i="1" strike="noStrike" spc="-1" dirty="0" err="1">
+                <a:solidFill>
+                  <a:srgbClr val="A6A6A6"/>
+                </a:solidFill>
+                <a:latin typeface="Verdana"/>
+              </a:rPr>
+              <a:t>generate</a:t>
+            </a:r>
+            <a:r>
+              <a:rPr lang="nl-NL" sz="800" b="0" i="1" strike="noStrike" spc="-1" dirty="0">
+                <a:solidFill>
+                  <a:srgbClr val="A6A6A6"/>
+                </a:solidFill>
+                <a:latin typeface="Verdana"/>
+              </a:rPr>
+              <a:t> </a:t>
+            </a:r>
+            <a:r>
+              <a:rPr lang="nl-NL" sz="800" b="0" i="1" strike="noStrike" spc="-1" dirty="0" err="1">
+                <a:solidFill>
+                  <a:srgbClr val="A6A6A6"/>
+                </a:solidFill>
+                <a:latin typeface="Verdana"/>
+              </a:rPr>
+              <a:t>revenue</a:t>
+            </a:r>
+            <a:r>
+              <a:rPr lang="nl-NL" sz="800" b="0" i="1" strike="noStrike" spc="-1" dirty="0">
+                <a:solidFill>
+                  <a:srgbClr val="A6A6A6"/>
+                </a:solidFill>
+                <a:latin typeface="Verdana"/>
+              </a:rPr>
+              <a:t>?</a:t>
+            </a:r>
+            <a:endParaRPr lang="en-US" sz="800" b="0" strike="noStrike" spc="-1" dirty="0">
               <a:latin typeface="Arial"/>
             </a:endParaRPr>
           </a:p>
@@ -2942,7 +4352,7 @@
                 <a:spcPct val="100000"/>
               </a:lnSpc>
             </a:pPr>
-            <a:endParaRPr b="0" lang="en-US" sz="800" spc="-1" strike="noStrike">
+            <a:endParaRPr lang="en-US" sz="800" b="0" strike="noStrike" spc="-1" dirty="0">
               <a:latin typeface="Arial"/>
             </a:endParaRPr>
           </a:p>
@@ -2953,15 +4363,231 @@
               </a:lnSpc>
             </a:pPr>
             <a:r>
-              <a:rPr b="0" i="1" lang="nl-NL" sz="800" spc="-1" strike="noStrike">
-                <a:solidFill>
-                  <a:srgbClr val="a6a6a6"/>
-                </a:solidFill>
-                <a:latin typeface="Verdana"/>
-              </a:rPr>
-              <a:t>We secretly inject code to use the Philips servers to mine doge coin.</a:t>
-            </a:r>
-            <a:endParaRPr b="0" lang="en-US" sz="800" spc="-1" strike="noStrike">
+              <a:rPr lang="nl-NL" sz="800" i="1" spc="-1" dirty="0">
+                <a:solidFill>
+                  <a:srgbClr val="A6A6A6"/>
+                </a:solidFill>
+                <a:latin typeface="Verdana"/>
+              </a:rPr>
+              <a:t>Optimizing</a:t>
+            </a:r>
+            <a:r>
+              <a:rPr lang="nl-NL" sz="800" b="0" i="1" strike="noStrike" spc="-1" dirty="0">
+                <a:solidFill>
+                  <a:srgbClr val="A6A6A6"/>
+                </a:solidFill>
+                <a:latin typeface="Verdana"/>
+              </a:rPr>
+              <a:t> </a:t>
+            </a:r>
+            <a:r>
+              <a:rPr lang="nl-NL" sz="800" b="0" i="1" strike="noStrike" spc="-1" dirty="0" err="1">
+                <a:solidFill>
+                  <a:srgbClr val="A6A6A6"/>
+                </a:solidFill>
+                <a:latin typeface="Verdana"/>
+              </a:rPr>
+              <a:t>hidden</a:t>
+            </a:r>
+            <a:r>
+              <a:rPr lang="nl-NL" sz="800" b="0" i="1" strike="noStrike" spc="-1" dirty="0">
+                <a:solidFill>
+                  <a:srgbClr val="A6A6A6"/>
+                </a:solidFill>
+                <a:latin typeface="Verdana"/>
+              </a:rPr>
+              <a:t> </a:t>
+            </a:r>
+            <a:r>
+              <a:rPr lang="nl-NL" sz="800" b="0" i="1" strike="noStrike" spc="-1" dirty="0" err="1">
+                <a:solidFill>
+                  <a:srgbClr val="A6A6A6"/>
+                </a:solidFill>
+                <a:latin typeface="Verdana"/>
+              </a:rPr>
+              <a:t>cost</a:t>
+            </a:r>
+            <a:r>
+              <a:rPr lang="nl-NL" sz="800" i="1" spc="-1" dirty="0">
+                <a:solidFill>
+                  <a:srgbClr val="A6A6A6"/>
+                </a:solidFill>
+                <a:latin typeface="Verdana"/>
+              </a:rPr>
+              <a:t> of redundant </a:t>
+            </a:r>
+            <a:r>
+              <a:rPr lang="nl-NL" sz="800" i="1" spc="-1" dirty="0" err="1">
+                <a:solidFill>
+                  <a:srgbClr val="A6A6A6"/>
+                </a:solidFill>
+                <a:latin typeface="Verdana"/>
+              </a:rPr>
+              <a:t>processes</a:t>
+            </a:r>
+            <a:r>
+              <a:rPr lang="nl-NL" sz="800" i="1" spc="-1" dirty="0">
+                <a:solidFill>
+                  <a:srgbClr val="A6A6A6"/>
+                </a:solidFill>
+                <a:latin typeface="Verdana"/>
+              </a:rPr>
+              <a:t> </a:t>
+            </a:r>
+            <a:r>
+              <a:rPr lang="nl-NL" sz="800" i="1" spc="-1" dirty="0" err="1">
+                <a:solidFill>
+                  <a:srgbClr val="A6A6A6"/>
+                </a:solidFill>
+                <a:latin typeface="Verdana"/>
+              </a:rPr>
+              <a:t>and</a:t>
+            </a:r>
+            <a:r>
+              <a:rPr lang="nl-NL" sz="800" i="1" spc="-1" dirty="0">
+                <a:solidFill>
+                  <a:srgbClr val="A6A6A6"/>
+                </a:solidFill>
+                <a:latin typeface="Verdana"/>
+              </a:rPr>
+              <a:t> </a:t>
+            </a:r>
+            <a:r>
+              <a:rPr lang="nl-NL" sz="800" i="1" spc="-1" dirty="0" err="1">
+                <a:solidFill>
+                  <a:srgbClr val="A6A6A6"/>
+                </a:solidFill>
+                <a:latin typeface="Verdana"/>
+              </a:rPr>
+              <a:t>inproper</a:t>
+            </a:r>
+            <a:r>
+              <a:rPr lang="nl-NL" sz="800" i="1" spc="-1" dirty="0">
+                <a:solidFill>
+                  <a:srgbClr val="A6A6A6"/>
+                </a:solidFill>
+                <a:latin typeface="Verdana"/>
+              </a:rPr>
+              <a:t> </a:t>
+            </a:r>
+            <a:r>
+              <a:rPr lang="nl-NL" sz="800" i="1" spc="-1" dirty="0" err="1">
+                <a:solidFill>
+                  <a:srgbClr val="A6A6A6"/>
+                </a:solidFill>
+                <a:latin typeface="Verdana"/>
+              </a:rPr>
+              <a:t>personnel</a:t>
+            </a:r>
+            <a:r>
+              <a:rPr lang="nl-NL" sz="800" i="1" spc="-1" dirty="0">
+                <a:solidFill>
+                  <a:srgbClr val="A6A6A6"/>
+                </a:solidFill>
+                <a:latin typeface="Verdana"/>
+              </a:rPr>
+              <a:t> </a:t>
+            </a:r>
+            <a:r>
+              <a:rPr lang="nl-NL" sz="800" i="1" spc="-1" dirty="0" err="1">
+                <a:solidFill>
+                  <a:srgbClr val="A6A6A6"/>
+                </a:solidFill>
+                <a:latin typeface="Verdana"/>
+              </a:rPr>
+              <a:t>appointment</a:t>
+            </a:r>
+            <a:r>
+              <a:rPr lang="nl-NL" sz="800" i="1" spc="-1" dirty="0">
+                <a:solidFill>
+                  <a:srgbClr val="A6A6A6"/>
+                </a:solidFill>
+                <a:latin typeface="Verdana"/>
+              </a:rPr>
+              <a:t> </a:t>
+            </a:r>
+            <a:r>
+              <a:rPr lang="nl-NL" sz="800" i="1" spc="-1" dirty="0" err="1">
+                <a:solidFill>
+                  <a:srgbClr val="A6A6A6"/>
+                </a:solidFill>
+                <a:latin typeface="Verdana"/>
+              </a:rPr>
+              <a:t>throughout</a:t>
+            </a:r>
+            <a:r>
+              <a:rPr lang="nl-NL" sz="800" i="1" spc="-1" dirty="0">
+                <a:solidFill>
+                  <a:srgbClr val="A6A6A6"/>
+                </a:solidFill>
+                <a:latin typeface="Verdana"/>
+              </a:rPr>
+              <a:t> </a:t>
+            </a:r>
+            <a:r>
+              <a:rPr lang="nl-NL" sz="800" i="1" spc="-1" dirty="0" err="1">
+                <a:solidFill>
+                  <a:srgbClr val="A6A6A6"/>
+                </a:solidFill>
+                <a:latin typeface="Verdana"/>
+              </a:rPr>
+              <a:t>the</a:t>
+            </a:r>
+            <a:r>
+              <a:rPr lang="nl-NL" sz="800" i="1" spc="-1" dirty="0">
+                <a:solidFill>
+                  <a:srgbClr val="A6A6A6"/>
+                </a:solidFill>
+                <a:latin typeface="Verdana"/>
+              </a:rPr>
+              <a:t> </a:t>
+            </a:r>
+            <a:r>
+              <a:rPr lang="nl-NL" sz="800" i="1" spc="-1" dirty="0" err="1">
+                <a:solidFill>
+                  <a:srgbClr val="A6A6A6"/>
+                </a:solidFill>
+                <a:latin typeface="Verdana"/>
+              </a:rPr>
+              <a:t>whole</a:t>
+            </a:r>
+            <a:r>
+              <a:rPr lang="nl-NL" sz="800" i="1" spc="-1" dirty="0">
+                <a:solidFill>
+                  <a:srgbClr val="A6A6A6"/>
+                </a:solidFill>
+                <a:latin typeface="Verdana"/>
+              </a:rPr>
+              <a:t> </a:t>
+            </a:r>
+            <a:r>
+              <a:rPr lang="nl-NL" sz="800" i="1" spc="-1" dirty="0" err="1">
+                <a:solidFill>
+                  <a:srgbClr val="A6A6A6"/>
+                </a:solidFill>
+                <a:latin typeface="Verdana"/>
+              </a:rPr>
+              <a:t>projects</a:t>
+            </a:r>
+            <a:r>
+              <a:rPr lang="nl-NL" sz="800" i="1" spc="-1">
+                <a:solidFill>
+                  <a:srgbClr val="A6A6A6"/>
+                </a:solidFill>
+                <a:latin typeface="Verdana"/>
+              </a:rPr>
+              <a:t>.</a:t>
+            </a:r>
+            <a:r>
+              <a:rPr lang="nl-NL" sz="800" i="1" spc="-1" dirty="0">
+                <a:solidFill>
+                  <a:srgbClr val="A6A6A6"/>
+                </a:solidFill>
+                <a:latin typeface="Verdana"/>
+              </a:rPr>
+              <a:t> </a:t>
+            </a:r>
+            <a:endParaRPr lang="en-US" sz="800" b="0" strike="noStrike" spc="-1" dirty="0">
               <a:latin typeface="Arial"/>
             </a:endParaRPr>
           </a:p>
@@ -2987,15 +4613,22 @@
           </a:ln>
         </p:spPr>
         <p:style>
-          <a:lnRef idx="0"/>
-          <a:fillRef idx="0"/>
-          <a:effectRef idx="0"/>
+          <a:lnRef idx="0">
+            <a:scrgbClr r="0" g="0" b="0"/>
+          </a:lnRef>
+          <a:fillRef idx="0">
+            <a:scrgbClr r="0" g="0" b="0"/>
+          </a:fillRef>
+          <a:effectRef idx="0">
+            <a:scrgbClr r="0" g="0" b="0"/>
+          </a:effectRef>
           <a:fontRef idx="minor"/>
         </p:style>
         <p:txBody>
-          <a:bodyPr lIns="90000" rIns="90000" tIns="45000" bIns="45000">
+          <a:bodyPr lIns="90000" tIns="45000" rIns="90000" bIns="45000">
             <a:spAutoFit/>
           </a:bodyPr>
+          <a:lstStyle/>
           <a:p>
             <a:pPr>
               <a:lnSpc>
@@ -3003,7 +4636,7 @@
               </a:lnSpc>
             </a:pPr>
             <a:r>
-              <a:rPr b="1" lang="nl-NL" sz="900" spc="-1" strike="noStrike">
+              <a:rPr lang="nl-NL" sz="900" b="1" strike="noStrike" spc="-1">
                 <a:solidFill>
                   <a:srgbClr val="000000"/>
                 </a:solidFill>
@@ -3011,7 +4644,7 @@
               </a:rPr>
               <a:t>Cost</a:t>
             </a:r>
-            <a:endParaRPr b="0" lang="en-US" sz="900" spc="-1" strike="noStrike">
+            <a:endParaRPr lang="en-US" sz="900" b="0" strike="noStrike" spc="-1">
               <a:latin typeface="Arial"/>
             </a:endParaRPr>
           </a:p>
@@ -3022,15 +4655,15 @@
               </a:lnSpc>
             </a:pPr>
             <a:r>
-              <a:rPr b="0" i="1" lang="nl-NL" sz="800" spc="-1" strike="noStrike">
-                <a:solidFill>
-                  <a:srgbClr val="a6a6a6"/>
+              <a:rPr lang="nl-NL" sz="800" b="0" i="1" strike="noStrike" spc="-1">
+                <a:solidFill>
+                  <a:srgbClr val="A6A6A6"/>
                 </a:solidFill>
                 <a:latin typeface="Verdana"/>
               </a:rPr>
               <a:t>What costs the project incur?</a:t>
             </a:r>
-            <a:endParaRPr b="0" lang="en-US" sz="800" spc="-1" strike="noStrike">
+            <a:endParaRPr lang="en-US" sz="800" b="0" strike="noStrike" spc="-1">
               <a:latin typeface="Arial"/>
             </a:endParaRPr>
           </a:p>
@@ -3040,7 +4673,7 @@
                 <a:spcPct val="100000"/>
               </a:lnSpc>
             </a:pPr>
-            <a:endParaRPr b="0" lang="en-US" sz="800" spc="-1" strike="noStrike">
+            <a:endParaRPr lang="en-US" sz="800" b="0" strike="noStrike" spc="-1">
               <a:latin typeface="Arial"/>
             </a:endParaRPr>
           </a:p>
@@ -3051,15 +4684,15 @@
               </a:lnSpc>
             </a:pPr>
             <a:r>
-              <a:rPr b="0" i="1" lang="nl-NL" sz="800" spc="-1" strike="noStrike">
-                <a:solidFill>
-                  <a:srgbClr val="a6a6a6"/>
+              <a:rPr lang="nl-NL" sz="800" b="0" i="1" strike="noStrike" spc="-1">
+                <a:solidFill>
+                  <a:srgbClr val="A6A6A6"/>
                 </a:solidFill>
                 <a:latin typeface="Verdana"/>
               </a:rPr>
               <a:t>Programming costs</a:t>
             </a:r>
-            <a:endParaRPr b="0" lang="en-US" sz="800" spc="-1" strike="noStrike">
+            <a:endParaRPr lang="en-US" sz="800" b="0" strike="noStrike" spc="-1">
               <a:latin typeface="Arial"/>
             </a:endParaRPr>
           </a:p>
@@ -3070,15 +4703,15 @@
               </a:lnSpc>
             </a:pPr>
             <a:r>
-              <a:rPr b="0" i="1" lang="nl-NL" sz="800" spc="-1" strike="noStrike">
-                <a:solidFill>
-                  <a:srgbClr val="a6a6a6"/>
+              <a:rPr lang="nl-NL" sz="800" b="0" i="1" strike="noStrike" spc="-1">
+                <a:solidFill>
+                  <a:srgbClr val="A6A6A6"/>
                 </a:solidFill>
                 <a:latin typeface="Verdana"/>
               </a:rPr>
               <a:t>Deployment costs</a:t>
             </a:r>
-            <a:endParaRPr b="0" lang="en-US" sz="800" spc="-1" strike="noStrike">
+            <a:endParaRPr lang="en-US" sz="800" b="0" strike="noStrike" spc="-1">
               <a:latin typeface="Arial"/>
             </a:endParaRPr>
           </a:p>
@@ -3089,15 +4722,15 @@
               </a:lnSpc>
             </a:pPr>
             <a:r>
-              <a:rPr b="0" i="1" lang="nl-NL" sz="800" spc="-1" strike="noStrike">
-                <a:solidFill>
-                  <a:srgbClr val="a6a6a6"/>
+              <a:rPr lang="nl-NL" sz="800" b="0" i="1" strike="noStrike" spc="-1">
+                <a:solidFill>
+                  <a:srgbClr val="A6A6A6"/>
                 </a:solidFill>
                 <a:latin typeface="Verdana"/>
               </a:rPr>
               <a:t>Maintaining costs</a:t>
             </a:r>
-            <a:endParaRPr b="0" lang="en-US" sz="800" spc="-1" strike="noStrike">
+            <a:endParaRPr lang="en-US" sz="800" b="0" strike="noStrike" spc="-1">
               <a:latin typeface="Arial"/>
             </a:endParaRPr>
           </a:p>
@@ -3123,15 +4756,22 @@
           </a:ln>
         </p:spPr>
         <p:style>
-          <a:lnRef idx="0"/>
-          <a:fillRef idx="0"/>
-          <a:effectRef idx="0"/>
+          <a:lnRef idx="0">
+            <a:scrgbClr r="0" g="0" b="0"/>
+          </a:lnRef>
+          <a:fillRef idx="0">
+            <a:scrgbClr r="0" g="0" b="0"/>
+          </a:fillRef>
+          <a:effectRef idx="0">
+            <a:scrgbClr r="0" g="0" b="0"/>
+          </a:effectRef>
           <a:fontRef idx="minor"/>
         </p:style>
         <p:txBody>
-          <a:bodyPr lIns="90000" rIns="90000" tIns="45000" bIns="45000">
+          <a:bodyPr lIns="90000" tIns="45000" rIns="90000" bIns="45000">
             <a:spAutoFit/>
           </a:bodyPr>
+          <a:lstStyle/>
           <a:p>
             <a:pPr>
               <a:lnSpc>
@@ -3139,7 +4779,7 @@
               </a:lnSpc>
             </a:pPr>
             <a:r>
-              <a:rPr b="1" lang="nl-NL" sz="900" spc="-1" strike="noStrike">
+              <a:rPr lang="nl-NL" sz="900" b="1" strike="noStrike" spc="-1">
                 <a:solidFill>
                   <a:srgbClr val="000000"/>
                 </a:solidFill>
@@ -3147,7 +4787,7 @@
               </a:rPr>
               <a:t>Output</a:t>
             </a:r>
-            <a:endParaRPr b="0" lang="en-US" sz="900" spc="-1" strike="noStrike">
+            <a:endParaRPr lang="en-US" sz="900" b="0" strike="noStrike" spc="-1">
               <a:latin typeface="Arial"/>
             </a:endParaRPr>
           </a:p>
@@ -3158,15 +4798,15 @@
               </a:lnSpc>
             </a:pPr>
             <a:r>
-              <a:rPr b="0" i="1" lang="nl-NL" sz="800" spc="-1" strike="noStrike">
-                <a:solidFill>
-                  <a:srgbClr val="a6a6a6"/>
+              <a:rPr lang="nl-NL" sz="800" b="0" i="1" strike="noStrike" spc="-1">
+                <a:solidFill>
+                  <a:srgbClr val="A6A6A6"/>
                 </a:solidFill>
                 <a:latin typeface="Verdana"/>
               </a:rPr>
               <a:t>Which key metric are </a:t>
             </a:r>
-            <a:endParaRPr b="0" lang="en-US" sz="800" spc="-1" strike="noStrike">
+            <a:endParaRPr lang="en-US" sz="800" b="0" strike="noStrike" spc="-1">
               <a:latin typeface="Arial"/>
             </a:endParaRPr>
           </a:p>
@@ -3177,15 +4817,15 @@
               </a:lnSpc>
             </a:pPr>
             <a:r>
-              <a:rPr b="0" i="1" lang="nl-NL" sz="800" spc="-1" strike="noStrike">
-                <a:solidFill>
-                  <a:srgbClr val="a6a6a6"/>
+              <a:rPr lang="nl-NL" sz="800" b="0" i="1" strike="noStrike" spc="-1">
+                <a:solidFill>
+                  <a:srgbClr val="A6A6A6"/>
                 </a:solidFill>
                 <a:latin typeface="Verdana"/>
               </a:rPr>
               <a:t>you optimizing for?</a:t>
             </a:r>
-            <a:endParaRPr b="0" lang="en-US" sz="800" spc="-1" strike="noStrike">
+            <a:endParaRPr lang="en-US" sz="800" b="0" strike="noStrike" spc="-1">
               <a:latin typeface="Arial"/>
             </a:endParaRPr>
           </a:p>
@@ -3195,7 +4835,7 @@
                 <a:spcPct val="100000"/>
               </a:lnSpc>
             </a:pPr>
-            <a:endParaRPr b="0" lang="en-US" sz="800" spc="-1" strike="noStrike">
+            <a:endParaRPr lang="en-US" sz="800" b="0" strike="noStrike" spc="-1">
               <a:latin typeface="Arial"/>
             </a:endParaRPr>
           </a:p>
@@ -3206,15 +4846,15 @@
               </a:lnSpc>
             </a:pPr>
             <a:r>
-              <a:rPr b="0" i="1" lang="nl-NL" sz="800" spc="-1" strike="noStrike">
-                <a:solidFill>
-                  <a:srgbClr val="a6a6a6"/>
+              <a:rPr lang="nl-NL" sz="800" b="0" i="1" strike="noStrike" spc="-1">
+                <a:solidFill>
+                  <a:srgbClr val="A6A6A6"/>
                 </a:solidFill>
                 <a:latin typeface="Verdana"/>
               </a:rPr>
               <a:t>Easy interpretability and tracing of the volunteering of the thousands of volunteers within the Philips foundation using a web dashboard.</a:t>
             </a:r>
-            <a:endParaRPr b="0" lang="en-US" sz="800" spc="-1" strike="noStrike">
+            <a:endParaRPr lang="en-US" sz="800" b="0" strike="noStrike" spc="-1">
               <a:latin typeface="Arial"/>
             </a:endParaRPr>
           </a:p>
@@ -3279,15 +4919,22 @@
           </a:ln>
         </p:spPr>
         <p:style>
-          <a:lnRef idx="0"/>
-          <a:fillRef idx="0"/>
-          <a:effectRef idx="0"/>
+          <a:lnRef idx="0">
+            <a:scrgbClr r="0" g="0" b="0"/>
+          </a:lnRef>
+          <a:fillRef idx="0">
+            <a:scrgbClr r="0" g="0" b="0"/>
+          </a:fillRef>
+          <a:effectRef idx="0">
+            <a:scrgbClr r="0" g="0" b="0"/>
+          </a:effectRef>
           <a:fontRef idx="minor"/>
         </p:style>
         <p:txBody>
-          <a:bodyPr wrap="none" lIns="90000" rIns="90000" tIns="45000" bIns="45000">
+          <a:bodyPr wrap="none" lIns="90000" tIns="45000" rIns="90000" bIns="45000">
             <a:spAutoFit/>
           </a:bodyPr>
+          <a:lstStyle/>
           <a:p>
             <a:pPr>
               <a:lnSpc>
@@ -3295,7 +4942,7 @@
               </a:lnSpc>
             </a:pPr>
             <a:r>
-              <a:rPr b="1" lang="nl-NL" sz="900" spc="-1" strike="noStrike">
+              <a:rPr lang="nl-NL" sz="900" b="1" strike="noStrike" spc="-1">
                 <a:solidFill>
                   <a:srgbClr val="000000"/>
                 </a:solidFill>
@@ -3303,7 +4950,7 @@
               </a:rPr>
               <a:t>FAIR-maturity</a:t>
             </a:r>
-            <a:endParaRPr b="0" lang="en-US" sz="900" spc="-1" strike="noStrike">
+            <a:endParaRPr lang="en-US" sz="900" b="0" strike="noStrike" spc="-1">
               <a:latin typeface="Arial"/>
             </a:endParaRPr>
           </a:p>
@@ -3314,15 +4961,15 @@
               </a:lnSpc>
             </a:pPr>
             <a:r>
-              <a:rPr b="0" i="1" lang="nl-NL" sz="800" spc="-1" strike="noStrike">
-                <a:solidFill>
-                  <a:srgbClr val="a6a6a6"/>
+              <a:rPr lang="nl-NL" sz="800" b="0" i="1" strike="noStrike" spc="-1">
+                <a:solidFill>
+                  <a:srgbClr val="A6A6A6"/>
                 </a:solidFill>
                 <a:latin typeface="Verdana"/>
               </a:rPr>
               <a:t>Inidicate the FAIR-ness your </a:t>
             </a:r>
-            <a:endParaRPr b="0" lang="en-US" sz="800" spc="-1" strike="noStrike">
+            <a:endParaRPr lang="en-US" sz="800" b="0" strike="noStrike" spc="-1">
               <a:latin typeface="Arial"/>
             </a:endParaRPr>
           </a:p>
@@ -3333,15 +4980,15 @@
               </a:lnSpc>
             </a:pPr>
             <a:r>
-              <a:rPr b="0" i="1" lang="nl-NL" sz="800" spc="-1" strike="noStrike">
-                <a:solidFill>
-                  <a:srgbClr val="a6a6a6"/>
+              <a:rPr lang="nl-NL" sz="800" b="0" i="1" strike="noStrike" spc="-1">
+                <a:solidFill>
+                  <a:srgbClr val="A6A6A6"/>
                 </a:solidFill>
                 <a:latin typeface="Verdana"/>
               </a:rPr>
               <a:t>data</a:t>
             </a:r>
-            <a:endParaRPr b="0" lang="en-US" sz="800" spc="-1" strike="noStrike">
+            <a:endParaRPr lang="en-US" sz="800" b="0" strike="noStrike" spc="-1">
               <a:latin typeface="Arial"/>
             </a:endParaRPr>
           </a:p>
@@ -3349,14 +4996,9 @@
       </p:sp>
     </p:spTree>
   </p:cSld>
-  <mc:AlternateContent>
-    <mc:Choice Requires="p14">
-      <p:transition spd="slow" p14:dur="2000"/>
-    </mc:Choice>
-    <mc:Fallback>
-      <p:transition spd="slow"/>
-    </mc:Fallback>
-  </mc:AlternateContent>
+  <p:clrMapOvr>
+    <a:masterClrMapping/>
+  </p:clrMapOvr>
 </p:sld>
 </file>
 
@@ -3371,31 +5013,31 @@
         <a:sysClr val="window" lastClr="FFFFFF"/>
       </a:lt1>
       <a:dk2>
-        <a:srgbClr val="1f497d"/>
+        <a:srgbClr val="1F497D"/>
       </a:dk2>
       <a:lt2>
-        <a:srgbClr val="eeece1"/>
+        <a:srgbClr val="EEECE1"/>
       </a:lt2>
       <a:accent1>
-        <a:srgbClr val="4f81bd"/>
+        <a:srgbClr val="4F81BD"/>
       </a:accent1>
       <a:accent2>
-        <a:srgbClr val="c0504d"/>
+        <a:srgbClr val="C0504D"/>
       </a:accent2>
       <a:accent3>
-        <a:srgbClr val="9bbb59"/>
+        <a:srgbClr val="9BBB59"/>
       </a:accent3>
       <a:accent4>
-        <a:srgbClr val="8064a2"/>
+        <a:srgbClr val="8064A2"/>
       </a:accent4>
       <a:accent5>
-        <a:srgbClr val="4bacc6"/>
+        <a:srgbClr val="4BACC6"/>
       </a:accent5>
       <a:accent6>
-        <a:srgbClr val="f79646"/>
+        <a:srgbClr val="F79646"/>
       </a:accent6>
       <a:hlink>
-        <a:srgbClr val="0000ff"/>
+        <a:srgbClr val="0000FF"/>
       </a:hlink>
       <a:folHlink>
         <a:srgbClr val="800080"/>
@@ -3583,6 +5225,8 @@
       </a:bgFillStyleLst>
     </a:fmtScheme>
   </a:themeElements>
+  <a:objectDefaults/>
+  <a:extraClrSchemeLst/>
 </a:theme>
 </file>
 
@@ -3597,31 +5241,31 @@
         <a:sysClr val="window" lastClr="FFFFFF"/>
       </a:lt1>
       <a:dk2>
-        <a:srgbClr val="1f497d"/>
+        <a:srgbClr val="1F497D"/>
       </a:dk2>
       <a:lt2>
-        <a:srgbClr val="eeece1"/>
+        <a:srgbClr val="EEECE1"/>
       </a:lt2>
       <a:accent1>
-        <a:srgbClr val="4f81bd"/>
+        <a:srgbClr val="4F81BD"/>
       </a:accent1>
       <a:accent2>
-        <a:srgbClr val="c0504d"/>
+        <a:srgbClr val="C0504D"/>
       </a:accent2>
       <a:accent3>
-        <a:srgbClr val="9bbb59"/>
+        <a:srgbClr val="9BBB59"/>
       </a:accent3>
       <a:accent4>
-        <a:srgbClr val="8064a2"/>
+        <a:srgbClr val="8064A2"/>
       </a:accent4>
       <a:accent5>
-        <a:srgbClr val="4bacc6"/>
+        <a:srgbClr val="4BACC6"/>
       </a:accent5>
       <a:accent6>
-        <a:srgbClr val="f79646"/>
+        <a:srgbClr val="F79646"/>
       </a:accent6>
       <a:hlink>
-        <a:srgbClr val="0000ff"/>
+        <a:srgbClr val="0000FF"/>
       </a:hlink>
       <a:folHlink>
         <a:srgbClr val="800080"/>
@@ -3809,259 +5453,7 @@
       </a:bgFillStyleLst>
     </a:fmtScheme>
   </a:themeElements>
+  <a:objectDefaults/>
+  <a:extraClrSchemeLst/>
 </a:theme>
-</file>
-
-<file path=customXml/item1.xml><?xml version="1.0" encoding="utf-8"?>
-<ct:contentTypeSchema xmlns:ct="http://schemas.microsoft.com/office/2006/metadata/contentType" xmlns:ma="http://schemas.microsoft.com/office/2006/metadata/properties/metaAttributes" ct:_="" ma:_="" ma:contentTypeName="Document" ma:contentTypeID="0x010100A29F9419269F5C4A9190AE122E2B801F" ma:contentTypeVersion="11" ma:contentTypeDescription="Een nieuw document maken." ma:contentTypeScope="" ma:versionID="e2850f13e035203ee263ea9c0ebda38d">
-  <xsd:schema xmlns:xsd="http://www.w3.org/2001/XMLSchema" xmlns:xs="http://www.w3.org/2001/XMLSchema" xmlns:p="http://schemas.microsoft.com/office/2006/metadata/properties" xmlns:ns3="8f218aa2-d52b-4625-8e71-a768525273c6" xmlns:ns4="eccad639-cd8e-4bac-b24a-f8d91a03acde" targetNamespace="http://schemas.microsoft.com/office/2006/metadata/properties" ma:root="true" ma:fieldsID="1c41c781859bfa35484ce50612efb9d1" ns3:_="" ns4:_="">
-    <xsd:import namespace="8f218aa2-d52b-4625-8e71-a768525273c6"/>
-    <xsd:import namespace="eccad639-cd8e-4bac-b24a-f8d91a03acde"/>
-    <xsd:element name="properties">
-      <xsd:complexType>
-        <xsd:sequence>
-          <xsd:element name="documentManagement">
-            <xsd:complexType>
-              <xsd:all>
-                <xsd:element ref="ns3:MediaServiceMetadata" minOccurs="0"/>
-                <xsd:element ref="ns3:MediaServiceFastMetadata" minOccurs="0"/>
-                <xsd:element ref="ns3:MediaServiceDateTaken" minOccurs="0"/>
-                <xsd:element ref="ns3:MediaServiceAutoTags" minOccurs="0"/>
-                <xsd:element ref="ns3:MediaServiceLocation" minOccurs="0"/>
-                <xsd:element ref="ns3:MediaServiceOCR" minOccurs="0"/>
-                <xsd:element ref="ns4:SharedWithUsers" minOccurs="0"/>
-                <xsd:element ref="ns4:SharedWithDetails" minOccurs="0"/>
-                <xsd:element ref="ns4:SharingHintHash" minOccurs="0"/>
-                <xsd:element ref="ns3:MediaServiceGenerationTime" minOccurs="0"/>
-                <xsd:element ref="ns3:MediaServiceEventHashCode" minOccurs="0"/>
-              </xsd:all>
-            </xsd:complexType>
-          </xsd:element>
-        </xsd:sequence>
-      </xsd:complexType>
-    </xsd:element>
-  </xsd:schema>
-  <xsd:schema xmlns:xsd="http://www.w3.org/2001/XMLSchema" xmlns:xs="http://www.w3.org/2001/XMLSchema" xmlns:dms="http://schemas.microsoft.com/office/2006/documentManagement/types" xmlns:pc="http://schemas.microsoft.com/office/infopath/2007/PartnerControls" targetNamespace="8f218aa2-d52b-4625-8e71-a768525273c6" elementFormDefault="qualified">
-    <xsd:import namespace="http://schemas.microsoft.com/office/2006/documentManagement/types"/>
-    <xsd:import namespace="http://schemas.microsoft.com/office/infopath/2007/PartnerControls"/>
-    <xsd:element name="MediaServiceMetadata" ma:index="8" nillable="true" ma:displayName="MediaServiceMetadata" ma:hidden="true" ma:internalName="MediaServiceMetadata" ma:readOnly="true">
-      <xsd:simpleType>
-        <xsd:restriction base="dms:Note"/>
-      </xsd:simpleType>
-    </xsd:element>
-    <xsd:element name="MediaServiceFastMetadata" ma:index="9" nillable="true" ma:displayName="MediaServiceFastMetadata" ma:hidden="true" ma:internalName="MediaServiceFastMetadata" ma:readOnly="true">
-      <xsd:simpleType>
-        <xsd:restriction base="dms:Note"/>
-      </xsd:simpleType>
-    </xsd:element>
-    <xsd:element name="MediaServiceDateTaken" ma:index="10" nillable="true" ma:displayName="MediaServiceDateTaken" ma:hidden="true" ma:internalName="MediaServiceDateTaken" ma:readOnly="true">
-      <xsd:simpleType>
-        <xsd:restriction base="dms:Text"/>
-      </xsd:simpleType>
-    </xsd:element>
-    <xsd:element name="MediaServiceAutoTags" ma:index="11" nillable="true" ma:displayName="MediaServiceAutoTags" ma:internalName="MediaServiceAutoTags" ma:readOnly="true">
-      <xsd:simpleType>
-        <xsd:restriction base="dms:Text"/>
-      </xsd:simpleType>
-    </xsd:element>
-    <xsd:element name="MediaServiceLocation" ma:index="12" nillable="true" ma:displayName="MediaServiceLocation" ma:internalName="MediaServiceLocation" ma:readOnly="true">
-      <xsd:simpleType>
-        <xsd:restriction base="dms:Text"/>
-      </xsd:simpleType>
-    </xsd:element>
-    <xsd:element name="MediaServiceOCR" ma:index="13" nillable="true" ma:displayName="MediaServiceOCR" ma:internalName="MediaServiceOCR" ma:readOnly="true">
-      <xsd:simpleType>
-        <xsd:restriction base="dms:Note">
-          <xsd:maxLength value="255"/>
-        </xsd:restriction>
-      </xsd:simpleType>
-    </xsd:element>
-    <xsd:element name="MediaServiceGenerationTime" ma:index="17" nillable="true" ma:displayName="MediaServiceGenerationTime" ma:hidden="true" ma:internalName="MediaServiceGenerationTime" ma:readOnly="true">
-      <xsd:simpleType>
-        <xsd:restriction base="dms:Text"/>
-      </xsd:simpleType>
-    </xsd:element>
-    <xsd:element name="MediaServiceEventHashCode" ma:index="18" nillable="true" ma:displayName="MediaServiceEventHashCode" ma:hidden="true" ma:internalName="MediaServiceEventHashCode" ma:readOnly="true">
-      <xsd:simpleType>
-        <xsd:restriction base="dms:Text"/>
-      </xsd:simpleType>
-    </xsd:element>
-  </xsd:schema>
-  <xsd:schema xmlns:xsd="http://www.w3.org/2001/XMLSchema" xmlns:xs="http://www.w3.org/2001/XMLSchema" xmlns:dms="http://schemas.microsoft.com/office/2006/documentManagement/types" xmlns:pc="http://schemas.microsoft.com/office/infopath/2007/PartnerControls" targetNamespace="eccad639-cd8e-4bac-b24a-f8d91a03acde" elementFormDefault="qualified">
-    <xsd:import namespace="http://schemas.microsoft.com/office/2006/documentManagement/types"/>
-    <xsd:import namespace="http://schemas.microsoft.com/office/infopath/2007/PartnerControls"/>
-    <xsd:element name="SharedWithUsers" ma:index="14" nillable="true" ma:displayName="Gedeeld met" ma:internalName="SharedWithUsers" ma:readOnly="true">
-      <xsd:complexType>
-        <xsd:complexContent>
-          <xsd:extension base="dms:UserMulti">
-            <xsd:sequence>
-              <xsd:element name="UserInfo" minOccurs="0" maxOccurs="unbounded">
-                <xsd:complexType>
-                  <xsd:sequence>
-                    <xsd:element name="DisplayName" type="xsd:string" minOccurs="0"/>
-                    <xsd:element name="AccountId" type="dms:UserId" minOccurs="0" nillable="true"/>
-                    <xsd:element name="AccountType" type="xsd:string" minOccurs="0"/>
-                  </xsd:sequence>
-                </xsd:complexType>
-              </xsd:element>
-            </xsd:sequence>
-          </xsd:extension>
-        </xsd:complexContent>
-      </xsd:complexType>
-    </xsd:element>
-    <xsd:element name="SharedWithDetails" ma:index="15" nillable="true" ma:displayName="Gedeeld met details" ma:internalName="SharedWithDetails" ma:readOnly="true">
-      <xsd:simpleType>
-        <xsd:restriction base="dms:Note">
-          <xsd:maxLength value="255"/>
-        </xsd:restriction>
-      </xsd:simpleType>
-    </xsd:element>
-    <xsd:element name="SharingHintHash" ma:index="16" nillable="true" ma:displayName="Hint-hash delen" ma:hidden="true" ma:internalName="SharingHintHash" ma:readOnly="true">
-      <xsd:simpleType>
-        <xsd:restriction base="dms:Text"/>
-      </xsd:simpleType>
-    </xsd:element>
-  </xsd:schema>
-  <xsd:schema xmlns="http://schemas.openxmlformats.org/package/2006/metadata/core-properties" xmlns:xsd="http://www.w3.org/2001/XMLSchema" xmlns:xsi="http://www.w3.org/2001/XMLSchema-instance" xmlns:dc="http://purl.org/dc/elements/1.1/" xmlns:dcterms="http://purl.org/dc/terms/" xmlns:odoc="http://schemas.microsoft.com/internal/obd" targetNamespace="http://schemas.openxmlformats.org/package/2006/metadata/core-properties" elementFormDefault="qualified" attributeFormDefault="unqualified" blockDefault="#all">
-    <xsd:import namespace="http://purl.org/dc/elements/1.1/" schemaLocation="http://dublincore.org/schemas/xmls/qdc/2003/04/02/dc.xsd"/>
-    <xsd:import namespace="http://purl.org/dc/terms/" schemaLocation="http://dublincore.org/schemas/xmls/qdc/2003/04/02/dcterms.xsd"/>
-    <xsd:element name="coreProperties" type="CT_coreProperties"/>
-    <xsd:complexType name="CT_coreProperties">
-      <xsd:all>
-        <xsd:element ref="dc:creator" minOccurs="0" maxOccurs="1"/>
-        <xsd:element ref="dcterms:created" minOccurs="0" maxOccurs="1"/>
-        <xsd:element ref="dc:identifier" minOccurs="0" maxOccurs="1"/>
-        <xsd:element name="contentType" minOccurs="0" maxOccurs="1" type="xsd:string" ma:index="0" ma:displayName="Inhoudstype"/>
-        <xsd:element ref="dc:title" minOccurs="0" maxOccurs="1" ma:index="4" ma:displayName="Titel"/>
-        <xsd:element ref="dc:subject" minOccurs="0" maxOccurs="1"/>
-        <xsd:element ref="dc:description" minOccurs="0" maxOccurs="1"/>
-        <xsd:element name="keywords" minOccurs="0" maxOccurs="1" type="xsd:string"/>
-        <xsd:element ref="dc:language" minOccurs="0" maxOccurs="1"/>
-        <xsd:element name="category" minOccurs="0" maxOccurs="1" type="xsd:string"/>
-        <xsd:element name="version" minOccurs="0" maxOccurs="1" type="xsd:string"/>
-        <xsd:element name="revision" minOccurs="0" maxOccurs="1" type="xsd:string">
-          <xsd:annotation>
-            <xsd:documentation>
-                        This value indicates the number of saves or revisions. The application is responsible for updating this value after each revision.
-                    </xsd:documentation>
-          </xsd:annotation>
-        </xsd:element>
-        <xsd:element name="lastModifiedBy" minOccurs="0" maxOccurs="1" type="xsd:string"/>
-        <xsd:element ref="dcterms:modified" minOccurs="0" maxOccurs="1"/>
-        <xsd:element name="contentStatus" minOccurs="0" maxOccurs="1" type="xsd:string"/>
-      </xsd:all>
-    </xsd:complexType>
-  </xsd:schema>
-  <xs:schema xmlns:pc="http://schemas.microsoft.com/office/infopath/2007/PartnerControls" xmlns:xs="http://www.w3.org/2001/XMLSchema" targetNamespace="http://schemas.microsoft.com/office/infopath/2007/PartnerControls" elementFormDefault="qualified" attributeFormDefault="unqualified">
-    <xs:element name="Person">
-      <xs:complexType>
-        <xs:sequence>
-          <xs:element ref="pc:DisplayName" minOccurs="0"/>
-          <xs:element ref="pc:AccountId" minOccurs="0"/>
-          <xs:element ref="pc:AccountType" minOccurs="0"/>
-        </xs:sequence>
-      </xs:complexType>
-    </xs:element>
-    <xs:element name="DisplayName" type="xs:string"/>
-    <xs:element name="AccountId" type="xs:string"/>
-    <xs:element name="AccountType" type="xs:string"/>
-    <xs:element name="BDCAssociatedEntity">
-      <xs:complexType>
-        <xs:sequence>
-          <xs:element ref="pc:BDCEntity" minOccurs="0" maxOccurs="unbounded"/>
-        </xs:sequence>
-        <xs:attribute ref="pc:EntityNamespace"/>
-        <xs:attribute ref="pc:EntityName"/>
-        <xs:attribute ref="pc:SystemInstanceName"/>
-        <xs:attribute ref="pc:AssociationName"/>
-      </xs:complexType>
-    </xs:element>
-    <xs:attribute name="EntityNamespace" type="xs:string"/>
-    <xs:attribute name="EntityName" type="xs:string"/>
-    <xs:attribute name="SystemInstanceName" type="xs:string"/>
-    <xs:attribute name="AssociationName" type="xs:string"/>
-    <xs:element name="BDCEntity">
-      <xs:complexType>
-        <xs:sequence>
-          <xs:element ref="pc:EntityDisplayName" minOccurs="0"/>
-          <xs:element ref="pc:EntityInstanceReference" minOccurs="0"/>
-          <xs:element ref="pc:EntityId1" minOccurs="0"/>
-          <xs:element ref="pc:EntityId2" minOccurs="0"/>
-          <xs:element ref="pc:EntityId3" minOccurs="0"/>
-          <xs:element ref="pc:EntityId4" minOccurs="0"/>
-          <xs:element ref="pc:EntityId5" minOccurs="0"/>
-        </xs:sequence>
-      </xs:complexType>
-    </xs:element>
-    <xs:element name="EntityDisplayName" type="xs:string"/>
-    <xs:element name="EntityInstanceReference" type="xs:string"/>
-    <xs:element name="EntityId1" type="xs:string"/>
-    <xs:element name="EntityId2" type="xs:string"/>
-    <xs:element name="EntityId3" type="xs:string"/>
-    <xs:element name="EntityId4" type="xs:string"/>
-    <xs:element name="EntityId5" type="xs:string"/>
-    <xs:element name="Terms">
-      <xs:complexType>
-        <xs:sequence>
-          <xs:element ref="pc:TermInfo" minOccurs="0" maxOccurs="unbounded"/>
-        </xs:sequence>
-      </xs:complexType>
-    </xs:element>
-    <xs:element name="TermInfo">
-      <xs:complexType>
-        <xs:sequence>
-          <xs:element ref="pc:TermName" minOccurs="0"/>
-          <xs:element ref="pc:TermId" minOccurs="0"/>
-        </xs:sequence>
-      </xs:complexType>
-    </xs:element>
-    <xs:element name="TermName" type="xs:string"/>
-    <xs:element name="TermId" type="xs:string"/>
-  </xs:schema>
-</ct:contentTypeSchema>
-</file>
-
-<file path=customXml/item2.xml><?xml version="1.0" encoding="utf-8"?>
-<p:properties xmlns:p="http://schemas.microsoft.com/office/2006/metadata/properties" xmlns:xsi="http://www.w3.org/2001/XMLSchema-instance" xmlns:pc="http://schemas.microsoft.com/office/infopath/2007/PartnerControls">
-  <documentManagement/>
-</p:properties>
-</file>
-
-<file path=customXml/item3.xml><?xml version="1.0" encoding="utf-8"?>
-<?mso-contentType ?>
-<FormTemplates xmlns="http://schemas.microsoft.com/sharepoint/v3/contenttype/forms">
-  <Display>DocumentLibraryForm</Display>
-  <Edit>DocumentLibraryForm</Edit>
-  <New>DocumentLibraryForm</New>
-</FormTemplates>
-</file>
-
-<file path=customXml/itemProps1.xml><?xml version="1.0" encoding="utf-8"?>
-<ds:datastoreItem xmlns:ds="http://schemas.openxmlformats.org/officeDocument/2006/customXml" ds:itemID="{25790C7F-780A-4EDD-86BA-D1F9D0C952CB}">
-  <ds:schemaRefs>
-    <ds:schemaRef ds:uri="http://schemas.microsoft.com/office/2006/metadata/contentType"/>
-    <ds:schemaRef ds:uri="http://schemas.microsoft.com/office/2006/metadata/properties/metaAttributes"/>
-    <ds:schemaRef ds:uri="http://www.w3.org/2000/xmlns/"/>
-    <ds:schemaRef ds:uri="http://www.w3.org/2001/XMLSchema"/>
-    <ds:schemaRef ds:uri="8f218aa2-d52b-4625-8e71-a768525273c6"/>
-    <ds:schemaRef ds:uri="eccad639-cd8e-4bac-b24a-f8d91a03acde"/>
-  </ds:schemaRefs>
-</ds:datastoreItem>
-</file>
-
-<file path=customXml/itemProps2.xml><?xml version="1.0" encoding="utf-8"?>
-<ds:datastoreItem xmlns:ds="http://schemas.openxmlformats.org/officeDocument/2006/customXml" ds:itemID="{824F7E6B-8A9D-4363-BB68-0F9F8DA0A938}">
-  <ds:schemaRefs>
-    <ds:schemaRef ds:uri="http://schemas.microsoft.com/office/2006/metadata/properties"/>
-    <ds:schemaRef ds:uri="http://www.w3.org/2000/xmlns/"/>
-  </ds:schemaRefs>
-</ds:datastoreItem>
-</file>
-
-<file path=customXml/itemProps3.xml><?xml version="1.0" encoding="utf-8"?>
-<ds:datastoreItem xmlns:ds="http://schemas.openxmlformats.org/officeDocument/2006/customXml" ds:itemID="{9269A93D-A503-4439-B856-D6FB1315913F}">
-  <ds:schemaRefs>
-    <ds:schemaRef ds:uri="http://schemas.microsoft.com/sharepoint/v3/contenttype/forms"/>
-  </ds:schemaRefs>
-</ds:datastoreItem>
 </file>